--- a/Term1/Machine Vision/lectures/23_TrainingVsGeneralizing_.pptx
+++ b/Term1/Machine Vision/lectures/23_TrainingVsGeneralizing_.pptx
@@ -228,7 +228,7 @@
             <a:fld id="{A1B787B9-0DAE-42E2-BEBC-E3B5162A5373}" type="datetimeFigureOut">
               <a:rPr lang="en-US" smtClean="0"/>
               <a:pPr/>
-              <a:t>5/2/2024</a:t>
+              <a:t>5/5/2024</a:t>
             </a:fld>
             <a:endParaRPr lang="en-GB"/>
           </a:p>
@@ -1827,6 +1827,34 @@
           <inkml:channel name="X" type="integer" min="-2.14748E9" max="2.14748E9" units="cm"/>
           <inkml:channel name="Y" type="integer" min="-2.14748E9" max="2.14748E9" units="cm"/>
           <inkml:channel name="F" type="integer" max="32767" units="dev"/>
+        </inkml:traceFormat>
+        <inkml:channelProperties>
+          <inkml:channelProperty channel="X" name="resolution" value="1000" units="1/cm"/>
+          <inkml:channelProperty channel="Y" name="resolution" value="1000" units="1/cm"/>
+          <inkml:channelProperty channel="F" name="resolution" value="0" units="1/dev"/>
+        </inkml:channelProperties>
+      </inkml:inkSource>
+      <inkml:timestamp xml:id="ts0" timeString="2024-05-05T18:59:03.184"/>
+    </inkml:context>
+    <inkml:brush xml:id="br0">
+      <inkml:brushProperty name="width" value="0.1" units="cm"/>
+      <inkml:brushProperty name="height" value="0.1" units="cm"/>
+      <inkml:brushProperty name="color" value="#008C3A"/>
+    </inkml:brush>
+  </inkml:definitions>
+  <inkml:trace contextRef="#ctx0" brushRef="#br0">8457 3324 24575,'1'-15'0,"1"1"0,0-1 0,1 1 0,6-17 0,2-9 0,4-33-23,-4 0 0,-2 0 0,-2-91 0,-8 79-399,-3 1 1,-4 0-1,-20-87 0,-50-126 422,18 103 0,-24-66 0,47 161-184,-4 1 0,-66-110 0,95 188 184,-98-156-1,70 115 109,27 39 262,0 1 1,-2 1-1,0 0 1,-2 1-1,-29-28 1,8 16-371,-1 2 0,-2 1 1,-84-43-1,89 54 0,-1 2 0,-1 2 0,0 1 0,-1 2 0,0 1 0,0 2 0,-59-2 0,-27 6 0,-101-5 0,-263-37-1105,431 38 1001,-267-44-1509,-199-46 224,200 43 714,-382-52 675,633 97 0,-436-26-1357,-280-37 2378,462 31-1929,271 35-986,-412-17 9918,328 14-8024,7 0 0,-221 10 0,330 0 0,0 2 0,0 0 0,-24 7 0,22-4 0,-1-1 0,-29 2 0,40-6 0,1 1 0,-1 1 0,1 0 0,0 1 0,0 1 0,-18 8 0,-85 47 0,63-30 0,-27 15 0,2 4 0,-121 97 0,147-99 0,3 2 0,-85 106 0,-66 129 0,175-239 0,2 2 0,2 0 0,2 2 0,3 0 0,-18 69 0,30-90 0,-3 36 0,-3 14 0,-7 20 0,3 1 0,5 0 0,2 112 0,11-139-65,14 107 0,5-65-224,4-1 0,59 164 0,-54-194-756,83 209-514,-61-184 1458,4-2 1,127 179-1,-54-122-465,160 156 0,-94-99 566,-174-198 0,456 467 0,-193-201-712,-92-89 311,367 388 401,-482-504 0,307 371-153,96 161 153,-394-501-48,138 175-323,-163-218 244,132 118 0,-131-137 46,2-3 1,121 70 0,-138-95 39,0-1 1,1-3 0,2-2 0,0-2-1,66 13 1,-23-15 157,157 4-1,97-21 185,-269 1-284,23-4-239,-1-5 0,153-36 1,-100 15 221,224-59 0,60-58 0,-339 108 0,-1-3 0,122-77 0,262-209-113,-32-44-1,-316 243 114,-6-7 0,-6-4 0,143-221 0,-29-49 0,-229 400 0,87-170-96,-8-4 1,70-224-1,-154 408 96,118-418-287,1-69 944,27-201-290,-119 535 981,-4 38-988,8-48-34,-22 88 2331,0-120 0,-10 193-2655,-5-81 337,4 76-552,-1 0 0,0 1-1,0-1 1,-1 1 0,0 0-1,0 0 1,-8-13 0</inkml:trace>
+</inkml:ink>
+</file>
+
+<file path=ppt/ink/ink142.xml><?xml version="1.0" encoding="utf-8"?>
+<inkml:ink xmlns:inkml="http://www.w3.org/2003/InkML">
+  <inkml:definitions>
+    <inkml:context xml:id="ctx0">
+      <inkml:inkSource xml:id="inkSrc0">
+        <inkml:traceFormat>
+          <inkml:channel name="X" type="integer" min="-2.14748E9" max="2.14748E9" units="cm"/>
+          <inkml:channel name="Y" type="integer" min="-2.14748E9" max="2.14748E9" units="cm"/>
+          <inkml:channel name="F" type="integer" max="32767" units="dev"/>
           <inkml:channel name="OA" type="integer" max="360" units="deg"/>
           <inkml:channel name="OE" type="integer" max="90" units="deg"/>
         </inkml:traceFormat>
@@ -1850,7 +1878,7 @@
 </inkml:ink>
 </file>
 
-<file path=ppt/ink/ink142.xml><?xml version="1.0" encoding="utf-8"?>
+<file path=ppt/ink/ink143.xml><?xml version="1.0" encoding="utf-8"?>
 <inkml:ink xmlns:inkml="http://www.w3.org/2003/InkML">
   <inkml:definitions>
     <inkml:context xml:id="ctx0">
@@ -1882,7 +1910,7 @@
 </inkml:ink>
 </file>
 
-<file path=ppt/ink/ink143.xml><?xml version="1.0" encoding="utf-8"?>
+<file path=ppt/ink/ink144.xml><?xml version="1.0" encoding="utf-8"?>
 <inkml:ink xmlns:inkml="http://www.w3.org/2003/InkML">
   <inkml:definitions>
     <inkml:context xml:id="ctx0">
@@ -1914,7 +1942,7 @@
 </inkml:ink>
 </file>
 
-<file path=ppt/ink/ink144.xml><?xml version="1.0" encoding="utf-8"?>
+<file path=ppt/ink/ink145.xml><?xml version="1.0" encoding="utf-8"?>
 <inkml:ink xmlns:inkml="http://www.w3.org/2003/InkML">
   <inkml:definitions>
     <inkml:context xml:id="ctx0">
@@ -1946,7 +1974,7 @@
 </inkml:ink>
 </file>
 
-<file path=ppt/ink/ink145.xml><?xml version="1.0" encoding="utf-8"?>
+<file path=ppt/ink/ink146.xml><?xml version="1.0" encoding="utf-8"?>
 <inkml:ink xmlns:inkml="http://www.w3.org/2003/InkML">
   <inkml:definitions>
     <inkml:context xml:id="ctx0">
@@ -1979,7 +2007,7 @@
 </inkml:ink>
 </file>
 
-<file path=ppt/ink/ink146.xml><?xml version="1.0" encoding="utf-8"?>
+<file path=ppt/ink/ink147.xml><?xml version="1.0" encoding="utf-8"?>
 <inkml:ink xmlns:inkml="http://www.w3.org/2003/InkML">
   <inkml:definitions>
     <inkml:context xml:id="ctx0">
@@ -2011,7 +2039,7 @@
 </inkml:ink>
 </file>
 
-<file path=ppt/ink/ink147.xml><?xml version="1.0" encoding="utf-8"?>
+<file path=ppt/ink/ink148.xml><?xml version="1.0" encoding="utf-8"?>
 <inkml:ink xmlns:inkml="http://www.w3.org/2003/InkML">
   <inkml:definitions>
     <inkml:context xml:id="ctx0">
@@ -2044,7 +2072,7 @@
 </inkml:ink>
 </file>
 
-<file path=ppt/ink/ink148.xml><?xml version="1.0" encoding="utf-8"?>
+<file path=ppt/ink/ink149.xml><?xml version="1.0" encoding="utf-8"?>
 <inkml:ink xmlns:inkml="http://www.w3.org/2003/InkML">
   <inkml:definitions>
     <inkml:context xml:id="ctx0">
@@ -2074,38 +2102,6 @@
   </inkml:definitions>
   <inkml:trace contextRef="#ctx0" brushRef="#br0">323 1 3247 0 0,'0'0'352'0'0,"-3"14"544"0"0,-2-2 160 0 0,-2 0 1144 0 0,4 3-984 0 0,-2 0 32 0 0,-2-2 0 0 0,6 2 0 0 0,-1 0-816 0 0,-1 1-160 0 0,-2 3-32 0 0,-2 1-3856 0 0,0 1-768 0 0</inkml:trace>
   <inkml:trace contextRef="#ctx0" brushRef="#br0" timeOffset="1">1 605 2591 0 0,'15'-5'141'0'0,"27"-13"-1"0"0,2 0 1727 0 0,-12 6 1332 0 0,-29 12-2090 0 0,3-2-110 0 0,0 1 0 0 0,1 0-1 0 0,-1 1 1 0 0,1 0 0 0 0,11 1 3262 0 0,-21 17-3210 0 0</inkml:trace>
-</inkml:ink>
-</file>
-
-<file path=ppt/ink/ink149.xml><?xml version="1.0" encoding="utf-8"?>
-<inkml:ink xmlns:inkml="http://www.w3.org/2003/InkML">
-  <inkml:definitions>
-    <inkml:context xml:id="ctx0">
-      <inkml:inkSource xml:id="inkSrc0">
-        <inkml:traceFormat>
-          <inkml:channel name="X" type="integer" min="-2.14748E9" max="2.14748E9" units="cm"/>
-          <inkml:channel name="Y" type="integer" min="-2.14748E9" max="2.14748E9" units="cm"/>
-          <inkml:channel name="F" type="integer" max="32767" units="dev"/>
-          <inkml:channel name="OA" type="integer" max="360" units="deg"/>
-          <inkml:channel name="OE" type="integer" max="90" units="deg"/>
-        </inkml:traceFormat>
-        <inkml:channelProperties>
-          <inkml:channelProperty channel="X" name="resolution" value="1000" units="1/cm"/>
-          <inkml:channelProperty channel="Y" name="resolution" value="1000" units="1/cm"/>
-          <inkml:channelProperty channel="F" name="resolution" value="0" units="1/dev"/>
-          <inkml:channelProperty channel="OA" name="resolution" value="1000" units="1/deg"/>
-          <inkml:channelProperty channel="OE" name="resolution" value="1000" units="1/deg"/>
-        </inkml:channelProperties>
-      </inkml:inkSource>
-      <inkml:timestamp xml:id="ts0" timeString="2023-12-11T13:47:45.390"/>
-    </inkml:context>
-    <inkml:brush xml:id="br0">
-      <inkml:brushProperty name="width" value="0.1" units="cm"/>
-      <inkml:brushProperty name="height" value="0.1" units="cm"/>
-      <inkml:brushProperty name="color" value="#004F8B"/>
-    </inkml:brush>
-  </inkml:definitions>
-  <inkml:trace contextRef="#ctx0" brushRef="#br0">177 1 2527 0 0,'0'4'21'0'0,"0"0"-1"0"0,-1 0 0 0 0,1 0 1 0 0,-1 0-1 0 0,0 0 0 0 0,0-1 1 0 0,-1 1-1 0 0,1 0 0 0 0,-1 0 1 0 0,-3 6-1 0 0,-2 0 100 0 0,0-1 0 0 0,-12 12 0 0 0,12-14 57 0 0,1 1 1 0 0,-1 0 0 0 0,2 0 0 0 0,-8 11-1 0 0,-18 38 1233 0 0,20-39-622 0 0,1-1-1 0 0,1 2 1 0 0,0-1-1 0 0,1 1 1 0 0,-4 20-1 0 0,11-37-753 0 0,1-1 0 0 0,0 0 0 0 0,0 1 0 0 0,0-1 0 0 0,0 0 0 0 0,0 1 0 0 0,0-1 0 0 0,0 0 0 0 0,0 1 0 0 0,0-1 0 0 0,1 0 0 0 0,-1 0-1 0 0,0 1 1 0 0,1-1 0 0 0,-1 0 0 0 0,2 2 0 0 0</inkml:trace>
 </inkml:ink>
 </file>
 
@@ -2161,6 +2157,38 @@
           <inkml:channelProperty channel="OE" name="resolution" value="1000" units="1/deg"/>
         </inkml:channelProperties>
       </inkml:inkSource>
+      <inkml:timestamp xml:id="ts0" timeString="2023-12-11T13:47:45.390"/>
+    </inkml:context>
+    <inkml:brush xml:id="br0">
+      <inkml:brushProperty name="width" value="0.1" units="cm"/>
+      <inkml:brushProperty name="height" value="0.1" units="cm"/>
+      <inkml:brushProperty name="color" value="#004F8B"/>
+    </inkml:brush>
+  </inkml:definitions>
+  <inkml:trace contextRef="#ctx0" brushRef="#br0">177 1 2527 0 0,'0'4'21'0'0,"0"0"-1"0"0,-1 0 0 0 0,1 0 1 0 0,-1 0-1 0 0,0 0 0 0 0,0-1 1 0 0,-1 1-1 0 0,1 0 0 0 0,-1 0 1 0 0,-3 6-1 0 0,-2 0 100 0 0,0-1 0 0 0,-12 12 0 0 0,12-14 57 0 0,1 1 1 0 0,-1 0 0 0 0,2 0 0 0 0,-8 11-1 0 0,-18 38 1233 0 0,20-39-622 0 0,1-1-1 0 0,1 2 1 0 0,0-1-1 0 0,1 1 1 0 0,-4 20-1 0 0,11-37-753 0 0,1-1 0 0 0,0 0 0 0 0,0 1 0 0 0,0-1 0 0 0,0 0 0 0 0,0 1 0 0 0,0-1 0 0 0,0 0 0 0 0,0 1 0 0 0,0-1 0 0 0,1 0 0 0 0,-1 0-1 0 0,0 1 1 0 0,1-1 0 0 0,-1 0 0 0 0,2 2 0 0 0</inkml:trace>
+</inkml:ink>
+</file>
+
+<file path=ppt/ink/ink151.xml><?xml version="1.0" encoding="utf-8"?>
+<inkml:ink xmlns:inkml="http://www.w3.org/2003/InkML">
+  <inkml:definitions>
+    <inkml:context xml:id="ctx0">
+      <inkml:inkSource xml:id="inkSrc0">
+        <inkml:traceFormat>
+          <inkml:channel name="X" type="integer" min="-2.14748E9" max="2.14748E9" units="cm"/>
+          <inkml:channel name="Y" type="integer" min="-2.14748E9" max="2.14748E9" units="cm"/>
+          <inkml:channel name="F" type="integer" max="32767" units="dev"/>
+          <inkml:channel name="OA" type="integer" max="360" units="deg"/>
+          <inkml:channel name="OE" type="integer" max="90" units="deg"/>
+        </inkml:traceFormat>
+        <inkml:channelProperties>
+          <inkml:channelProperty channel="X" name="resolution" value="1000" units="1/cm"/>
+          <inkml:channelProperty channel="Y" name="resolution" value="1000" units="1/cm"/>
+          <inkml:channelProperty channel="F" name="resolution" value="0" units="1/dev"/>
+          <inkml:channelProperty channel="OA" name="resolution" value="1000" units="1/deg"/>
+          <inkml:channelProperty channel="OE" name="resolution" value="1000" units="1/deg"/>
+        </inkml:channelProperties>
+      </inkml:inkSource>
       <inkml:timestamp xml:id="ts0" timeString="2023-12-11T13:47:45.728"/>
     </inkml:context>
     <inkml:brush xml:id="br0">
@@ -2173,7 +2201,7 @@
 </inkml:ink>
 </file>
 
-<file path=ppt/ink/ink151.xml><?xml version="1.0" encoding="utf-8"?>
+<file path=ppt/ink/ink152.xml><?xml version="1.0" encoding="utf-8"?>
 <inkml:ink xmlns:inkml="http://www.w3.org/2003/InkML">
   <inkml:definitions>
     <inkml:context xml:id="ctx0">
@@ -2205,7 +2233,7 @@
 </inkml:ink>
 </file>
 
-<file path=ppt/ink/ink152.xml><?xml version="1.0" encoding="utf-8"?>
+<file path=ppt/ink/ink153.xml><?xml version="1.0" encoding="utf-8"?>
 <inkml:ink xmlns:inkml="http://www.w3.org/2003/InkML">
   <inkml:definitions>
     <inkml:context xml:id="ctx0">
@@ -2238,7 +2266,7 @@
 </inkml:ink>
 </file>
 
-<file path=ppt/ink/ink153.xml><?xml version="1.0" encoding="utf-8"?>
+<file path=ppt/ink/ink154.xml><?xml version="1.0" encoding="utf-8"?>
 <inkml:ink xmlns:inkml="http://www.w3.org/2003/InkML">
   <inkml:definitions>
     <inkml:context xml:id="ctx0">
@@ -2270,7 +2298,7 @@
 </inkml:ink>
 </file>
 
-<file path=ppt/ink/ink154.xml><?xml version="1.0" encoding="utf-8"?>
+<file path=ppt/ink/ink155.xml><?xml version="1.0" encoding="utf-8"?>
 <inkml:ink xmlns:inkml="http://www.w3.org/2003/InkML">
   <inkml:definitions>
     <inkml:context xml:id="ctx0">
@@ -2302,7 +2330,7 @@
 </inkml:ink>
 </file>
 
-<file path=ppt/ink/ink155.xml><?xml version="1.0" encoding="utf-8"?>
+<file path=ppt/ink/ink156.xml><?xml version="1.0" encoding="utf-8"?>
 <inkml:ink xmlns:inkml="http://www.w3.org/2003/InkML">
   <inkml:definitions>
     <inkml:context xml:id="ctx0">
@@ -2334,7 +2362,7 @@
 </inkml:ink>
 </file>
 
-<file path=ppt/ink/ink156.xml><?xml version="1.0" encoding="utf-8"?>
+<file path=ppt/ink/ink157.xml><?xml version="1.0" encoding="utf-8"?>
 <inkml:ink xmlns:inkml="http://www.w3.org/2003/InkML">
   <inkml:definitions>
     <inkml:context xml:id="ctx0">
@@ -2366,7 +2394,7 @@
 </inkml:ink>
 </file>
 
-<file path=ppt/ink/ink157.xml><?xml version="1.0" encoding="utf-8"?>
+<file path=ppt/ink/ink158.xml><?xml version="1.0" encoding="utf-8"?>
 <inkml:ink xmlns:inkml="http://www.w3.org/2003/InkML">
   <inkml:definitions>
     <inkml:context xml:id="ctx0">
@@ -2398,7 +2426,7 @@
 </inkml:ink>
 </file>
 
-<file path=ppt/ink/ink158.xml><?xml version="1.0" encoding="utf-8"?>
+<file path=ppt/ink/ink159.xml><?xml version="1.0" encoding="utf-8"?>
 <inkml:ink xmlns:inkml="http://www.w3.org/2003/InkML">
   <inkml:definitions>
     <inkml:context xml:id="ctx0">
@@ -2427,38 +2455,6 @@
     </inkml:brush>
   </inkml:definitions>
   <inkml:trace contextRef="#ctx0" brushRef="#br0">0 190 4199 0 0,'8'-6'8068'0'0,"-7"5"-8075"0"0,0 0 1 0 0,0 0-1 0 0,0 0 0 0 0,0 0 1 0 0,0 1-1 0 0,0-1 0 0 0,0 0 1 0 0,0 0-1 0 0,1 1 1 0 0,-1-1-1 0 0,0 1 0 0 0,1-1 1 0 0,-1 1-1 0 0,3-1 0 0 0,-1 2 39 0 0,0-1 1 0 0,0 1-1 0 0,0 0 0 0 0,0 0 0 0 0,0 0 0 0 0,0 1 1 0 0,0-1-1 0 0,0 1 0 0 0,0-1 0 0 0,-1 1 0 0 0,1 0 0 0 0,-1 0 1 0 0,1 0-1 0 0,3 4 0 0 0,-1 0 221 0 0,1 1 0 0 0,-1-1-1 0 0,0 1 1 0 0,8 14 0 0 0,2 13 1111 0 0,-2 1 0 0 0,-2 0 0 0 0,10 51 1 0 0,-18-76-1110 0 0,12 75 2203 0 0,-12-76-1973 0 0,1-9 339 0 0,4-16-547 0 0,-6 9-496 0 0,0 1 1 0 0,-1-1-1 0 0,0 0 1 0 0,0 0 0 0 0,-1 0-1 0 0,1 0 1 0 0,-2 1-1 0 0,1-1 1 0 0,-3-12-1 0 0,-2-8-947 0 0,-11-28 0 0 0,12 40 822 0 0,-10-25-283 0 0,-4-20 220 0 0,6 19 442 0 0,8 28 1 0 0,0 0 1 0 0,-4-26-1 0 0,5 19 27 0 0,2 15-41 0 0,0 0 1 0 0,0 0-1 0 0,1 0 1 0 0,0 0-1 0 0,0-9 1 0 0,4 0-13 0 0,-1 3-10 0 0,5 2 0 0 0,-5 6 0 0 0,12-7 11 0 0,-6 5 82 0 0,0 0-1 0 0,1 1 1 0 0,11-3 0 0 0,-14 5-33 0 0,-5 1 34 0 0,38-5 264 0 0,-37 5-315 0 0,1 0 0 0 0,0 1 1 0 0,0-1-1 0 0,-1 1 0 0 0,1 0 1 0 0,0 0-1 0 0,0 0 0 0 0,0 1 1 0 0,-1-1-1 0 0,1 1 0 0 0,0 0 1 0 0,0 0-1 0 0,-1 1 0 0 0,1-1 1 0 0,-1 1-1 0 0,1-1 0 0 0,-1 1 1 0 0,0 0-1 0 0,5 4 0 0 0,-1 0 38 0 0,3 3 238 0 0,1 1 1 0 0,-2 0-1 0 0,17 21 1 0 0,-18-19 249 0 0,10 27 0 0 0,-2-5 29 0 0,-5-10-124 0 0,-1 1 0 0 0,-1 0 1 0 0,7 32-1 0 0,11 32 833 0 0,-11-40-811 0 0,-11-31-336 0 0,15 33 0 0 0,-19-49 176 0 0</inkml:trace>
-</inkml:ink>
-</file>
-
-<file path=ppt/ink/ink159.xml><?xml version="1.0" encoding="utf-8"?>
-<inkml:ink xmlns:inkml="http://www.w3.org/2003/InkML">
-  <inkml:definitions>
-    <inkml:context xml:id="ctx0">
-      <inkml:inkSource xml:id="inkSrc0">
-        <inkml:traceFormat>
-          <inkml:channel name="X" type="integer" min="-2.14748E9" max="2.14748E9" units="cm"/>
-          <inkml:channel name="Y" type="integer" min="-2.14748E9" max="2.14748E9" units="cm"/>
-          <inkml:channel name="F" type="integer" max="32767" units="dev"/>
-          <inkml:channel name="OA" type="integer" max="360" units="deg"/>
-          <inkml:channel name="OE" type="integer" max="90" units="deg"/>
-        </inkml:traceFormat>
-        <inkml:channelProperties>
-          <inkml:channelProperty channel="X" name="resolution" value="1000" units="1/cm"/>
-          <inkml:channelProperty channel="Y" name="resolution" value="1000" units="1/cm"/>
-          <inkml:channelProperty channel="F" name="resolution" value="0" units="1/dev"/>
-          <inkml:channelProperty channel="OA" name="resolution" value="1000" units="1/deg"/>
-          <inkml:channelProperty channel="OE" name="resolution" value="1000" units="1/deg"/>
-        </inkml:channelProperties>
-      </inkml:inkSource>
-      <inkml:timestamp xml:id="ts0" timeString="2023-12-11T13:47:50.069"/>
-    </inkml:context>
-    <inkml:brush xml:id="br0">
-      <inkml:brushProperty name="width" value="0.1" units="cm"/>
-      <inkml:brushProperty name="height" value="0.1" units="cm"/>
-      <inkml:brushProperty name="color" value="#004F8B"/>
-    </inkml:brush>
-  </inkml:definitions>
-  <inkml:trace contextRef="#ctx0" brushRef="#br0">160 16 5351 0 0,'0'0'416'0'0,"3"-1"-272"0"0,17-10 216 0 0,-9 7 996 0 0,-6 4-843 0 0,-1 0-1 0 0,0 0 1 0 0,0 0-1 0 0,1 1 1 0 0,-1 0 0 0 0,0 0-1 0 0,0 0 1 0 0,0 0-1 0 0,5 2 1 0 0,-7-2-24 0 0,4 15 285 0 0,-1-3-493 0 0,-4-8-190 0 0,-1 0 1 0 0,1 1 0 0 0,-1-1 0 0 0,0 1 0 0 0,-1-1 0 0 0,1 1 0 0 0,-1-1 0 0 0,-3 9-1 0 0,1-4 190 0 0,0-1 0 0 0,-1 1 0 0 0,-7 13 0 0 0,-1-2 511 0 0,12-19-312 0 0,3-2-386 0 0,-1 0-88 0 0,9 0 6 0 0,-1 0 1 0 0,1-1 0 0 0,-1-1 0 0 0,1 0-1 0 0,14-5 1 0 0,6-1-13 0 0,-24 6-1 0 0,-5 1-5 0 0,0 0 0 0 0,0 1 1 0 0,0-1-1 0 0,0 1 0 0 0,0-1 0 0 0,0 1 1 0 0,0 0-1 0 0,0 0 0 0 0,3 0 1 0 0,-3 0-293 0 0,11-3-4854 0 0,-8 2 3887 0 0,0 1-1 0 0,5-1 1 0 0,-9 2 1116 0 0,-1-1 0 0 0,1 1 0 0 0,0-1-1 0 0,-1 1 1 0 0,1-1 0 0 0,0 1 0 0 0,-1 0-1 0 0,1-1 1 0 0,-1 1 0 0 0,1 0 0 0 0,-1-1-1 0 0,0 1 1 0 0,1 0 0 0 0,-1 0 0 0 0,0 0-1 0 0,1-1 1 0 0,-1 1 0 0 0,0 0 0 0 0,0 0-1 0 0,0 0 1 0 0,1 0 0 0 0,-1-1 0 0 0,0 1-1 0 0,0 0 1 0 0,-1 0 0 0 0,1 0 0 0 0,0 0-1 0 0,0-1 1 0 0,0 1 0 0 0,-1 1 0 0 0,-9 31-231 0 0,8-27 368 0 0,0 0 1 0 0,-1 0 0 0 0,0 1-1 0 0,-1-1 1 0 0,1-1 0 0 0,-1 1-1 0 0,-5 6 1 0 0,-2 1 118 0 0,-26 29 1205 0 0,20-25-528 0 0,0 1 0 0 0,-1-2 1 0 0,0-1-1 0 0,-25 17 0 0 0,-107 63 4305 0 0,112-68-2696 0 0,24-16 18 0 0,17-10-1939 0 0,21 3 264 0 0,1-1 0 0 0,-1 0 1 0 0,0-2-1 0 0,1-1 0 0 0,-1-1 0 0 0,1-1 0 0 0,42-9 0 0 0,-21 0 188 0 0,-1-2 1 0 0,-1-2-1 0 0,53-26 1 0 0,-58 21-547 0 0,-2-1 0 0 0,0-3 0 0 0,-2 0 0 0 0,37-34 0 0 0,-14-1-1268 0 0,-35 35-6755 0 0</inkml:trace>
 </inkml:ink>
 </file>
 
@@ -2514,6 +2510,38 @@
           <inkml:channelProperty channel="OE" name="resolution" value="1000" units="1/deg"/>
         </inkml:channelProperties>
       </inkml:inkSource>
+      <inkml:timestamp xml:id="ts0" timeString="2023-12-11T13:47:50.069"/>
+    </inkml:context>
+    <inkml:brush xml:id="br0">
+      <inkml:brushProperty name="width" value="0.1" units="cm"/>
+      <inkml:brushProperty name="height" value="0.1" units="cm"/>
+      <inkml:brushProperty name="color" value="#004F8B"/>
+    </inkml:brush>
+  </inkml:definitions>
+  <inkml:trace contextRef="#ctx0" brushRef="#br0">160 16 5351 0 0,'0'0'416'0'0,"3"-1"-272"0"0,17-10 216 0 0,-9 7 996 0 0,-6 4-843 0 0,-1 0-1 0 0,0 0 1 0 0,0 0-1 0 0,1 1 1 0 0,-1 0 0 0 0,0 0-1 0 0,0 0 1 0 0,0 0-1 0 0,5 2 1 0 0,-7-2-24 0 0,4 15 285 0 0,-1-3-493 0 0,-4-8-190 0 0,-1 0 1 0 0,1 1 0 0 0,-1-1 0 0 0,0 1 0 0 0,-1-1 0 0 0,1 1 0 0 0,-1-1 0 0 0,-3 9-1 0 0,1-4 190 0 0,0-1 0 0 0,-1 1 0 0 0,-7 13 0 0 0,-1-2 511 0 0,12-19-312 0 0,3-2-386 0 0,-1 0-88 0 0,9 0 6 0 0,-1 0 1 0 0,1-1 0 0 0,-1-1 0 0 0,1 0-1 0 0,14-5 1 0 0,6-1-13 0 0,-24 6-1 0 0,-5 1-5 0 0,0 0 0 0 0,0 1 1 0 0,0-1-1 0 0,0 1 0 0 0,0-1 0 0 0,0 1 1 0 0,0 0-1 0 0,0 0 0 0 0,3 0 1 0 0,-3 0-293 0 0,11-3-4854 0 0,-8 2 3887 0 0,0 1-1 0 0,5-1 1 0 0,-9 2 1116 0 0,-1-1 0 0 0,1 1 0 0 0,0-1-1 0 0,-1 1 1 0 0,1-1 0 0 0,0 1 0 0 0,-1 0-1 0 0,1-1 1 0 0,-1 1 0 0 0,1 0 0 0 0,-1-1-1 0 0,0 1 1 0 0,1 0 0 0 0,-1 0 0 0 0,0 0-1 0 0,1-1 1 0 0,-1 1 0 0 0,0 0 0 0 0,0 0-1 0 0,0 0 1 0 0,1 0 0 0 0,-1-1 0 0 0,0 1-1 0 0,0 0 1 0 0,-1 0 0 0 0,1 0 0 0 0,0 0-1 0 0,0-1 1 0 0,0 1 0 0 0,-1 1 0 0 0,-9 31-231 0 0,8-27 368 0 0,0 0 1 0 0,-1 0 0 0 0,0 1-1 0 0,-1-1 1 0 0,1-1 0 0 0,-1 1-1 0 0,-5 6 1 0 0,-2 1 118 0 0,-26 29 1205 0 0,20-25-528 0 0,0 1 0 0 0,-1-2 1 0 0,0-1-1 0 0,-25 17 0 0 0,-107 63 4305 0 0,112-68-2696 0 0,24-16 18 0 0,17-10-1939 0 0,21 3 264 0 0,1-1 0 0 0,-1 0 1 0 0,0-2-1 0 0,1-1 0 0 0,-1-1 0 0 0,1-1 0 0 0,42-9 0 0 0,-21 0 188 0 0,-1-2 1 0 0,-1-2-1 0 0,53-26 1 0 0,-58 21-547 0 0,-2-1 0 0 0,0-3 0 0 0,-2 0 0 0 0,37-34 0 0 0,-14-1-1268 0 0,-35 35-6755 0 0</inkml:trace>
+</inkml:ink>
+</file>
+
+<file path=ppt/ink/ink161.xml><?xml version="1.0" encoding="utf-8"?>
+<inkml:ink xmlns:inkml="http://www.w3.org/2003/InkML">
+  <inkml:definitions>
+    <inkml:context xml:id="ctx0">
+      <inkml:inkSource xml:id="inkSrc0">
+        <inkml:traceFormat>
+          <inkml:channel name="X" type="integer" min="-2.14748E9" max="2.14748E9" units="cm"/>
+          <inkml:channel name="Y" type="integer" min="-2.14748E9" max="2.14748E9" units="cm"/>
+          <inkml:channel name="F" type="integer" max="32767" units="dev"/>
+          <inkml:channel name="OA" type="integer" max="360" units="deg"/>
+          <inkml:channel name="OE" type="integer" max="90" units="deg"/>
+        </inkml:traceFormat>
+        <inkml:channelProperties>
+          <inkml:channelProperty channel="X" name="resolution" value="1000" units="1/cm"/>
+          <inkml:channelProperty channel="Y" name="resolution" value="1000" units="1/cm"/>
+          <inkml:channelProperty channel="F" name="resolution" value="0" units="1/dev"/>
+          <inkml:channelProperty channel="OA" name="resolution" value="1000" units="1/deg"/>
+          <inkml:channelProperty channel="OE" name="resolution" value="1000" units="1/deg"/>
+        </inkml:channelProperties>
+      </inkml:inkSource>
       <inkml:timestamp xml:id="ts0" timeString="2023-12-11T13:47:50.493"/>
     </inkml:context>
     <inkml:brush xml:id="br0">
@@ -2526,7 +2554,7 @@
 </inkml:ink>
 </file>
 
-<file path=ppt/ink/ink161.xml><?xml version="1.0" encoding="utf-8"?>
+<file path=ppt/ink/ink162.xml><?xml version="1.0" encoding="utf-8"?>
 <inkml:ink xmlns:inkml="http://www.w3.org/2003/InkML">
   <inkml:definitions>
     <inkml:context xml:id="ctx0">
@@ -2558,7 +2586,7 @@
 </inkml:ink>
 </file>
 
-<file path=ppt/ink/ink162.xml><?xml version="1.0" encoding="utf-8"?>
+<file path=ppt/ink/ink163.xml><?xml version="1.0" encoding="utf-8"?>
 <inkml:ink xmlns:inkml="http://www.w3.org/2003/InkML">
   <inkml:definitions>
     <inkml:context xml:id="ctx0">
@@ -2590,7 +2618,7 @@
 </inkml:ink>
 </file>
 
-<file path=ppt/ink/ink163.xml><?xml version="1.0" encoding="utf-8"?>
+<file path=ppt/ink/ink164.xml><?xml version="1.0" encoding="utf-8"?>
 <inkml:ink xmlns:inkml="http://www.w3.org/2003/InkML">
   <inkml:definitions>
     <inkml:context xml:id="ctx0">
@@ -2622,7 +2650,7 @@
 </inkml:ink>
 </file>
 
-<file path=ppt/ink/ink164.xml><?xml version="1.0" encoding="utf-8"?>
+<file path=ppt/ink/ink165.xml><?xml version="1.0" encoding="utf-8"?>
 <inkml:ink xmlns:inkml="http://www.w3.org/2003/InkML">
   <inkml:definitions>
     <inkml:context xml:id="ctx0">
@@ -2654,7 +2682,7 @@
 </inkml:ink>
 </file>
 
-<file path=ppt/ink/ink165.xml><?xml version="1.0" encoding="utf-8"?>
+<file path=ppt/ink/ink166.xml><?xml version="1.0" encoding="utf-8"?>
 <inkml:ink xmlns:inkml="http://www.w3.org/2003/InkML">
   <inkml:definitions>
     <inkml:context xml:id="ctx0">
@@ -2686,7 +2714,7 @@
 </inkml:ink>
 </file>
 
-<file path=ppt/ink/ink166.xml><?xml version="1.0" encoding="utf-8"?>
+<file path=ppt/ink/ink167.xml><?xml version="1.0" encoding="utf-8"?>
 <inkml:ink xmlns:inkml="http://www.w3.org/2003/InkML">
   <inkml:definitions>
     <inkml:context xml:id="ctx0">
@@ -2718,7 +2746,7 @@
 </inkml:ink>
 </file>
 
-<file path=ppt/ink/ink167.xml><?xml version="1.0" encoding="utf-8"?>
+<file path=ppt/ink/ink168.xml><?xml version="1.0" encoding="utf-8"?>
 <inkml:ink xmlns:inkml="http://www.w3.org/2003/InkML">
   <inkml:definitions>
     <inkml:context xml:id="ctx0">
@@ -2750,7 +2778,7 @@
 </inkml:ink>
 </file>
 
-<file path=ppt/ink/ink168.xml><?xml version="1.0" encoding="utf-8"?>
+<file path=ppt/ink/ink169.xml><?xml version="1.0" encoding="utf-8"?>
 <inkml:ink xmlns:inkml="http://www.w3.org/2003/InkML">
   <inkml:definitions>
     <inkml:context xml:id="ctx0">
@@ -2779,38 +2807,6 @@
     </inkml:brush>
   </inkml:definitions>
   <inkml:trace contextRef="#ctx0" brushRef="#br0">201 614 2159 0 0,'1'-2'160'0'0,"0"0"60"0"0,0 0-1 0 0,0 0 1 0 0,0 0-1 0 0,-1 0 1 0 0,1 0-1 0 0,-1 0 0 0 0,1-1 1 0 0,-1 1-1 0 0,0 0 1 0 0,0 0-1 0 0,0 0 1 0 0,0-1-1 0 0,0 1 0 0 0,0 0 1 0 0,-1 0-1 0 0,1 0 1 0 0,-1 0-1 0 0,1 0 1 0 0,-1-1-1 0 0,0 1 0 0 0,0 0 1 0 0,0 0-1 0 0,0 1 1 0 0,0-1-1 0 0,0 0 1 0 0,-1 0-1 0 0,1 0 0 0 0,-1 1 1 0 0,-2-3-1 0 0,-2-3 173 0 0,5 5-304 0 0,-1 1 0 0 0,0-1 1 0 0,0 0-1 0 0,1 1 0 0 0,-1 0 0 0 0,0-1 0 0 0,0 1 1 0 0,0 0-1 0 0,0 0 0 0 0,-1 0 0 0 0,1 0 0 0 0,0 0 1 0 0,0 0-1 0 0,-1 1 0 0 0,1-1 0 0 0,0 1 0 0 0,-1 0 1 0 0,1 0-1 0 0,-3 0 0 0 0,-6 0-63 0 0,7 0-19 0 0,0 1-1 0 0,0 0 0 0 0,0 0 1 0 0,0 1-1 0 0,0-1 1 0 0,0 1-1 0 0,1 0 0 0 0,-1 0 1 0 0,1 0-1 0 0,-6 5 0 0 0,6-5-4 0 0,-4 3 166 0 0,1 1-1 0 0,0-1 0 0 0,0 1 0 0 0,1 0 0 0 0,0 1 0 0 0,0-1 1 0 0,0 1-1 0 0,1 0 0 0 0,0 0 0 0 0,0 0 0 0 0,0 1 1 0 0,1 0-1 0 0,1-1 0 0 0,-1 1 0 0 0,1 0 0 0 0,-1 13 1 0 0,1-9 118 0 0,1 0 0 0 0,0 0 0 0 0,1 0 0 0 0,0 0 1 0 0,1 0-1 0 0,1 0 0 0 0,0 0 0 0 0,0-1 0 0 0,1 1 1 0 0,7 17-1 0 0,-9-27-117 0 0,0 1 0 0 0,1-1-1 0 0,-1 0 1 0 0,1 0 0 0 0,-1 0 0 0 0,1 0 0 0 0,0 0 0 0 0,2 2-1 0 0,-1-1 132 0 0,-1-2 281 0 0,1-1-4 0 0,2 1-470 0 0,0-1-1 0 0,0 0 1 0 0,0 0-1 0 0,0-1 0 0 0,0 1 1 0 0,-1-1-1 0 0,1 0 1 0 0,0 0-1 0 0,0-1 1 0 0,-1 1-1 0 0,1-1 1 0 0,-1 0-1 0 0,1-1 0 0 0,-1 1 1 0 0,0-1-1 0 0,0 0 1 0 0,0 0-1 0 0,0 0 1 0 0,-1 0-1 0 0,1 0 0 0 0,-1-1 1 0 0,0 0-1 0 0,3-4 1 0 0,9-18 142 0 0,24-57 1 0 0,-23 45-181 0 0,-2 4-359 0 0,18-70 0 0 0,-1-39-489 0 0,-26 119 732 0 0,6-43-16 0 0,-2-1 1 0 0,1-93 0 0 0,-10 154 201 0 0,-1 1 1 0 0,1-1-1 0 0,-1 1 0 0 0,0-1 0 0 0,-3-9 0 0 0,4 15 346 0 0,-1 1-452 0 0,-1 1-1 0 0,1-1 1 0 0,0 0-1 0 0,0 1 0 0 0,0 0 1 0 0,-1-1-1 0 0,1 1 0 0 0,0 0 1 0 0,0-1-1 0 0,0 1 0 0 0,0 0 1 0 0,0 0-1 0 0,0 0 0 0 0,0 0 1 0 0,1 0-1 0 0,-1 0 0 0 0,0 0 1 0 0,0 0-1 0 0,1 0 0 0 0,-2 2 1 0 0,-11 28 322 0 0,11-26-280 0 0,-2 11 128 0 0,0 0-1 0 0,0 1 1 0 0,2 0-1 0 0,0-1 1 0 0,0 21 0 0 0,1-9 52 0 0,-1 29 338 0 0,3-1 0 0 0,2 1 0 0 0,3-1 0 0 0,3-1 0 0 0,17 64 0 0 0,-24-109-378 0 0,1 0 0 0 0,1 0 0 0 0,0-1 1 0 0,0 0-1 0 0,1 1 0 0 0,7 10 0 0 0,-10-17-331 0 0,0-1 0 0 0,0 1 0 0 0,0-1 0 0 0,0 0 1 0 0,1 0-1 0 0,-1 0 0 0 0,0 0 0 0 0,1-1 0 0 0,0 1 0 0 0,-1-1 1 0 0,5 3-1 0 0,-5-4-323 0 0,0 1 1 0 0,0-1 0 0 0,0 0 0 0 0,1 1-1 0 0,-1-1 1 0 0,0 0 0 0 0,0 0 0 0 0,0 0-1 0 0,0-1 1 0 0,0 1 0 0 0,1 0 0 0 0,-1-1-1 0 0,0 0 1 0 0,0 1 0 0 0,0-1 0 0 0,0 0-1 0 0,0 0 1 0 0,2-1 0 0 0</inkml:trace>
-</inkml:ink>
-</file>
-
-<file path=ppt/ink/ink169.xml><?xml version="1.0" encoding="utf-8"?>
-<inkml:ink xmlns:inkml="http://www.w3.org/2003/InkML">
-  <inkml:definitions>
-    <inkml:context xml:id="ctx0">
-      <inkml:inkSource xml:id="inkSrc0">
-        <inkml:traceFormat>
-          <inkml:channel name="X" type="integer" min="-2.14748E9" max="2.14748E9" units="cm"/>
-          <inkml:channel name="Y" type="integer" min="-2.14748E9" max="2.14748E9" units="cm"/>
-          <inkml:channel name="F" type="integer" max="32767" units="dev"/>
-          <inkml:channel name="OA" type="integer" max="360" units="deg"/>
-          <inkml:channel name="OE" type="integer" max="90" units="deg"/>
-        </inkml:traceFormat>
-        <inkml:channelProperties>
-          <inkml:channelProperty channel="X" name="resolution" value="1000" units="1/cm"/>
-          <inkml:channelProperty channel="Y" name="resolution" value="1000" units="1/cm"/>
-          <inkml:channelProperty channel="F" name="resolution" value="0" units="1/dev"/>
-          <inkml:channelProperty channel="OA" name="resolution" value="1000" units="1/deg"/>
-          <inkml:channelProperty channel="OE" name="resolution" value="1000" units="1/deg"/>
-        </inkml:channelProperties>
-      </inkml:inkSource>
-      <inkml:timestamp xml:id="ts0" timeString="2023-12-11T13:47:54.449"/>
-    </inkml:context>
-    <inkml:brush xml:id="br0">
-      <inkml:brushProperty name="width" value="0.1" units="cm"/>
-      <inkml:brushProperty name="height" value="0.1" units="cm"/>
-      <inkml:brushProperty name="color" value="#004F8B"/>
-    </inkml:brush>
-  </inkml:definitions>
-  <inkml:trace contextRef="#ctx0" brushRef="#br0">75 0 3247 0 0,'30'1'3062'0'0,"-16"0"1684"0"0,-13-1-4657 0 0,0 1-1 0 0,0-1 0 0 0,0 0 0 0 0,0 1 1 0 0,0-1-1 0 0,0 1 0 0 0,-1-1 0 0 0,1 1 0 0 0,0 0 1 0 0,0-1-1 0 0,-1 1 0 0 0,1 0 0 0 0,0-1 1 0 0,-1 1-1 0 0,1 0 0 0 0,-1 0 0 0 0,1 0 1 0 0,-1 0-1 0 0,1-1 0 0 0,-1 1 0 0 0,0 0 1 0 0,1 0-1 0 0,-1 0 0 0 0,0 0 0 0 0,0 0 1 0 0,1 2-1 0 0,0 1 140 0 0,-1 0 0 0 0,1 0 1 0 0,0 0-1 0 0,-1 0 0 0 0,0 5 0 0 0,-3 9 1024 0 0,-10 31-1 0 0,4-18-346 0 0,-22 87 1684 0 0,-27 121 1134 0 0,54-218-3345 0 0,-14 94 2143 0 0,16-99-2230 0 0,2 0-1 0 0,0 0 1 0 0,0 0-1 0 0,2 0 1 0 0,3 18 0 0 0,3-10 266 0 0,-7-24-571 0 0,-1 1 1 0 0,0-1-1 0 0,0 1 0 0 0,0-1 1 0 0,1 1-1 0 0,-1-1 0 0 0,0 1 1 0 0,0-1-1 0 0,1 1 0 0 0,-1-1 1 0 0,0 1-1 0 0,1-1 0 0 0,-1 0 0 0 0,1 1 1 0 0,-1-1-1 0 0,1 1 0 0 0,-1-1 1 0 0,1 0-1 0 0,-1 0 0 0 0,1 1 1 0 0,-1-1-1 0 0,1 0 0 0 0,-1 0 1 0 0,1 0-1 0 0,-1 1 0 0 0,1-1 1 0 0,-1 0-1 0 0,1 0 0 0 0,-1 0 1 0 0,2 0-1 0 0,0 0-610 0 0</inkml:trace>
 </inkml:ink>
 </file>
 
@@ -2866,6 +2862,38 @@
           <inkml:channelProperty channel="OE" name="resolution" value="1000" units="1/deg"/>
         </inkml:channelProperties>
       </inkml:inkSource>
+      <inkml:timestamp xml:id="ts0" timeString="2023-12-11T13:47:54.449"/>
+    </inkml:context>
+    <inkml:brush xml:id="br0">
+      <inkml:brushProperty name="width" value="0.1" units="cm"/>
+      <inkml:brushProperty name="height" value="0.1" units="cm"/>
+      <inkml:brushProperty name="color" value="#004F8B"/>
+    </inkml:brush>
+  </inkml:definitions>
+  <inkml:trace contextRef="#ctx0" brushRef="#br0">75 0 3247 0 0,'30'1'3062'0'0,"-16"0"1684"0"0,-13-1-4657 0 0,0 1-1 0 0,0-1 0 0 0,0 0 0 0 0,0 1 1 0 0,0-1-1 0 0,0 1 0 0 0,-1-1 0 0 0,1 1 0 0 0,0 0 1 0 0,0-1-1 0 0,-1 1 0 0 0,1 0 0 0 0,0-1 1 0 0,-1 1-1 0 0,1 0 0 0 0,-1 0 0 0 0,1 0 1 0 0,-1 0-1 0 0,1-1 0 0 0,-1 1 0 0 0,0 0 1 0 0,1 0-1 0 0,-1 0 0 0 0,0 0 0 0 0,0 0 1 0 0,1 2-1 0 0,0 1 140 0 0,-1 0 0 0 0,1 0 1 0 0,0 0-1 0 0,-1 0 0 0 0,0 5 0 0 0,-3 9 1024 0 0,-10 31-1 0 0,4-18-346 0 0,-22 87 1684 0 0,-27 121 1134 0 0,54-218-3345 0 0,-14 94 2143 0 0,16-99-2230 0 0,2 0-1 0 0,0 0 1 0 0,0 0-1 0 0,2 0 1 0 0,3 18 0 0 0,3-10 266 0 0,-7-24-571 0 0,-1 1 1 0 0,0-1-1 0 0,0 1 0 0 0,0-1 1 0 0,1 1-1 0 0,-1-1 0 0 0,0 1 1 0 0,0-1-1 0 0,1 1 0 0 0,-1-1 1 0 0,0 1-1 0 0,1-1 0 0 0,-1 0 0 0 0,1 1 1 0 0,-1-1-1 0 0,1 1 0 0 0,-1-1 1 0 0,1 0-1 0 0,-1 0 0 0 0,1 1 1 0 0,-1-1-1 0 0,1 0 0 0 0,-1 0 1 0 0,1 0-1 0 0,-1 1 0 0 0,1-1 1 0 0,-1 0-1 0 0,1 0 0 0 0,-1 0 1 0 0,2 0-1 0 0,0 0-610 0 0</inkml:trace>
+</inkml:ink>
+</file>
+
+<file path=ppt/ink/ink171.xml><?xml version="1.0" encoding="utf-8"?>
+<inkml:ink xmlns:inkml="http://www.w3.org/2003/InkML">
+  <inkml:definitions>
+    <inkml:context xml:id="ctx0">
+      <inkml:inkSource xml:id="inkSrc0">
+        <inkml:traceFormat>
+          <inkml:channel name="X" type="integer" min="-2.14748E9" max="2.14748E9" units="cm"/>
+          <inkml:channel name="Y" type="integer" min="-2.14748E9" max="2.14748E9" units="cm"/>
+          <inkml:channel name="F" type="integer" max="32767" units="dev"/>
+          <inkml:channel name="OA" type="integer" max="360" units="deg"/>
+          <inkml:channel name="OE" type="integer" max="90" units="deg"/>
+        </inkml:traceFormat>
+        <inkml:channelProperties>
+          <inkml:channelProperty channel="X" name="resolution" value="1000" units="1/cm"/>
+          <inkml:channelProperty channel="Y" name="resolution" value="1000" units="1/cm"/>
+          <inkml:channelProperty channel="F" name="resolution" value="0" units="1/dev"/>
+          <inkml:channelProperty channel="OA" name="resolution" value="1000" units="1/deg"/>
+          <inkml:channelProperty channel="OE" name="resolution" value="1000" units="1/deg"/>
+        </inkml:channelProperties>
+      </inkml:inkSource>
       <inkml:timestamp xml:id="ts0" timeString="2023-12-11T13:47:54.839"/>
     </inkml:context>
     <inkml:brush xml:id="br0">
@@ -2878,7 +2906,63 @@
 </inkml:ink>
 </file>
 
-<file path=ppt/ink/ink171.xml><?xml version="1.0" encoding="utf-8"?>
+<file path=ppt/ink/ink172.xml><?xml version="1.0" encoding="utf-8"?>
+<inkml:ink xmlns:inkml="http://www.w3.org/2003/InkML">
+  <inkml:definitions>
+    <inkml:context xml:id="ctx0">
+      <inkml:inkSource xml:id="inkSrc0">
+        <inkml:traceFormat>
+          <inkml:channel name="X" type="integer" min="-2.14748E9" max="2.14748E9" units="cm"/>
+          <inkml:channel name="Y" type="integer" min="-2.14748E9" max="2.14748E9" units="cm"/>
+          <inkml:channel name="F" type="integer" max="32767" units="dev"/>
+        </inkml:traceFormat>
+        <inkml:channelProperties>
+          <inkml:channelProperty channel="X" name="resolution" value="1000" units="1/cm"/>
+          <inkml:channelProperty channel="Y" name="resolution" value="1000" units="1/cm"/>
+          <inkml:channelProperty channel="F" name="resolution" value="0" units="1/dev"/>
+        </inkml:channelProperties>
+      </inkml:inkSource>
+      <inkml:timestamp xml:id="ts0" timeString="2024-05-05T18:59:09.426"/>
+    </inkml:context>
+    <inkml:brush xml:id="br0">
+      <inkml:brushProperty name="width" value="0.1" units="cm"/>
+      <inkml:brushProperty name="height" value="0.1" units="cm"/>
+      <inkml:brushProperty name="color" value="#008C3A"/>
+    </inkml:brush>
+  </inkml:definitions>
+  <inkml:trace contextRef="#ctx0" brushRef="#br0">1497 57 24575,'0'-1'0,"0"0"0,-1-1 0,1 1 0,0 0 0,-1 0 0,1 0 0,-1-1 0,1 1 0,-1 0 0,0 0 0,1 0 0,-1 0 0,0 0 0,0 0 0,1 0 0,-1 1 0,0-1 0,0 0 0,0 0 0,0 1 0,0-1 0,-1 0 0,1 1 0,0-1 0,-1 0 0,-35-9 0,25 7 0,-24-4 0,0 2 0,-1 1 0,0 2 0,-66 4 0,20 0 0,66-2 0,-114 3 0,107-1 0,-1 2 0,1 0 0,-32 11 0,-7 8 0,36-12 0,-44 12 0,57-19 0,1 0 0,0 1 0,1 1 0,-1 0 0,1 1 0,0 0 0,-11 10 0,-20 11 0,4-8 0,27-14 0,1 0 0,-1 0 0,-17 14 0,-5 9 0,-73 62 0,63-50 0,-63 61 0,100-91 0,-1-1 0,1 1 0,1 0 0,0 1 0,0-1 0,-6 24 0,-9 15 0,15-36 0,0 0 0,1 0 0,1 0 0,0 1 0,1 0 0,-1 18 0,1 90 0,4-83 0,0-28 0,1 0 0,0 1 0,1-1 0,1 0 0,0-1 0,0 1 0,1-1 0,1 1 0,12 17 0,9 22 0,-15-28 0,2 0 0,0-1 0,24 28 0,-4-6 0,-19-28 0,0 0 0,1-1 0,0-1 0,32 22 0,-32-24 0,96 61 0,-37-25 0,-53-34 0,1-1 0,0-1 0,43 14 0,79 18 0,-55-19 0,21 10-117,-40-10-64,1-4 0,87 13 0,-15-13-20,309 41-966,363 1 1167,-789-63-14,209-1-466,-216 0 572,1-1 0,-1-1 0,0 0 0,0-2 0,0 0 0,0-2 0,-1 0 0,31-16 0,-42 17 35,1 0 1,-1-1-1,0 0 0,-1 0 1,0-1-1,0 0 1,9-13-1,-1-2 211,19-42-1,-27 49-337,-1 0 0,-1 0 0,0-1 0,-1 0 0,-1 0 0,2-23 0,-4-105 0,-3 72 0,2 60 0,-1-1 0,-1 1 0,0 0 0,-1 0 0,-1 0 0,-8-23 0,-42-71 0,1 0 0,41 84 0,0 0 0,-2 1 0,-1 0 0,-35-38 0,35 41 0,-6-4 0,-1 1 0,-1 1 0,-1 1 0,-1 2 0,-39-25 0,35 28 0,-55-21 0,7 5 0,-174-69 0,34 16 0,151 55 0,-123-57 0,150 68 162,21 10-416,0 0-1,1-1 1,1 0-1,0-1 1,-19-16-1</inkml:trace>
+</inkml:ink>
+</file>
+
+<file path=ppt/ink/ink173.xml><?xml version="1.0" encoding="utf-8"?>
+<inkml:ink xmlns:inkml="http://www.w3.org/2003/InkML">
+  <inkml:definitions>
+    <inkml:context xml:id="ctx0">
+      <inkml:inkSource xml:id="inkSrc0">
+        <inkml:traceFormat>
+          <inkml:channel name="X" type="integer" min="-2.14748E9" max="2.14748E9" units="cm"/>
+          <inkml:channel name="Y" type="integer" min="-2.14748E9" max="2.14748E9" units="cm"/>
+          <inkml:channel name="F" type="integer" max="32767" units="dev"/>
+        </inkml:traceFormat>
+        <inkml:channelProperties>
+          <inkml:channelProperty channel="X" name="resolution" value="1000" units="1/cm"/>
+          <inkml:channelProperty channel="Y" name="resolution" value="1000" units="1/cm"/>
+          <inkml:channelProperty channel="F" name="resolution" value="0" units="1/dev"/>
+        </inkml:channelProperties>
+      </inkml:inkSource>
+      <inkml:timestamp xml:id="ts0" timeString="2024-05-05T18:59:11.060"/>
+    </inkml:context>
+    <inkml:brush xml:id="br0">
+      <inkml:brushProperty name="width" value="0.1" units="cm"/>
+      <inkml:brushProperty name="height" value="0.1" units="cm"/>
+      <inkml:brushProperty name="color" value="#008C3A"/>
+    </inkml:brush>
+  </inkml:definitions>
+  <inkml:trace contextRef="#ctx0" brushRef="#br0">3066 20 24575,'-255'-14'0,"176"8"0,-105 6 0,75 2 0,86-2 0,-81-1 0,-197 25 0,-8 36 0,-16 3 0,-87 5 0,260-43 0,57-11 0,2 5 0,-106 34 0,-17 26 0,204-74 0,1 0 0,-1 0 0,1 1 0,0 1 0,1 0 0,-1 0 0,1 1 0,1 0 0,-1 1 0,1 0 0,1 0 0,-13 19 0,12-14 0,1 0 0,0 0 0,2 1 0,-1 0 0,2 0 0,0 0 0,1 1 0,0-1 0,-1 22 0,2 23 0,6 82 0,-1-130 0,1 0 0,0 0 0,0-1 0,1 1 0,10 19 0,6 17 0,-15-34 0,1-1 0,1 1 0,0-2 0,0 1 0,1-1 0,13 15 0,1-2 0,42 37 0,-33-38 0,0-1 0,2-1 0,1-2 0,0-1 0,1-2 0,41 14 0,-25-15-46,1-2 0,0-2 0,1-2 0,67 3 0,219-8-268,-240-6 288,-22 2 40,-16 0-396,0-2 1,112-16 0,-114 5 369,196-48-201,-216 48 180,-2-1 0,0-2 0,0-2 1,51-32-1,214-174 1508,-239 165-1121,-49 43-310,0 1-1,2 0 0,0 1 1,0 1-1,24-14 0,81-33-43,86-47 0,-172 89 0,-1 2 0,56-17 0,29-11 0,101-36 0,-144 55 0,88-41 0,-143 56 86,-1-2-1,-1 0 0,24-19 1,-37 26-208,0-2 0,0 1 0,-1 0 0,1-1 0,-1 0 0,-1-1 0,1 1 0,-1-1 0,0 0 1,-1 0-1,1 0 0,-2 0 0,3-8 0</inkml:trace>
+</inkml:ink>
+</file>
+
+<file path=ppt/ink/ink174.xml><?xml version="1.0" encoding="utf-8"?>
 <inkml:ink xmlns:inkml="http://www.w3.org/2003/InkML">
   <inkml:definitions>
     <inkml:context xml:id="ctx0">
@@ -2910,7 +2994,7 @@
 </inkml:ink>
 </file>
 
-<file path=ppt/ink/ink172.xml><?xml version="1.0" encoding="utf-8"?>
+<file path=ppt/ink/ink175.xml><?xml version="1.0" encoding="utf-8"?>
 <inkml:ink xmlns:inkml="http://www.w3.org/2003/InkML">
   <inkml:definitions>
     <inkml:context xml:id="ctx0">
@@ -2942,7 +3026,7 @@
 </inkml:ink>
 </file>
 
-<file path=ppt/ink/ink173.xml><?xml version="1.0" encoding="utf-8"?>
+<file path=ppt/ink/ink176.xml><?xml version="1.0" encoding="utf-8"?>
 <inkml:ink xmlns:inkml="http://www.w3.org/2003/InkML">
   <inkml:definitions>
     <inkml:context xml:id="ctx0">
@@ -2974,7 +3058,7 @@
 </inkml:ink>
 </file>
 
-<file path=ppt/ink/ink174.xml><?xml version="1.0" encoding="utf-8"?>
+<file path=ppt/ink/ink177.xml><?xml version="1.0" encoding="utf-8"?>
 <inkml:ink xmlns:inkml="http://www.w3.org/2003/InkML">
   <inkml:definitions>
     <inkml:context xml:id="ctx0">
@@ -3006,7 +3090,7 @@
 </inkml:ink>
 </file>
 
-<file path=ppt/ink/ink175.xml><?xml version="1.0" encoding="utf-8"?>
+<file path=ppt/ink/ink178.xml><?xml version="1.0" encoding="utf-8"?>
 <inkml:ink xmlns:inkml="http://www.w3.org/2003/InkML">
   <inkml:definitions>
     <inkml:context xml:id="ctx0">
@@ -3038,7 +3122,7 @@
 </inkml:ink>
 </file>
 
-<file path=ppt/ink/ink176.xml><?xml version="1.0" encoding="utf-8"?>
+<file path=ppt/ink/ink179.xml><?xml version="1.0" encoding="utf-8"?>
 <inkml:ink xmlns:inkml="http://www.w3.org/2003/InkML">
   <inkml:definitions>
     <inkml:context xml:id="ctx0">
@@ -3067,102 +3151,6 @@
     </inkml:brush>
   </inkml:definitions>
   <inkml:trace contextRef="#ctx0" brushRef="#br0">1 71 3655 0 0,'6'21'286'0'0,"0"-2"698"0"0,6 36 0 0 0,-5-17 1243 0 0,-4-25-611 0 0,-1 1-1 0 0,4 21 2345 0 0,-1-48-3514 0 0,6-20-604 0 0,4-95-1347 0 0,-8 70 468 0 0,-2 26 1039 0 0,-5 31 513 0 0,-1 2-404 0 0,0 0-1 0 0,0 0 1 0 0,0 0-1 0 0,1 0 1 0 0,-1 1-1 0 0,0-1 1 0 0,0 0-1 0 0,1 1 1 0 0,-1-1-1 0 0,1 0 1 0 0,-1 1-1 0 0,1-1 1 0 0,0 1 0 0 0,-1 1-1 0 0,0 1 243 0 0,1-3-315 0 0,0 0 52 0 0,-1 0-1 0 0,1 0 1 0 0,-1 0 0 0 0,1 1-1 0 0,0-1 1 0 0,-1 0-1 0 0,1 0 1 0 0,0 0-1 0 0,0 1 1 0 0,1 2 2912 0 0,0-4-2597 0 0,3 0-289 0 0,-1-1 0 0 0,1 1 0 0 0,-1-1 1 0 0,0 0-1 0 0,1 0 0 0 0,-1-1 0 0 0,0 1 1 0 0,6-4-1 0 0,-6 3-53 0 0,1 1 1 0 0,-1-1-1 0 0,1 0 1 0 0,-1 1-1 0 0,1 0 1 0 0,-1 0-1 0 0,1 0 1 0 0,7-1-1 0 0,-4 3 17 0 0,-5 1-66 0 0,-1-1 0 0 0,0 1 1 0 0,1-1-1 0 0,-1 1 0 0 0,0 0 0 0 0,0-1 0 0 0,0 1 0 0 0,0 0 0 0 0,1 3 0 0 0,-2-3 9 0 0,3 5 53 0 0,-1 1 0 0 0,0 0 0 0 0,0 0-1 0 0,0 0 1 0 0,0 13 0 0 0,-2 43 698 0 0,0-36-332 0 0,-1 18 412 0 0,-1-1 0 0 0,-3 0 1 0 0,-16 77-1 0 0,19-115-698 0 0,0 0 1 0 0,-1-1-1 0 0,1 1 0 0 0,-1-1 0 0 0,0 1 1 0 0,-1-1-1 0 0,0 0 0 0 0,0-1 0 0 0,-6 8 1 0 0,9-12-20 0 0,0-1-104 0 0,-1 0 0 0 0,1-1 0 0 0,-1 1 0 0 0,1-1 0 0 0,0 1 0 0 0,-1-1 0 0 0,1 1 0 0 0,0-1 0 0 0,-1 0 0 0 0,1 1 0 0 0,0-1 0 0 0,0 0-1 0 0,0 0 1 0 0,0 0 0 0 0,0 0 0 0 0,0 0 0 0 0,0 0 0 0 0,0-1 0 0 0,0 1 0 0 0,0 0 0 0 0,1 0 0 0 0,-1-1 0 0 0,0 1 0 0 0,1 0 0 0 0,-1-3 0 0 0,-2-4 6 0 0,0 0 1 0 0,1 0-1 0 0,-1-9 1 0 0,3 16-39 0 0,-4-28 39 0 0,2-55 0 0 0,2 80-40 0 0,0-5 0 0 0,1-1 0 0 0,0 1 0 0 0,1 0 0 0 0,0-1 0 0 0,1 1 0 0 0,0 0 0 0 0,0 0 0 0 0,6-10 0 0 0,0 1 0 0 0,1 1 0 0 0,23-30 0 0 0,-25 36 50 0 0,1 1 1 0 0,1 0-1 0 0,0 1 0 0 0,0 0 1 0 0,13-8-1 0 0,-17 13-18 0 0,0 0 0 0 0,0 0 1 0 0,0 1-1 0 0,1 0 0 0 0,-1 1 0 0 0,1-1 0 0 0,0 1 0 0 0,0 0 1 0 0,0 1-1 0 0,0 0 0 0 0,10-1 0 0 0,-15 2 18 0 0,0 0 0 0 0,0 0 0 0 0,0 0 0 0 0,0 1 0 0 0,0-1 0 0 0,0 0 0 0 0,0 1 0 0 0,0-1 0 0 0,0 1 0 0 0,0 0 0 0 0,-1 0 0 0 0,1 0 0 0 0,0 0 0 0 0,-1 0 0 0 0,1 0 0 0 0,0 0 0 0 0,-1 0 0 0 0,1 1 0 0 0,-1-1 0 0 0,0 1 0 0 0,1-1 1 0 0,-1 1-1 0 0,0-1 0 0 0,0 1 0 0 0,0 0 0 0 0,0-1 0 0 0,0 1 0 0 0,-1 0 0 0 0,1 0 0 0 0,0 0 0 0 0,-1 0 0 0 0,1 0 0 0 0,-1 3 0 0 0,1 5 47 0 0,0-1 0 0 0,-1 0 0 0 0,0 1 0 0 0,-1-1 0 0 0,-3 16 0 0 0,-1-6-85 0 0,0-1 0 0 0,-1 1 0 0 0,-1-1 0 0 0,-1 0 0 0 0,-1-1 1 0 0,0 1-1 0 0,-1-2 0 0 0,-20 26 0 0 0,25-37-12 0 0,0 1 0 0 0,0-1 0 0 0,0 0 0 0 0,-1-1 0 0 0,0 1 0 0 0,-11 6 0 0 0,12-9 0 0 0,1 1 0 0 0,-1-1 0 0 0,0 0 0 0 0,0 0 0 0 0,0 0 0 0 0,0-1 0 0 0,0 1 0 0 0,0-1 0 0 0,0-1 0 0 0,-7 1 0 0 0,10-1-173 0 0,-1-1 0 0 0,0 0 0 0 0,0 1 0 0 0,0-1 0 0 0,1 0 1 0 0,-1-1-1 0 0,0 1 0 0 0,1 0 0 0 0,-1-1 0 0 0,1 1 0 0 0,-1-1 0 0 0,1 0 0 0 0,0 0 0 0 0,0 0 0 0 0,0 0 1 0 0,0 0-1 0 0,0-1 0 0 0,0 1 0 0 0,1 0 0 0 0,-3-6 0 0 0,2 4-115 0 0,0 0 0 0 0,0 0 1 0 0,0 0-1 0 0,1 0 0 0 0,-1 0 0 0 0,1 0 1 0 0,0 0-1 0 0,1 0 0 0 0,-1-1 0 0 0,1 1 0 0 0,0 0 1 0 0,0-1-1 0 0,1-6 0 0 0,0 8 190 0 0,-1-1-1 0 0,2 1 0 0 0,-1-1 1 0 0,0 1-1 0 0,1 0 1 0 0,0-1-1 0 0,-1 1 1 0 0,1 0-1 0 0,0 0 1 0 0,1 0-1 0 0,-1 0 1 0 0,1 1-1 0 0,-1-1 0 0 0,1 1 1 0 0,0-1-1 0 0,0 1 1 0 0,0 0-1 0 0,0 0 1 0 0,5-2-1 0 0,-2 1 233 0 0,1 0-1 0 0,0 1 1 0 0,0 0 0 0 0,0 0-1 0 0,1 1 1 0 0,-1 0 0 0 0,0 0-1 0 0,1 1 1 0 0,7 0-1 0 0,7 2 526 0 0,-1 1-1 0 0,22 5 1 0 0,21 4 1196 0 0,-12-5-480 0 0,-24-2-451 0 0,0-2 1 0 0,39 1-1 0 0,-16-3-814 0 0,-39 0-90 0 0,-1 0 1 0 0,0-1 0 0 0,0 0-1 0 0,1-1 1 0 0,-1-1-1 0 0,0 1 1 0 0,0-2 0 0 0,0 1-1 0 0,16-7 1 0 0,-9 0 208 0 0,30-12-1914 0 0,-26 11-5887 0 0,2-5-2624 0 0</inkml:trace>
-</inkml:ink>
-</file>
-
-<file path=ppt/ink/ink177.xml><?xml version="1.0" encoding="utf-8"?>
-<inkml:ink xmlns:inkml="http://www.w3.org/2003/InkML">
-  <inkml:definitions>
-    <inkml:context xml:id="ctx0">
-      <inkml:inkSource xml:id="inkSrc0">
-        <inkml:traceFormat>
-          <inkml:channel name="X" type="integer" min="-2.14748E9" max="2.14748E9" units="cm"/>
-          <inkml:channel name="Y" type="integer" min="-2.14748E9" max="2.14748E9" units="cm"/>
-          <inkml:channel name="F" type="integer" max="32767" units="dev"/>
-          <inkml:channel name="OA" type="integer" max="360" units="deg"/>
-          <inkml:channel name="OE" type="integer" max="90" units="deg"/>
-        </inkml:traceFormat>
-        <inkml:channelProperties>
-          <inkml:channelProperty channel="X" name="resolution" value="1000" units="1/cm"/>
-          <inkml:channelProperty channel="Y" name="resolution" value="1000" units="1/cm"/>
-          <inkml:channelProperty channel="F" name="resolution" value="0" units="1/dev"/>
-          <inkml:channelProperty channel="OA" name="resolution" value="1000" units="1/deg"/>
-          <inkml:channelProperty channel="OE" name="resolution" value="1000" units="1/deg"/>
-        </inkml:channelProperties>
-      </inkml:inkSource>
-      <inkml:timestamp xml:id="ts0" timeString="2024-05-02T12:15:50.952"/>
-    </inkml:context>
-    <inkml:brush xml:id="br0">
-      <inkml:brushProperty name="width" value="0.05" units="cm"/>
-      <inkml:brushProperty name="height" value="0.05" units="cm"/>
-      <inkml:brushProperty name="color" value="#008C3A"/>
-    </inkml:brush>
-  </inkml:definitions>
-  <inkml:trace contextRef="#ctx0" brushRef="#br0">75 1 7455 0 0,'-2'1'59'0'0,"-1"0"-1"0"0,1 0 0 0 0,-1 0 0 0 0,1 0 0 0 0,0 1 0 0 0,-1-1 0 0 0,1 1 1 0 0,0-1-1 0 0,0 1 0 0 0,0 0 0 0 0,0 0 0 0 0,0 0 0 0 0,0 0 1 0 0,-2 4-1 0 0,-2 4 485 0 0,1 0 0 0 0,-6 14 0 0 0,6-13 690 0 0,3-6-706 0 0,0-1 1 0 0,0 1-1 0 0,0 0 0 0 0,1-1 1 0 0,0 1-1 0 0,0 0 0 0 0,-1 6 1 0 0,3-9-340 0 0,0 0 1 0 0,-1 0 0 0 0,1 0 0 0 0,0-1 0 0 0,0 1 0 0 0,0 0 0 0 0,0-1 0 0 0,0 1 0 0 0,1-1 0 0 0,-1 1-1 0 0,0-1 1 0 0,1 0 0 0 0,-1 1 0 0 0,1-1 0 0 0,-1 0 0 0 0,4 2 0 0 0,1 2 116 0 0,2 2-21 0 0,-1 0 1 0 0,0 0 0 0 0,0 1-1 0 0,-1 0 1 0 0,0 0 0 0 0,-1 1-1 0 0,1 0 1 0 0,-2 0 0 0 0,1 0-1 0 0,-1 0 1 0 0,-1 1 0 0 0,0-1 0 0 0,3 15-1 0 0,-2-3 403 0 0,-2 1-1 0 0,0-1 1 0 0,-1 1 0 0 0,-1-1-1 0 0,-4 28 1 0 0,1-21-163 0 0,-1-1 0 0 0,-1 0 0 0 0,-10 29 0 0 0,13-51-432 0 0,-4 16 515 0 0,-12 25-1 0 0,17-45-447 0 0,1-17-162 0 0,1-6-485 0 0,0 0 0 0 0,6-29 0 0 0,2 11-77 0 0,2 1 0 0 0,2 0 0 0 0,2 1 0 0 0,31-60 0 0 0,5 24 1954 0 0,-42 62-894 0 0,0 0 1 0 0,0 0-1 0 0,15-13 0 0 0,0-1 397 0 0,5-19 110 0 0,-28 44-901 0 0,7-12-376 0 0,-8 10-596 0 0,1-6 931 0 0</inkml:trace>
-</inkml:ink>
-</file>
-
-<file path=ppt/ink/ink178.xml><?xml version="1.0" encoding="utf-8"?>
-<inkml:ink xmlns:inkml="http://www.w3.org/2003/InkML">
-  <inkml:definitions>
-    <inkml:context xml:id="ctx0">
-      <inkml:inkSource xml:id="inkSrc0">
-        <inkml:traceFormat>
-          <inkml:channel name="X" type="integer" min="-2.14748E9" max="2.14748E9" units="cm"/>
-          <inkml:channel name="Y" type="integer" min="-2.14748E9" max="2.14748E9" units="cm"/>
-          <inkml:channel name="F" type="integer" max="32767" units="dev"/>
-          <inkml:channel name="OA" type="integer" max="360" units="deg"/>
-          <inkml:channel name="OE" type="integer" max="90" units="deg"/>
-        </inkml:traceFormat>
-        <inkml:channelProperties>
-          <inkml:channelProperty channel="X" name="resolution" value="1000" units="1/cm"/>
-          <inkml:channelProperty channel="Y" name="resolution" value="1000" units="1/cm"/>
-          <inkml:channelProperty channel="F" name="resolution" value="0" units="1/dev"/>
-          <inkml:channelProperty channel="OA" name="resolution" value="1000" units="1/deg"/>
-          <inkml:channelProperty channel="OE" name="resolution" value="1000" units="1/deg"/>
-        </inkml:channelProperties>
-      </inkml:inkSource>
-      <inkml:timestamp xml:id="ts0" timeString="2024-05-02T12:15:51.325"/>
-    </inkml:context>
-    <inkml:brush xml:id="br0">
-      <inkml:brushProperty name="width" value="0.05" units="cm"/>
-      <inkml:brushProperty name="height" value="0.05" units="cm"/>
-      <inkml:brushProperty name="color" value="#008C3A"/>
-    </inkml:brush>
-  </inkml:definitions>
-  <inkml:trace contextRef="#ctx0" brushRef="#br0">64 1 8663 0 0,'2'6'122'0'0,"-1"1"0"0"0,0 0 0 0 0,0-1 0 0 0,0 1 0 0 0,-1 0 0 0 0,-1 10-1 0 0,-8 43 2500 0 0,0-2 1188 0 0,3 27-338 0 0,-27 213 3750 0 0,32-293-7114 0 0,-2 10 285 0 0,0 1-1 0 0,1 0 1 0 0,0 29-1 0 0,1-45-381 0 0,1 0 0 0 0,0 0 0 0 0,0 1-1 0 0,0-1 1 0 0,0 0 0 0 0,0 1 0 0 0,0-1 0 0 0,0 0-1 0 0,0 0 1 0 0,0 1 0 0 0,0-1 0 0 0,0 0 0 0 0,0 0 0 0 0,0 1-1 0 0,1-1 1 0 0,-1 0 0 0 0,0 0 0 0 0,0 1 0 0 0,0-1-1 0 0,0 0 1 0 0,0 0 0 0 0,0 1 0 0 0,1-1 0 0 0,-1 0 0 0 0,0 0-1 0 0,0 0 1 0 0,0 0 0 0 0,1 1 0 0 0,-1-1 0 0 0,0 0-1 0 0,0 0 1 0 0,0 0 0 0 0,1 0 0 0 0,-1 0 0 0 0,0 1 0 0 0,0-1-1 0 0,1 0 1 0 0,-1 0 0 0 0,1 0 0 0 0,8-8-3 0 0,6-15-467 0 0,10-35-1390 0 0,12-27-4517 0 0,-35 82 6139 0 0,0 0 1 0 0,-1 0 0 0 0,2 0-1 0 0,-1 1 1 0 0,0-1-1 0 0,1 0 1 0 0,-1 1 0 0 0,1-1-1 0 0,0 1 1 0 0,-1 0-1 0 0,1 0 1 0 0,1 0 0 0 0,-1 0-1 0 0,6-2 1 0 0,-6 3 239 0 0,1 0 0 0 0,0 0 0 0 0,0 0 0 0 0,-1 1 0 0 0,1-1 1 0 0,0 1-1 0 0,0 0 0 0 0,0 0 0 0 0,0 0 0 0 0,0 1 0 0 0,0-1 0 0 0,-1 1 0 0 0,6 1 1 0 0,55 22 2203 0 0,-55-21-1574 0 0,1-1 0 0 0,0 1 0 0 0,0-2 1 0 0,0 1-1 0 0,0-1 0 0 0,13-1 1 0 0,8 2 1019 0 0,51 0 668 0 0,-39-2-1675 0 0,-43 0-728 0 0,1-1-1 0 0,-1 1 0 0 0,1 0 0 0 0,0 0 0 0 0,-1 0 1 0 0,1-1-1 0 0,-1 1 0 0 0,1 0 0 0 0,-1-1 1 0 0,1 1-1 0 0,-1 0 0 0 0,1-1 0 0 0,-1 1 0 0 0,1-1 1 0 0,-1 1-1 0 0,1-1 0 0 0,6-8-5307 0 0</inkml:trace>
-</inkml:ink>
-</file>
-
-<file path=ppt/ink/ink179.xml><?xml version="1.0" encoding="utf-8"?>
-<inkml:ink xmlns:inkml="http://www.w3.org/2003/InkML">
-  <inkml:definitions>
-    <inkml:context xml:id="ctx0">
-      <inkml:inkSource xml:id="inkSrc0">
-        <inkml:traceFormat>
-          <inkml:channel name="X" type="integer" min="-2.14748E9" max="2.14748E9" units="cm"/>
-          <inkml:channel name="Y" type="integer" min="-2.14748E9" max="2.14748E9" units="cm"/>
-          <inkml:channel name="F" type="integer" max="32767" units="dev"/>
-          <inkml:channel name="OA" type="integer" max="360" units="deg"/>
-          <inkml:channel name="OE" type="integer" max="90" units="deg"/>
-        </inkml:traceFormat>
-        <inkml:channelProperties>
-          <inkml:channelProperty channel="X" name="resolution" value="1000" units="1/cm"/>
-          <inkml:channelProperty channel="Y" name="resolution" value="1000" units="1/cm"/>
-          <inkml:channelProperty channel="F" name="resolution" value="0" units="1/dev"/>
-          <inkml:channelProperty channel="OA" name="resolution" value="1000" units="1/deg"/>
-          <inkml:channelProperty channel="OE" name="resolution" value="1000" units="1/deg"/>
-        </inkml:channelProperties>
-      </inkml:inkSource>
-      <inkml:timestamp xml:id="ts0" timeString="2024-05-02T12:15:51.687"/>
-    </inkml:context>
-    <inkml:brush xml:id="br0">
-      <inkml:brushProperty name="width" value="0.05" units="cm"/>
-      <inkml:brushProperty name="height" value="0.05" units="cm"/>
-      <inkml:brushProperty name="color" value="#008C3A"/>
-    </inkml:brush>
-  </inkml:definitions>
-  <inkml:trace contextRef="#ctx0" brushRef="#br0">1 0 9183 0 0,'0'21'816'0'0,"3"-13"-656"0"0,-1 1 1520 0 0,1 3 304 0 0,1 1 56 0 0,1-1 1528 0 0,3 0-2968 0 0,6-3-5864 0 0,5-4-1168 0 0</inkml:trace>
 </inkml:ink>
 </file>
 
@@ -3218,6 +3206,102 @@
           <inkml:channelProperty channel="OE" name="resolution" value="1000" units="1/deg"/>
         </inkml:channelProperties>
       </inkml:inkSource>
+      <inkml:timestamp xml:id="ts0" timeString="2024-05-02T12:15:50.952"/>
+    </inkml:context>
+    <inkml:brush xml:id="br0">
+      <inkml:brushProperty name="width" value="0.05" units="cm"/>
+      <inkml:brushProperty name="height" value="0.05" units="cm"/>
+      <inkml:brushProperty name="color" value="#008C3A"/>
+    </inkml:brush>
+  </inkml:definitions>
+  <inkml:trace contextRef="#ctx0" brushRef="#br0">75 1 7455 0 0,'-2'1'59'0'0,"-1"0"-1"0"0,1 0 0 0 0,-1 0 0 0 0,1 0 0 0 0,0 1 0 0 0,-1-1 0 0 0,1 1 1 0 0,0-1-1 0 0,0 1 0 0 0,0 0 0 0 0,0 0 0 0 0,0 0 0 0 0,0 0 1 0 0,-2 4-1 0 0,-2 4 485 0 0,1 0 0 0 0,-6 14 0 0 0,6-13 690 0 0,3-6-706 0 0,0-1 1 0 0,0 1-1 0 0,0 0 0 0 0,1-1 1 0 0,0 1-1 0 0,0 0 0 0 0,-1 6 1 0 0,3-9-340 0 0,0 0 1 0 0,-1 0 0 0 0,1 0 0 0 0,0-1 0 0 0,0 1 0 0 0,0 0 0 0 0,0-1 0 0 0,0 1 0 0 0,1-1 0 0 0,-1 1-1 0 0,0-1 1 0 0,1 0 0 0 0,-1 1 0 0 0,1-1 0 0 0,-1 0 0 0 0,4 2 0 0 0,1 2 116 0 0,2 2-21 0 0,-1 0 1 0 0,0 0 0 0 0,0 1-1 0 0,-1 0 1 0 0,0 0 0 0 0,-1 1-1 0 0,1 0 1 0 0,-2 0 0 0 0,1 0-1 0 0,-1 0 1 0 0,-1 1 0 0 0,0-1 0 0 0,3 15-1 0 0,-2-3 403 0 0,-2 1-1 0 0,0-1 1 0 0,-1 1 0 0 0,-1-1-1 0 0,-4 28 1 0 0,1-21-163 0 0,-1-1 0 0 0,-1 0 0 0 0,-10 29 0 0 0,13-51-432 0 0,-4 16 515 0 0,-12 25-1 0 0,17-45-447 0 0,1-17-162 0 0,1-6-485 0 0,0 0 0 0 0,6-29 0 0 0,2 11-77 0 0,2 1 0 0 0,2 0 0 0 0,2 1 0 0 0,31-60 0 0 0,5 24 1954 0 0,-42 62-894 0 0,0 0 1 0 0,0 0-1 0 0,15-13 0 0 0,0-1 397 0 0,5-19 110 0 0,-28 44-901 0 0,7-12-376 0 0,-8 10-596 0 0,1-6 931 0 0</inkml:trace>
+</inkml:ink>
+</file>
+
+<file path=ppt/ink/ink181.xml><?xml version="1.0" encoding="utf-8"?>
+<inkml:ink xmlns:inkml="http://www.w3.org/2003/InkML">
+  <inkml:definitions>
+    <inkml:context xml:id="ctx0">
+      <inkml:inkSource xml:id="inkSrc0">
+        <inkml:traceFormat>
+          <inkml:channel name="X" type="integer" min="-2.14748E9" max="2.14748E9" units="cm"/>
+          <inkml:channel name="Y" type="integer" min="-2.14748E9" max="2.14748E9" units="cm"/>
+          <inkml:channel name="F" type="integer" max="32767" units="dev"/>
+          <inkml:channel name="OA" type="integer" max="360" units="deg"/>
+          <inkml:channel name="OE" type="integer" max="90" units="deg"/>
+        </inkml:traceFormat>
+        <inkml:channelProperties>
+          <inkml:channelProperty channel="X" name="resolution" value="1000" units="1/cm"/>
+          <inkml:channelProperty channel="Y" name="resolution" value="1000" units="1/cm"/>
+          <inkml:channelProperty channel="F" name="resolution" value="0" units="1/dev"/>
+          <inkml:channelProperty channel="OA" name="resolution" value="1000" units="1/deg"/>
+          <inkml:channelProperty channel="OE" name="resolution" value="1000" units="1/deg"/>
+        </inkml:channelProperties>
+      </inkml:inkSource>
+      <inkml:timestamp xml:id="ts0" timeString="2024-05-02T12:15:51.325"/>
+    </inkml:context>
+    <inkml:brush xml:id="br0">
+      <inkml:brushProperty name="width" value="0.05" units="cm"/>
+      <inkml:brushProperty name="height" value="0.05" units="cm"/>
+      <inkml:brushProperty name="color" value="#008C3A"/>
+    </inkml:brush>
+  </inkml:definitions>
+  <inkml:trace contextRef="#ctx0" brushRef="#br0">64 1 8663 0 0,'2'6'122'0'0,"-1"1"0"0"0,0 0 0 0 0,0-1 0 0 0,0 1 0 0 0,-1 0 0 0 0,-1 10-1 0 0,-8 43 2500 0 0,0-2 1188 0 0,3 27-338 0 0,-27 213 3750 0 0,32-293-7114 0 0,-2 10 285 0 0,0 1-1 0 0,1 0 1 0 0,0 29-1 0 0,1-45-381 0 0,1 0 0 0 0,0 0 0 0 0,0 1-1 0 0,0-1 1 0 0,0 0 0 0 0,0 1 0 0 0,0-1 0 0 0,0 0-1 0 0,0 0 1 0 0,0 1 0 0 0,0-1 0 0 0,0 0 0 0 0,0 0 0 0 0,0 1-1 0 0,1-1 1 0 0,-1 0 0 0 0,0 0 0 0 0,0 1 0 0 0,0-1-1 0 0,0 0 1 0 0,0 0 0 0 0,0 1 0 0 0,1-1 0 0 0,-1 0 0 0 0,0 0-1 0 0,0 0 1 0 0,0 0 0 0 0,1 1 0 0 0,-1-1 0 0 0,0 0-1 0 0,0 0 1 0 0,0 0 0 0 0,1 0 0 0 0,-1 0 0 0 0,0 1 0 0 0,0-1-1 0 0,1 0 1 0 0,-1 0 0 0 0,1 0 0 0 0,8-8-3 0 0,6-15-467 0 0,10-35-1390 0 0,12-27-4517 0 0,-35 82 6139 0 0,0 0 1 0 0,-1 0 0 0 0,2 0-1 0 0,-1 1 1 0 0,0-1-1 0 0,1 0 1 0 0,-1 1 0 0 0,1-1-1 0 0,0 1 1 0 0,-1 0-1 0 0,1 0 1 0 0,1 0 0 0 0,-1 0-1 0 0,6-2 1 0 0,-6 3 239 0 0,1 0 0 0 0,0 0 0 0 0,0 0 0 0 0,-1 1 0 0 0,1-1 1 0 0,0 1-1 0 0,0 0 0 0 0,0 0 0 0 0,0 0 0 0 0,0 1 0 0 0,0-1 0 0 0,-1 1 0 0 0,6 1 1 0 0,55 22 2203 0 0,-55-21-1574 0 0,1-1 0 0 0,0 1 0 0 0,0-2 1 0 0,0 1-1 0 0,0-1 0 0 0,13-1 1 0 0,8 2 1019 0 0,51 0 668 0 0,-39-2-1675 0 0,-43 0-728 0 0,1-1-1 0 0,-1 1 0 0 0,1 0 0 0 0,0 0 0 0 0,-1 0 1 0 0,1-1-1 0 0,-1 1 0 0 0,1 0 0 0 0,-1-1 1 0 0,1 1-1 0 0,-1 0 0 0 0,1-1 0 0 0,-1 1 0 0 0,1-1 1 0 0,-1 1-1 0 0,1-1 0 0 0,6-8-5307 0 0</inkml:trace>
+</inkml:ink>
+</file>
+
+<file path=ppt/ink/ink182.xml><?xml version="1.0" encoding="utf-8"?>
+<inkml:ink xmlns:inkml="http://www.w3.org/2003/InkML">
+  <inkml:definitions>
+    <inkml:context xml:id="ctx0">
+      <inkml:inkSource xml:id="inkSrc0">
+        <inkml:traceFormat>
+          <inkml:channel name="X" type="integer" min="-2.14748E9" max="2.14748E9" units="cm"/>
+          <inkml:channel name="Y" type="integer" min="-2.14748E9" max="2.14748E9" units="cm"/>
+          <inkml:channel name="F" type="integer" max="32767" units="dev"/>
+          <inkml:channel name="OA" type="integer" max="360" units="deg"/>
+          <inkml:channel name="OE" type="integer" max="90" units="deg"/>
+        </inkml:traceFormat>
+        <inkml:channelProperties>
+          <inkml:channelProperty channel="X" name="resolution" value="1000" units="1/cm"/>
+          <inkml:channelProperty channel="Y" name="resolution" value="1000" units="1/cm"/>
+          <inkml:channelProperty channel="F" name="resolution" value="0" units="1/dev"/>
+          <inkml:channelProperty channel="OA" name="resolution" value="1000" units="1/deg"/>
+          <inkml:channelProperty channel="OE" name="resolution" value="1000" units="1/deg"/>
+        </inkml:channelProperties>
+      </inkml:inkSource>
+      <inkml:timestamp xml:id="ts0" timeString="2024-05-02T12:15:51.687"/>
+    </inkml:context>
+    <inkml:brush xml:id="br0">
+      <inkml:brushProperty name="width" value="0.05" units="cm"/>
+      <inkml:brushProperty name="height" value="0.05" units="cm"/>
+      <inkml:brushProperty name="color" value="#008C3A"/>
+    </inkml:brush>
+  </inkml:definitions>
+  <inkml:trace contextRef="#ctx0" brushRef="#br0">1 0 9183 0 0,'0'21'816'0'0,"3"-13"-656"0"0,-1 1 1520 0 0,1 3 304 0 0,1 1 56 0 0,1-1 1528 0 0,3 0-2968 0 0,6-3-5864 0 0,5-4-1168 0 0</inkml:trace>
+</inkml:ink>
+</file>
+
+<file path=ppt/ink/ink183.xml><?xml version="1.0" encoding="utf-8"?>
+<inkml:ink xmlns:inkml="http://www.w3.org/2003/InkML">
+  <inkml:definitions>
+    <inkml:context xml:id="ctx0">
+      <inkml:inkSource xml:id="inkSrc0">
+        <inkml:traceFormat>
+          <inkml:channel name="X" type="integer" min="-2.14748E9" max="2.14748E9" units="cm"/>
+          <inkml:channel name="Y" type="integer" min="-2.14748E9" max="2.14748E9" units="cm"/>
+          <inkml:channel name="F" type="integer" max="32767" units="dev"/>
+          <inkml:channel name="OA" type="integer" max="360" units="deg"/>
+          <inkml:channel name="OE" type="integer" max="90" units="deg"/>
+        </inkml:traceFormat>
+        <inkml:channelProperties>
+          <inkml:channelProperty channel="X" name="resolution" value="1000" units="1/cm"/>
+          <inkml:channelProperty channel="Y" name="resolution" value="1000" units="1/cm"/>
+          <inkml:channelProperty channel="F" name="resolution" value="0" units="1/dev"/>
+          <inkml:channelProperty channel="OA" name="resolution" value="1000" units="1/deg"/>
+          <inkml:channelProperty channel="OE" name="resolution" value="1000" units="1/deg"/>
+        </inkml:channelProperties>
+      </inkml:inkSource>
       <inkml:timestamp xml:id="ts0" timeString="2024-05-02T12:15:52.137"/>
     </inkml:context>
     <inkml:brush xml:id="br0">
@@ -3230,7 +3314,7 @@
 </inkml:ink>
 </file>
 
-<file path=ppt/ink/ink181.xml><?xml version="1.0" encoding="utf-8"?>
+<file path=ppt/ink/ink184.xml><?xml version="1.0" encoding="utf-8"?>
 <inkml:ink xmlns:inkml="http://www.w3.org/2003/InkML">
   <inkml:definitions>
     <inkml:context xml:id="ctx0">
@@ -3262,7 +3346,7 @@
 </inkml:ink>
 </file>
 
-<file path=ppt/ink/ink182.xml><?xml version="1.0" encoding="utf-8"?>
+<file path=ppt/ink/ink185.xml><?xml version="1.0" encoding="utf-8"?>
 <inkml:ink xmlns:inkml="http://www.w3.org/2003/InkML">
   <inkml:definitions>
     <inkml:context xml:id="ctx0">
@@ -3294,7 +3378,7 @@
 </inkml:ink>
 </file>
 
-<file path=ppt/ink/ink183.xml><?xml version="1.0" encoding="utf-8"?>
+<file path=ppt/ink/ink186.xml><?xml version="1.0" encoding="utf-8"?>
 <inkml:ink xmlns:inkml="http://www.w3.org/2003/InkML">
   <inkml:definitions>
     <inkml:context xml:id="ctx0">
@@ -3326,7 +3410,7 @@
 </inkml:ink>
 </file>
 
-<file path=ppt/ink/ink184.xml><?xml version="1.0" encoding="utf-8"?>
+<file path=ppt/ink/ink187.xml><?xml version="1.0" encoding="utf-8"?>
 <inkml:ink xmlns:inkml="http://www.w3.org/2003/InkML">
   <inkml:definitions>
     <inkml:context xml:id="ctx0">
@@ -3358,7 +3442,7 @@
 </inkml:ink>
 </file>
 
-<file path=ppt/ink/ink185.xml><?xml version="1.0" encoding="utf-8"?>
+<file path=ppt/ink/ink188.xml><?xml version="1.0" encoding="utf-8"?>
 <inkml:ink xmlns:inkml="http://www.w3.org/2003/InkML">
   <inkml:definitions>
     <inkml:context xml:id="ctx0">
@@ -3390,7 +3474,7 @@
 </inkml:ink>
 </file>
 
-<file path=ppt/ink/ink186.xml><?xml version="1.0" encoding="utf-8"?>
+<file path=ppt/ink/ink189.xml><?xml version="1.0" encoding="utf-8"?>
 <inkml:ink xmlns:inkml="http://www.w3.org/2003/InkML">
   <inkml:definitions>
     <inkml:context xml:id="ctx0">
@@ -3419,102 +3503,6 @@
     </inkml:brush>
   </inkml:definitions>
   <inkml:trace contextRef="#ctx0" brushRef="#br0">26 0 5839 0 0,'-3'4'116'0'0,"1"-1"-1"0"0,0 1 0 0 0,0 0 0 0 0,1 0 0 0 0,-1-1 0 0 0,1 1 0 0 0,0 0 0 0 0,-1 5 0 0 0,-1 1 1448 0 0,1-1 0 0 0,0 1 0 0 0,1 0 0 0 0,0 0 1 0 0,1 0-1 0 0,0 12 0 0 0,1-13-757 0 0,-1-6-465 0 0,0 0-1 0 0,1 0 1 0 0,-1 0 0 0 0,0 0 0 0 0,1 0 0 0 0,0 0-1 0 0,0 0 1 0 0,0 0 0 0 0,0-1 0 0 0,0 1 0 0 0,0 0 0 0 0,1-1-1 0 0,-1 1 1 0 0,3 2 0 0 0,0-1 207 0 0,0 1 0 0 0,0-2 0 0 0,0 1 0 0 0,1 0 0 0 0,-1-1 0 0 0,1 0 0 0 0,0 0 0 0 0,0 0 0 0 0,7 2 0 0 0,-8-4-339 0 0,1 1 1 0 0,0-1 0 0 0,0 0 0 0 0,-1-1-1 0 0,1 1 1 0 0,0-1 0 0 0,6 0-1 0 0,-6-1-122 0 0,0 0 0 0 0,0 1-1 0 0,0-2 1 0 0,0 1 0 0 0,0 0 0 0 0,0-1-1 0 0,0 0 1 0 0,0 0 0 0 0,0-1-1 0 0,-1 1 1 0 0,9-7 0 0 0,-1-1 191 0 0,0-1-1 0 0,16-19 1 0 0,-27 28-277 0 0,14-19-1 0 0,-45 27-2376 0 0,27-5 1349 0 0,0 0 0 0 0,0 1 1 0 0,0-1-1 0 0,1 0 0 0 0,-1 1 0 0 0,-3 2 1 0 0,2-2-1263 0 0,-13 10-6739 0 0</inkml:trace>
-</inkml:ink>
-</file>
-
-<file path=ppt/ink/ink187.xml><?xml version="1.0" encoding="utf-8"?>
-<inkml:ink xmlns:inkml="http://www.w3.org/2003/InkML">
-  <inkml:definitions>
-    <inkml:context xml:id="ctx0">
-      <inkml:inkSource xml:id="inkSrc0">
-        <inkml:traceFormat>
-          <inkml:channel name="X" type="integer" min="-2.14748E9" max="2.14748E9" units="cm"/>
-          <inkml:channel name="Y" type="integer" min="-2.14748E9" max="2.14748E9" units="cm"/>
-          <inkml:channel name="F" type="integer" max="32767" units="dev"/>
-          <inkml:channel name="OA" type="integer" max="360" units="deg"/>
-          <inkml:channel name="OE" type="integer" max="90" units="deg"/>
-        </inkml:traceFormat>
-        <inkml:channelProperties>
-          <inkml:channelProperty channel="X" name="resolution" value="1000" units="1/cm"/>
-          <inkml:channelProperty channel="Y" name="resolution" value="1000" units="1/cm"/>
-          <inkml:channelProperty channel="F" name="resolution" value="0" units="1/dev"/>
-          <inkml:channelProperty channel="OA" name="resolution" value="1000" units="1/deg"/>
-          <inkml:channelProperty channel="OE" name="resolution" value="1000" units="1/deg"/>
-        </inkml:channelProperties>
-      </inkml:inkSource>
-      <inkml:timestamp xml:id="ts0" timeString="2024-05-02T12:15:55.467"/>
-    </inkml:context>
-    <inkml:brush xml:id="br0">
-      <inkml:brushProperty name="width" value="0.05" units="cm"/>
-      <inkml:brushProperty name="height" value="0.05" units="cm"/>
-      <inkml:brushProperty name="color" value="#008C3A"/>
-    </inkml:brush>
-  </inkml:definitions>
-  <inkml:trace contextRef="#ctx0" brushRef="#br0">1 92 12551 0 0,'0'0'971'0'0,"2"1"-635"0"0,20 17 163 0 0,9 14 6365 0 0,-30-30-5610 0 0,1 0-967 0 0,-1 0 0 0 0,1-1-1 0 0,0 1 1 0 0,-1 0 0 0 0,1-1 0 0 0,0 1-1 0 0,0-1 1 0 0,4 3 0 0 0,-6-4-87 0 0,2 1 202 0 0,0 0-194 0 0,-1 0-159 0 0,2 1-4 0 0,12-3 149 0 0,-12 1-208 0 0,-1-1 0 0 0,0 0 0 0 0,1 1 0 0 0,-1-1 1 0 0,0 0-1 0 0,0 0 0 0 0,0-1 0 0 0,1 1 0 0 0,-1 0 0 0 0,-1-1 1 0 0,1 1-1 0 0,0-1 0 0 0,0 0 0 0 0,0 0 0 0 0,1-2 0 0 0,3-4-161 0 0,0-2 0 0 0,7-11 0 0 0,3-5-217 0 0,-10 17 230 0 0,1 0 0 0 0,0 1 0 0 0,0 1 0 0 0,1-1 0 0 0,14-10-1 0 0,-19 16 202 0 0,1-1-1 0 0,0 1 1 0 0,0 0-1 0 0,0 0 0 0 0,0 0 1 0 0,1 1-1 0 0,-1-1 0 0 0,0 1 1 0 0,1 0-1 0 0,-1 1 1 0 0,1-1-1 0 0,-1 1 0 0 0,1-1 1 0 0,-1 1-1 0 0,7 1 0 0 0,-9 0 230 0 0,0 0 48 0 0,1 1-246 0 0,0-1 0 0 0,0 1 0 0 0,0 1 0 0 0,-1-1-1 0 0,1 0 1 0 0,-1 1 0 0 0,1-1 0 0 0,-1 1-1 0 0,0 0 1 0 0,0 0 0 0 0,0 0 0 0 0,-1 0 0 0 0,1 0-1 0 0,-1 0 1 0 0,1 0 0 0 0,-1 0 0 0 0,1 4-1 0 0,-2-6-48 0 0,0 0 0 0 0,0 0-1 0 0,0 0 1 0 0,0-1 0 0 0,0 1 0 0 0,0 0-1 0 0,0 0 1 0 0,0 0 0 0 0,-1-1-1 0 0,1 1 1 0 0,0 0 0 0 0,0 0-1 0 0,-1-1 1 0 0,0 2 0 0 0,-1 3 44 0 0,0 4 20 0 0,-1-1 0 0 0,0 0 0 0 0,-1 1 0 0 0,0-1 0 0 0,0-1 0 0 0,-1 1 0 0 0,0-1-1 0 0,0 1 1 0 0,-1-1 0 0 0,0-1 0 0 0,-7 7 0 0 0,-9 6 244 0 0,0-1 0 0 0,-28 16 0 0 0,4-2 640 0 0,38-27-435 0 0,5-6 652 0 0,3 1-1129 0 0,1-1 0 0 0,-1 0 0 0 0,0 0 0 0 0,1 1 0 0 0,-1-1 0 0 0,1 0 0 0 0,-1 1 0 0 0,1-1 0 0 0,-1 0 0 0 0,1 1 0 0 0,-1-1 0 0 0,1 1 0 0 0,0-1 0 0 0,-1 1 0 0 0,2-1 0 0 0,28-16 15 0 0,0 1 0 0 0,1 2 0 0 0,63-20 0 0 0,-89 33-72 0 0,-1 0 0 0 0,1 0 0 0 0,0 1 0 0 0,-1-1 0 0 0,7 1 0 0 0,12-1 0 0 0,-21 1 0 0 0,-1 0 0 0 0,1 0 0 0 0,-1 0 0 0 0,1 0 0 0 0,-1 0 0 0 0,1 0 0 0 0,-1 0 0 0 0,0 0 0 0 0,3 2 0 0 0,-3-2 0 0 0,-1 0 0 0 0,1 0 0 0 0,-1 0 0 0 0,0 0 0 0 0,1 0 0 0 0,-1 1 0 0 0,0-1 0 0 0,1 0 0 0 0,-1 0 0 0 0,0 1 0 0 0,1-1 0 0 0,-1 0 0 0 0,0 0 0 0 0,1 1 0 0 0,-1-1 0 0 0,0 0 0 0 0,0 1 0 0 0,1-1 0 0 0,-1 0 0 0 0,0 1 0 0 0,0-1 0 0 0,0 1 0 0 0,0-1 0 0 0,0 0 0 0 0,1 1 0 0 0,-1-1 0 0 0,0 1 0 0 0,0-1 0 0 0,0 0 0 0 0,0 1 0 0 0,0-1 0 0 0,0 1 0 0 0,0-1 0 0 0,0 0 0 0 0,0 1 0 0 0,-1-1 0 0 0,1 1 0 0 0,0-1 0 0 0,0 1 0 0 0,0-1 0 0 0,-2 9 0 0 0,0-1 0 0 0,-1 1 0 0 0,1-1 0 0 0,-2 1 0 0 0,1-1 0 0 0,-1 0 0 0 0,-10 14 0 0 0,-3 2 0 0 0,-22 22 0 0 0,11-13 0 0 0,-12 12 0 0 0,-3-2 0 0 0,-61 47 0 0 0,45-40 0 0 0,48-40 0 0 0,11-10 0 0 0,0 0 0 0 0,0 0 0 0 0,0 0 0 0 0,0 0 0 0 0,0 0 0 0 0,0 0 0 0 0,0 0 0 0 0,0 0 0 0 0,0 0 0 0 0,1 0 0 0 0,-1 0 0 0 0,0 0 0 0 0,0 0 0 0 0,0 0 0 0 0,0 0 0 0 0,0 0 0 0 0,0 0 0 0 0,0 0 0 0 0,0 0 0 0 0,0 0 0 0 0,0 0 0 0 0,0 0 0 0 0,0 0 0 0 0,0 1 0 0 0,0-1 0 0 0,0 0 0 0 0,0 0 0 0 0,0 0 0 0 0,0 0 0 0 0,0 0 0 0 0,0 0 0 0 0,0 0 0 0 0,0 0 0 0 0,0 0 0 0 0,0 0 0 0 0,0 0 0 0 0,0 0 0 0 0,0 0 0 0 0,0 0 0 0 0,0 0 0 0 0,0 0 0 0 0,-1 0 0 0 0,1 0 0 0 0,0 0 0 0 0,0 0 0 0 0,0 0 0 0 0,0 1 0 0 0,0-1 0 0 0,0 0 0 0 0,0 0 0 0 0,0 0 0 0 0,0 0 0 0 0,0 0 0 0 0,0 0 0 0 0,0 0 0 0 0,0 0 0 0 0,0 0 0 0 0,0 0 0 0 0,0 0 0 0 0,0 0 0 0 0,0 0 0 0 0,6-2 0 0 0,11-4 0 0 0,31-11 0 0 0,1 2 0 0 0,77-13 0 0 0,-52 12 0 0 0,210-35 0 0 0,-179 34 0 0 0,-99 16 0 0 0,162-23 0 0 0,-154 23 0 0 0,-2 2 0 0 0,-11 0-54 0 0,0-1 0 0 0,0 1 0 0 0,0-1-1 0 0,-1 0 1 0 0,1 1 0 0 0,0-1 0 0 0,-1 1 0 0 0,1-1 0 0 0,0 1 0 0 0,-1 0 0 0 0,1-1-1 0 0,-1 1 1 0 0,1 0 0 0 0,-1-1 0 0 0,1 1 0 0 0,-1 0 0 0 0,1 0 0 0 0,-1-1 0 0 0,0 1-1 0 0,0 0 1 0 0,1 0 0 0 0,-1 0 0 0 0,0 0 0 0 0,0-1 0 0 0,0 1 0 0 0,0 0 0 0 0,0 0-1 0 0,0 0 1 0 0,0 0 0 0 0,0 0 0 0 0,0-1 0 0 0,0 1 0 0 0,0 0 0 0 0,-1 0 0 0 0,1 0-1 0 0,0 0 1 0 0,0-1 0 0 0,-2 3 0 0 0,1-1-522 0 0,0 0-1 0 0,0 1 1 0 0,0-1-1 0 0,-1 0 1 0 0,1 1 0 0 0,-1-1-1 0 0,0 0 1 0 0,1 0-1 0 0,-1 0 1 0 0,0-1 0 0 0,-4 4-1 0 0,-13 3-9619 0 0</inkml:trace>
-</inkml:ink>
-</file>
-
-<file path=ppt/ink/ink188.xml><?xml version="1.0" encoding="utf-8"?>
-<inkml:ink xmlns:inkml="http://www.w3.org/2003/InkML">
-  <inkml:definitions>
-    <inkml:context xml:id="ctx0">
-      <inkml:inkSource xml:id="inkSrc0">
-        <inkml:traceFormat>
-          <inkml:channel name="X" type="integer" min="-2.14748E9" max="2.14748E9" units="cm"/>
-          <inkml:channel name="Y" type="integer" min="-2.14748E9" max="2.14748E9" units="cm"/>
-          <inkml:channel name="F" type="integer" max="32767" units="dev"/>
-          <inkml:channel name="OA" type="integer" max="360" units="deg"/>
-          <inkml:channel name="OE" type="integer" max="90" units="deg"/>
-        </inkml:traceFormat>
-        <inkml:channelProperties>
-          <inkml:channelProperty channel="X" name="resolution" value="1000" units="1/cm"/>
-          <inkml:channelProperty channel="Y" name="resolution" value="1000" units="1/cm"/>
-          <inkml:channelProperty channel="F" name="resolution" value="0" units="1/dev"/>
-          <inkml:channelProperty channel="OA" name="resolution" value="1000" units="1/deg"/>
-          <inkml:channelProperty channel="OE" name="resolution" value="1000" units="1/deg"/>
-        </inkml:channelProperties>
-      </inkml:inkSource>
-      <inkml:timestamp xml:id="ts0" timeString="2024-05-02T12:16:16.275"/>
-    </inkml:context>
-    <inkml:brush xml:id="br0">
-      <inkml:brushProperty name="width" value="0.05" units="cm"/>
-      <inkml:brushProperty name="height" value="0.05" units="cm"/>
-      <inkml:brushProperty name="color" value="#008C3A"/>
-    </inkml:brush>
-  </inkml:definitions>
-  <inkml:trace contextRef="#ctx0" brushRef="#br0">2329 141 3247 0 0,'-13'6'69'0'0,"9"-4"-45"0"0,0 0 0 0 0,0 0 0 0 0,0 0 0 0 0,0-1 1 0 0,-6 2-1 0 0,9-3-19 0 0,0 0 0 0 0,0 0 1 0 0,-1 0-1 0 0,1 0 0 0 0,0 0 1 0 0,0 0-1 0 0,0 0 0 0 0,-1 0 1 0 0,1 0-1 0 0,0-1 0 0 0,0 1 1 0 0,0-1-1 0 0,-1 1 0 0 0,1-1 1 0 0,0 1-1 0 0,0-1 0 0 0,0 0 1 0 0,0 1-1 0 0,0-1 0 0 0,0 0 1 0 0,0 0-1 0 0,0 0 0 0 0,0-1 1 0 0,-8-7 271 0 0,1 1 0 0 0,-1 0 1 0 0,-1 0-1 0 0,0 1 0 0 0,0 0 0 0 0,0 1 1 0 0,0 0-1 0 0,-1 1 0 0 0,0 0 1 0 0,0 0-1 0 0,-19-4 0 0 0,-10 0 1375 0 0,-83-9-1 0 0,88 14-1423 0 0,-9-1 270 0 0,-175-19 1682 0 0,146 20-958 0 0,-77 4 0 0 0,-211 33 2548 0 0,299-24-2779 0 0,0 2 0 0 0,1 4-1 0 0,-75 27 1 0 0,30-1 432 0 0,-150 83 0 0 0,221-102-1186 0 0,1 1 0 0 0,1 2-1 0 0,1 1 1 0 0,-47 49 0 0 0,57-51-50 0 0,1 1 1 0 0,2 1 0 0 0,1 1 0 0 0,0 0-1 0 0,2 1 1 0 0,-17 44 0 0 0,26-55-67 0 0,1 1 0 0 0,1 0 0 0 0,1 0 0 0 0,0 0 0 0 0,1 1 0 0 0,0 25 0 0 0,3-32-41 0 0,1 0 0 0 0,0 0-1 0 0,0-1 1 0 0,1 1 0 0 0,1 0-1 0 0,0-1 1 0 0,0 0 0 0 0,1 0 0 0 0,0 0-1 0 0,1 0 1 0 0,7 11 0 0 0,1-4 111 0 0,0 0-1 0 0,0-1 1 0 0,2-1 0 0 0,29 27 0 0 0,-9-15-34 0 0,51 31 0 0 0,208 106 294 0 0,-236-134-309 0 0,7 2-50 0 0,0-4 0 0 0,2-2 0 0 0,84 22 0 0 0,46 0-63 0 0,2-8 1 0 0,351 26-1 0 0,-279-56-29 0 0,-174-7 0 0 0,-1 0 0 0 0</inkml:trace>
-</inkml:ink>
-</file>
-
-<file path=ppt/ink/ink189.xml><?xml version="1.0" encoding="utf-8"?>
-<inkml:ink xmlns:inkml="http://www.w3.org/2003/InkML">
-  <inkml:definitions>
-    <inkml:context xml:id="ctx0">
-      <inkml:inkSource xml:id="inkSrc0">
-        <inkml:traceFormat>
-          <inkml:channel name="X" type="integer" min="-2.14748E9" max="2.14748E9" units="cm"/>
-          <inkml:channel name="Y" type="integer" min="-2.14748E9" max="2.14748E9" units="cm"/>
-          <inkml:channel name="F" type="integer" max="32767" units="dev"/>
-          <inkml:channel name="OA" type="integer" max="360" units="deg"/>
-          <inkml:channel name="OE" type="integer" max="90" units="deg"/>
-        </inkml:traceFormat>
-        <inkml:channelProperties>
-          <inkml:channelProperty channel="X" name="resolution" value="1000" units="1/cm"/>
-          <inkml:channelProperty channel="Y" name="resolution" value="1000" units="1/cm"/>
-          <inkml:channelProperty channel="F" name="resolution" value="0" units="1/dev"/>
-          <inkml:channelProperty channel="OA" name="resolution" value="1000" units="1/deg"/>
-          <inkml:channelProperty channel="OE" name="resolution" value="1000" units="1/deg"/>
-        </inkml:channelProperties>
-      </inkml:inkSource>
-      <inkml:timestamp xml:id="ts0" timeString="2024-05-02T12:16:17.524"/>
-    </inkml:context>
-    <inkml:brush xml:id="br0">
-      <inkml:brushProperty name="width" value="0.05" units="cm"/>
-      <inkml:brushProperty name="height" value="0.05" units="cm"/>
-      <inkml:brushProperty name="color" value="#008C3A"/>
-    </inkml:brush>
-  </inkml:definitions>
-  <inkml:trace contextRef="#ctx0" brushRef="#br0">0 363 2759 0 0,'1'1'7'0'0,"-1"0"-1"0"0,1 0 0 0 0,-1 0 1 0 0,1 0-1 0 0,0-1 0 0 0,0 1 0 0 0,-1 0 1 0 0,1 0-1 0 0,0-1 0 0 0,0 1 1 0 0,0-1-1 0 0,0 1 0 0 0,0-1 0 0 0,0 1 1 0 0,0-1-1 0 0,0 1 0 0 0,0-1 1 0 0,0 0-1 0 0,0 0 0 0 0,0 1 0 0 0,0-1 1 0 0,0 0-1 0 0,0 0 0 0 0,0 0 1 0 0,2 0-1 0 0,35-4 71 0 0,-25 1-70 0 0,109-23 3113 0 0,-47 9-853 0 0,-73 16-2210 0 0,417-99 10045 0 0,120-44-2527 0 0,-499 135-7289 0 0,268-45 1828 0 0,-103 37-582 0 0,377 17-1 0 0,-391 13-972 0 0,262 52-1 0 0,-434-61-554 0 0,301 66 38 0 0,-5 23-29 0 0,-74-2-13 0 0,-187-67 0 0 0,-1 3 0 0 0,66 42 0 0 0,-98-54 0 0 0,0 1 0 0 0,0 1 0 0 0,-2 0 0 0 0,0 1 0 0 0,-1 2 0 0 0,-1-1 0 0 0,0 2 0 0 0,-2 0 0 0 0,0 1 0 0 0,-2 1 0 0 0,18 39 0 0 0,-20-33 0 0 0,0 1 0 0 0,-2 0 0 0 0,-1 1 0 0 0,-2 0 0 0 0,-1 0 0 0 0,-1 0 0 0 0,-1 59 0 0 0,-4-68 0 0 0,-2 1 0 0 0,0-2 0 0 0,-2 1 0 0 0,0 0 0 0 0,-2-1 0 0 0,-15 37 0 0 0,8-29 0 0 0,-1-1 0 0 0,-1-1 0 0 0,-1 0 0 0 0,-26 29 0 0 0,17-27 0 0 0,-1 0 0 0 0,-2-2 0 0 0,-50 36 0 0 0,-107 56 0 0 0,135-92 0 0 0,-1-3 0 0 0,-1-1 0 0 0,-87 23 0 0 0,-170 25 0 0 0,281-66 0 0 0,-1000 131 0 0 0,653-122 0 0 0,288-16 0 0 0,1-4 0 0 0,-114-22 0 0 0,175 23-422 0 0,0-1 0 0 0,1-2-1 0 0,0 0 1 0 0,-40-21 0 0 0,53 23-154 0 0,1 0-1 0 0,1-1 1 0 0,-1-1-1 0 0,1 0 1 0 0,1 0 0 0 0,-1-1-1 0 0,1 0 1 0 0,1-1-1 0 0,0 0 1 0 0,0 0 0 0 0,-11-21-1 0 0,-4-20-9619 0 0</inkml:trace>
 </inkml:ink>
 </file>
 
@@ -3570,6 +3558,102 @@
           <inkml:channelProperty channel="OE" name="resolution" value="1000" units="1/deg"/>
         </inkml:channelProperties>
       </inkml:inkSource>
+      <inkml:timestamp xml:id="ts0" timeString="2024-05-02T12:15:55.467"/>
+    </inkml:context>
+    <inkml:brush xml:id="br0">
+      <inkml:brushProperty name="width" value="0.05" units="cm"/>
+      <inkml:brushProperty name="height" value="0.05" units="cm"/>
+      <inkml:brushProperty name="color" value="#008C3A"/>
+    </inkml:brush>
+  </inkml:definitions>
+  <inkml:trace contextRef="#ctx0" brushRef="#br0">1 92 12551 0 0,'0'0'971'0'0,"2"1"-635"0"0,20 17 163 0 0,9 14 6365 0 0,-30-30-5610 0 0,1 0-967 0 0,-1 0 0 0 0,1-1-1 0 0,0 1 1 0 0,-1 0 0 0 0,1-1 0 0 0,0 1-1 0 0,0-1 1 0 0,4 3 0 0 0,-6-4-87 0 0,2 1 202 0 0,0 0-194 0 0,-1 0-159 0 0,2 1-4 0 0,12-3 149 0 0,-12 1-208 0 0,-1-1 0 0 0,0 0 0 0 0,1 1 0 0 0,-1-1 1 0 0,0 0-1 0 0,0 0 0 0 0,0-1 0 0 0,1 1 0 0 0,-1 0 0 0 0,-1-1 1 0 0,1 1-1 0 0,0-1 0 0 0,0 0 0 0 0,0 0 0 0 0,1-2 0 0 0,3-4-161 0 0,0-2 0 0 0,7-11 0 0 0,3-5-217 0 0,-10 17 230 0 0,1 0 0 0 0,0 1 0 0 0,0 1 0 0 0,1-1 0 0 0,14-10-1 0 0,-19 16 202 0 0,1-1-1 0 0,0 1 1 0 0,0 0-1 0 0,0 0 0 0 0,0 0 1 0 0,1 1-1 0 0,-1-1 0 0 0,0 1 1 0 0,1 0-1 0 0,-1 1 1 0 0,1-1-1 0 0,-1 1 0 0 0,1-1 1 0 0,-1 1-1 0 0,7 1 0 0 0,-9 0 230 0 0,0 0 48 0 0,1 1-246 0 0,0-1 0 0 0,0 1 0 0 0,0 1 0 0 0,-1-1-1 0 0,1 0 1 0 0,-1 1 0 0 0,1-1 0 0 0,-1 1-1 0 0,0 0 1 0 0,0 0 0 0 0,0 0 0 0 0,-1 0 0 0 0,1 0-1 0 0,-1 0 1 0 0,1 0 0 0 0,-1 0 0 0 0,1 4-1 0 0,-2-6-48 0 0,0 0 0 0 0,0 0-1 0 0,0 0 1 0 0,0-1 0 0 0,0 1 0 0 0,0 0-1 0 0,0 0 1 0 0,0 0 0 0 0,-1-1-1 0 0,1 1 1 0 0,0 0 0 0 0,0 0-1 0 0,-1-1 1 0 0,0 2 0 0 0,-1 3 44 0 0,0 4 20 0 0,-1-1 0 0 0,0 0 0 0 0,-1 1 0 0 0,0-1 0 0 0,0-1 0 0 0,-1 1 0 0 0,0-1-1 0 0,0 1 1 0 0,-1-1 0 0 0,0-1 0 0 0,-7 7 0 0 0,-9 6 244 0 0,0-1 0 0 0,-28 16 0 0 0,4-2 640 0 0,38-27-435 0 0,5-6 652 0 0,3 1-1129 0 0,1-1 0 0 0,-1 0 0 0 0,0 0 0 0 0,1 1 0 0 0,-1-1 0 0 0,1 0 0 0 0,-1 1 0 0 0,1-1 0 0 0,-1 0 0 0 0,1 1 0 0 0,-1-1 0 0 0,1 1 0 0 0,0-1 0 0 0,-1 1 0 0 0,2-1 0 0 0,28-16 15 0 0,0 1 0 0 0,1 2 0 0 0,63-20 0 0 0,-89 33-72 0 0,-1 0 0 0 0,1 0 0 0 0,0 1 0 0 0,-1-1 0 0 0,7 1 0 0 0,12-1 0 0 0,-21 1 0 0 0,-1 0 0 0 0,1 0 0 0 0,-1 0 0 0 0,1 0 0 0 0,-1 0 0 0 0,1 0 0 0 0,-1 0 0 0 0,0 0 0 0 0,3 2 0 0 0,-3-2 0 0 0,-1 0 0 0 0,1 0 0 0 0,-1 0 0 0 0,0 0 0 0 0,1 0 0 0 0,-1 1 0 0 0,0-1 0 0 0,1 0 0 0 0,-1 0 0 0 0,0 1 0 0 0,1-1 0 0 0,-1 0 0 0 0,0 0 0 0 0,1 1 0 0 0,-1-1 0 0 0,0 0 0 0 0,0 1 0 0 0,1-1 0 0 0,-1 0 0 0 0,0 1 0 0 0,0-1 0 0 0,0 1 0 0 0,0-1 0 0 0,0 0 0 0 0,1 1 0 0 0,-1-1 0 0 0,0 1 0 0 0,0-1 0 0 0,0 0 0 0 0,0 1 0 0 0,0-1 0 0 0,0 1 0 0 0,0-1 0 0 0,0 0 0 0 0,0 1 0 0 0,-1-1 0 0 0,1 1 0 0 0,0-1 0 0 0,0 1 0 0 0,0-1 0 0 0,-2 9 0 0 0,0-1 0 0 0,-1 1 0 0 0,1-1 0 0 0,-2 1 0 0 0,1-1 0 0 0,-1 0 0 0 0,-10 14 0 0 0,-3 2 0 0 0,-22 22 0 0 0,11-13 0 0 0,-12 12 0 0 0,-3-2 0 0 0,-61 47 0 0 0,45-40 0 0 0,48-40 0 0 0,11-10 0 0 0,0 0 0 0 0,0 0 0 0 0,0 0 0 0 0,0 0 0 0 0,0 0 0 0 0,0 0 0 0 0,0 0 0 0 0,0 0 0 0 0,0 0 0 0 0,1 0 0 0 0,-1 0 0 0 0,0 0 0 0 0,0 0 0 0 0,0 0 0 0 0,0 0 0 0 0,0 0 0 0 0,0 0 0 0 0,0 0 0 0 0,0 0 0 0 0,0 0 0 0 0,0 0 0 0 0,0 0 0 0 0,0 0 0 0 0,0 1 0 0 0,0-1 0 0 0,0 0 0 0 0,0 0 0 0 0,0 0 0 0 0,0 0 0 0 0,0 0 0 0 0,0 0 0 0 0,0 0 0 0 0,0 0 0 0 0,0 0 0 0 0,0 0 0 0 0,0 0 0 0 0,0 0 0 0 0,0 0 0 0 0,0 0 0 0 0,0 0 0 0 0,0 0 0 0 0,-1 0 0 0 0,1 0 0 0 0,0 0 0 0 0,0 0 0 0 0,0 0 0 0 0,0 1 0 0 0,0-1 0 0 0,0 0 0 0 0,0 0 0 0 0,0 0 0 0 0,0 0 0 0 0,0 0 0 0 0,0 0 0 0 0,0 0 0 0 0,0 0 0 0 0,0 0 0 0 0,0 0 0 0 0,0 0 0 0 0,0 0 0 0 0,0 0 0 0 0,6-2 0 0 0,11-4 0 0 0,31-11 0 0 0,1 2 0 0 0,77-13 0 0 0,-52 12 0 0 0,210-35 0 0 0,-179 34 0 0 0,-99 16 0 0 0,162-23 0 0 0,-154 23 0 0 0,-2 2 0 0 0,-11 0-54 0 0,0-1 0 0 0,0 1 0 0 0,0-1-1 0 0,-1 0 1 0 0,1 1 0 0 0,0-1 0 0 0,-1 1 0 0 0,1-1 0 0 0,0 1 0 0 0,-1 0 0 0 0,1-1-1 0 0,-1 1 1 0 0,1 0 0 0 0,-1-1 0 0 0,1 1 0 0 0,-1 0 0 0 0,1 0 0 0 0,-1-1 0 0 0,0 1-1 0 0,0 0 1 0 0,1 0 0 0 0,-1 0 0 0 0,0 0 0 0 0,0-1 0 0 0,0 1 0 0 0,0 0 0 0 0,0 0-1 0 0,0 0 1 0 0,0 0 0 0 0,0 0 0 0 0,0-1 0 0 0,0 1 0 0 0,0 0 0 0 0,-1 0 0 0 0,1 0-1 0 0,0 0 1 0 0,0-1 0 0 0,-2 3 0 0 0,1-1-522 0 0,0 0-1 0 0,0 1 1 0 0,0-1-1 0 0,-1 0 1 0 0,1 1 0 0 0,-1-1-1 0 0,0 0 1 0 0,1 0-1 0 0,-1 0 1 0 0,0-1 0 0 0,-4 4-1 0 0,-13 3-9619 0 0</inkml:trace>
+</inkml:ink>
+</file>
+
+<file path=ppt/ink/ink191.xml><?xml version="1.0" encoding="utf-8"?>
+<inkml:ink xmlns:inkml="http://www.w3.org/2003/InkML">
+  <inkml:definitions>
+    <inkml:context xml:id="ctx0">
+      <inkml:inkSource xml:id="inkSrc0">
+        <inkml:traceFormat>
+          <inkml:channel name="X" type="integer" min="-2.14748E9" max="2.14748E9" units="cm"/>
+          <inkml:channel name="Y" type="integer" min="-2.14748E9" max="2.14748E9" units="cm"/>
+          <inkml:channel name="F" type="integer" max="32767" units="dev"/>
+          <inkml:channel name="OA" type="integer" max="360" units="deg"/>
+          <inkml:channel name="OE" type="integer" max="90" units="deg"/>
+        </inkml:traceFormat>
+        <inkml:channelProperties>
+          <inkml:channelProperty channel="X" name="resolution" value="1000" units="1/cm"/>
+          <inkml:channelProperty channel="Y" name="resolution" value="1000" units="1/cm"/>
+          <inkml:channelProperty channel="F" name="resolution" value="0" units="1/dev"/>
+          <inkml:channelProperty channel="OA" name="resolution" value="1000" units="1/deg"/>
+          <inkml:channelProperty channel="OE" name="resolution" value="1000" units="1/deg"/>
+        </inkml:channelProperties>
+      </inkml:inkSource>
+      <inkml:timestamp xml:id="ts0" timeString="2024-05-02T12:16:16.275"/>
+    </inkml:context>
+    <inkml:brush xml:id="br0">
+      <inkml:brushProperty name="width" value="0.05" units="cm"/>
+      <inkml:brushProperty name="height" value="0.05" units="cm"/>
+      <inkml:brushProperty name="color" value="#008C3A"/>
+    </inkml:brush>
+  </inkml:definitions>
+  <inkml:trace contextRef="#ctx0" brushRef="#br0">2329 141 3247 0 0,'-13'6'69'0'0,"9"-4"-45"0"0,0 0 0 0 0,0 0 0 0 0,0 0 0 0 0,0-1 1 0 0,-6 2-1 0 0,9-3-19 0 0,0 0 0 0 0,0 0 1 0 0,-1 0-1 0 0,1 0 0 0 0,0 0 1 0 0,0 0-1 0 0,0 0 0 0 0,-1 0 1 0 0,1 0-1 0 0,0-1 0 0 0,0 1 1 0 0,0-1-1 0 0,-1 1 0 0 0,1-1 1 0 0,0 1-1 0 0,0-1 0 0 0,0 0 1 0 0,0 1-1 0 0,0-1 0 0 0,0 0 1 0 0,0 0-1 0 0,0 0 0 0 0,0-1 1 0 0,-8-7 271 0 0,1 1 0 0 0,-1 0 1 0 0,-1 0-1 0 0,0 1 0 0 0,0 0 0 0 0,0 1 1 0 0,0 0-1 0 0,-1 1 0 0 0,0 0 1 0 0,0 0-1 0 0,-19-4 0 0 0,-10 0 1375 0 0,-83-9-1 0 0,88 14-1423 0 0,-9-1 270 0 0,-175-19 1682 0 0,146 20-958 0 0,-77 4 0 0 0,-211 33 2548 0 0,299-24-2779 0 0,0 2 0 0 0,1 4-1 0 0,-75 27 1 0 0,30-1 432 0 0,-150 83 0 0 0,221-102-1186 0 0,1 1 0 0 0,1 2-1 0 0,1 1 1 0 0,-47 49 0 0 0,57-51-50 0 0,1 1 1 0 0,2 1 0 0 0,1 1 0 0 0,0 0-1 0 0,2 1 1 0 0,-17 44 0 0 0,26-55-67 0 0,1 1 0 0 0,1 0 0 0 0,1 0 0 0 0,0 0 0 0 0,1 1 0 0 0,0 25 0 0 0,3-32-41 0 0,1 0 0 0 0,0 0-1 0 0,0-1 1 0 0,1 1 0 0 0,1 0-1 0 0,0-1 1 0 0,0 0 0 0 0,1 0 0 0 0,0 0-1 0 0,1 0 1 0 0,7 11 0 0 0,1-4 111 0 0,0 0-1 0 0,0-1 1 0 0,2-1 0 0 0,29 27 0 0 0,-9-15-34 0 0,51 31 0 0 0,208 106 294 0 0,-236-134-309 0 0,7 2-50 0 0,0-4 0 0 0,2-2 0 0 0,84 22 0 0 0,46 0-63 0 0,2-8 1 0 0,351 26-1 0 0,-279-56-29 0 0,-174-7 0 0 0,-1 0 0 0 0</inkml:trace>
+</inkml:ink>
+</file>
+
+<file path=ppt/ink/ink192.xml><?xml version="1.0" encoding="utf-8"?>
+<inkml:ink xmlns:inkml="http://www.w3.org/2003/InkML">
+  <inkml:definitions>
+    <inkml:context xml:id="ctx0">
+      <inkml:inkSource xml:id="inkSrc0">
+        <inkml:traceFormat>
+          <inkml:channel name="X" type="integer" min="-2.14748E9" max="2.14748E9" units="cm"/>
+          <inkml:channel name="Y" type="integer" min="-2.14748E9" max="2.14748E9" units="cm"/>
+          <inkml:channel name="F" type="integer" max="32767" units="dev"/>
+          <inkml:channel name="OA" type="integer" max="360" units="deg"/>
+          <inkml:channel name="OE" type="integer" max="90" units="deg"/>
+        </inkml:traceFormat>
+        <inkml:channelProperties>
+          <inkml:channelProperty channel="X" name="resolution" value="1000" units="1/cm"/>
+          <inkml:channelProperty channel="Y" name="resolution" value="1000" units="1/cm"/>
+          <inkml:channelProperty channel="F" name="resolution" value="0" units="1/dev"/>
+          <inkml:channelProperty channel="OA" name="resolution" value="1000" units="1/deg"/>
+          <inkml:channelProperty channel="OE" name="resolution" value="1000" units="1/deg"/>
+        </inkml:channelProperties>
+      </inkml:inkSource>
+      <inkml:timestamp xml:id="ts0" timeString="2024-05-02T12:16:17.524"/>
+    </inkml:context>
+    <inkml:brush xml:id="br0">
+      <inkml:brushProperty name="width" value="0.05" units="cm"/>
+      <inkml:brushProperty name="height" value="0.05" units="cm"/>
+      <inkml:brushProperty name="color" value="#008C3A"/>
+    </inkml:brush>
+  </inkml:definitions>
+  <inkml:trace contextRef="#ctx0" brushRef="#br0">0 363 2759 0 0,'1'1'7'0'0,"-1"0"-1"0"0,1 0 0 0 0,-1 0 1 0 0,1 0-1 0 0,0-1 0 0 0,0 1 0 0 0,-1 0 1 0 0,1 0-1 0 0,0-1 0 0 0,0 1 1 0 0,0-1-1 0 0,0 1 0 0 0,0-1 0 0 0,0 1 1 0 0,0-1-1 0 0,0 1 0 0 0,0-1 1 0 0,0 0-1 0 0,0 0 0 0 0,0 1 0 0 0,0-1 1 0 0,0 0-1 0 0,0 0 0 0 0,0 0 1 0 0,2 0-1 0 0,35-4 71 0 0,-25 1-70 0 0,109-23 3113 0 0,-47 9-853 0 0,-73 16-2210 0 0,417-99 10045 0 0,120-44-2527 0 0,-499 135-7289 0 0,268-45 1828 0 0,-103 37-582 0 0,377 17-1 0 0,-391 13-972 0 0,262 52-1 0 0,-434-61-554 0 0,301 66 38 0 0,-5 23-29 0 0,-74-2-13 0 0,-187-67 0 0 0,-1 3 0 0 0,66 42 0 0 0,-98-54 0 0 0,0 1 0 0 0,0 1 0 0 0,-2 0 0 0 0,0 1 0 0 0,-1 2 0 0 0,-1-1 0 0 0,0 2 0 0 0,-2 0 0 0 0,0 1 0 0 0,-2 1 0 0 0,18 39 0 0 0,-20-33 0 0 0,0 1 0 0 0,-2 0 0 0 0,-1 1 0 0 0,-2 0 0 0 0,-1 0 0 0 0,-1 0 0 0 0,-1 59 0 0 0,-4-68 0 0 0,-2 1 0 0 0,0-2 0 0 0,-2 1 0 0 0,0 0 0 0 0,-2-1 0 0 0,-15 37 0 0 0,8-29 0 0 0,-1-1 0 0 0,-1-1 0 0 0,-1 0 0 0 0,-26 29 0 0 0,17-27 0 0 0,-1 0 0 0 0,-2-2 0 0 0,-50 36 0 0 0,-107 56 0 0 0,135-92 0 0 0,-1-3 0 0 0,-1-1 0 0 0,-87 23 0 0 0,-170 25 0 0 0,281-66 0 0 0,-1000 131 0 0 0,653-122 0 0 0,288-16 0 0 0,1-4 0 0 0,-114-22 0 0 0,175 23-422 0 0,0-1 0 0 0,1-2-1 0 0,0 0 1 0 0,-40-21 0 0 0,53 23-154 0 0,1 0-1 0 0,1-1 1 0 0,-1-1-1 0 0,1 0 1 0 0,1 0 0 0 0,-1-1-1 0 0,1 0 1 0 0,1-1-1 0 0,0 0 1 0 0,0 0 0 0 0,-11-21-1 0 0,-4-20-9619 0 0</inkml:trace>
+</inkml:ink>
+</file>
+
+<file path=ppt/ink/ink193.xml><?xml version="1.0" encoding="utf-8"?>
+<inkml:ink xmlns:inkml="http://www.w3.org/2003/InkML">
+  <inkml:definitions>
+    <inkml:context xml:id="ctx0">
+      <inkml:inkSource xml:id="inkSrc0">
+        <inkml:traceFormat>
+          <inkml:channel name="X" type="integer" min="-2.14748E9" max="2.14748E9" units="cm"/>
+          <inkml:channel name="Y" type="integer" min="-2.14748E9" max="2.14748E9" units="cm"/>
+          <inkml:channel name="F" type="integer" max="32767" units="dev"/>
+          <inkml:channel name="OA" type="integer" max="360" units="deg"/>
+          <inkml:channel name="OE" type="integer" max="90" units="deg"/>
+        </inkml:traceFormat>
+        <inkml:channelProperties>
+          <inkml:channelProperty channel="X" name="resolution" value="1000" units="1/cm"/>
+          <inkml:channelProperty channel="Y" name="resolution" value="1000" units="1/cm"/>
+          <inkml:channelProperty channel="F" name="resolution" value="0" units="1/dev"/>
+          <inkml:channelProperty channel="OA" name="resolution" value="1000" units="1/deg"/>
+          <inkml:channelProperty channel="OE" name="resolution" value="1000" units="1/deg"/>
+        </inkml:channelProperties>
+      </inkml:inkSource>
       <inkml:timestamp xml:id="ts0" timeString="2024-05-02T12:16:18.206"/>
     </inkml:context>
     <inkml:brush xml:id="br0">
@@ -3582,7 +3666,7 @@
 </inkml:ink>
 </file>
 
-<file path=ppt/ink/ink191.xml><?xml version="1.0" encoding="utf-8"?>
+<file path=ppt/ink/ink194.xml><?xml version="1.0" encoding="utf-8"?>
 <inkml:ink xmlns:inkml="http://www.w3.org/2003/InkML">
   <inkml:definitions>
     <inkml:context xml:id="ctx0">
@@ -3614,7 +3698,7 @@
 </inkml:ink>
 </file>
 
-<file path=ppt/ink/ink192.xml><?xml version="1.0" encoding="utf-8"?>
+<file path=ppt/ink/ink195.xml><?xml version="1.0" encoding="utf-8"?>
 <inkml:ink xmlns:inkml="http://www.w3.org/2003/InkML">
   <inkml:definitions>
     <inkml:context xml:id="ctx0">
@@ -3646,7 +3730,7 @@
 </inkml:ink>
 </file>
 
-<file path=ppt/ink/ink193.xml><?xml version="1.0" encoding="utf-8"?>
+<file path=ppt/ink/ink196.xml><?xml version="1.0" encoding="utf-8"?>
 <inkml:ink xmlns:inkml="http://www.w3.org/2003/InkML">
   <inkml:definitions>
     <inkml:context xml:id="ctx0">
@@ -3678,7 +3762,7 @@
 </inkml:ink>
 </file>
 
-<file path=ppt/ink/ink194.xml><?xml version="1.0" encoding="utf-8"?>
+<file path=ppt/ink/ink197.xml><?xml version="1.0" encoding="utf-8"?>
 <inkml:ink xmlns:inkml="http://www.w3.org/2003/InkML">
   <inkml:definitions>
     <inkml:context xml:id="ctx0">
@@ -3710,7 +3794,7 @@
 </inkml:ink>
 </file>
 
-<file path=ppt/ink/ink195.xml><?xml version="1.0" encoding="utf-8"?>
+<file path=ppt/ink/ink198.xml><?xml version="1.0" encoding="utf-8"?>
 <inkml:ink xmlns:inkml="http://www.w3.org/2003/InkML">
   <inkml:definitions>
     <inkml:context xml:id="ctx0">
@@ -3742,7 +3826,7 @@
 </inkml:ink>
 </file>
 
-<file path=ppt/ink/ink196.xml><?xml version="1.0" encoding="utf-8"?>
+<file path=ppt/ink/ink199.xml><?xml version="1.0" encoding="utf-8"?>
 <inkml:ink xmlns:inkml="http://www.w3.org/2003/InkML">
   <inkml:definitions>
     <inkml:context xml:id="ctx0">
@@ -3771,102 +3855,6 @@
     </inkml:brush>
   </inkml:definitions>
   <inkml:trace contextRef="#ctx0" brushRef="#br0">1 94 5671 0 0,'0'2'436'0'0,"1"0"-157"0"0,0 0 0 0 0,0 0 0 0 0,0 0-1 0 0,0 0 1 0 0,0 0 0 0 0,1 0-1 0 0,-1 0 1 0 0,0 0 0 0 0,1 0 0 0 0,0-1-1 0 0,-1 1 1 0 0,1-1 0 0 0,0 1-1 0 0,0-1 1 0 0,0 0 0 0 0,3 2 0 0 0,-1-1 119 0 0,1 0 1 0 0,-1-1 0 0 0,1 0-1 0 0,-1 1 1 0 0,1-2 0 0 0,-1 1 0 0 0,1 0-1 0 0,4-1 1 0 0,0 0 27 0 0,0-1 1 0 0,-1 1-1 0 0,1-2 0 0 0,-1 1 1 0 0,1-1-1 0 0,-1 0 1 0 0,0-1-1 0 0,16-7 0 0 0,-3-3 117 0 0,31-25 0 0 0,6-4 35 0 0,-48 35-578 0 0,-8 5 0 0 0,-1 1 0 0 0,1-1 0 0 0,0 1 0 0 0,0 0 0 0 0,0-1 0 0 0,-1 1 0 0 0,1 0 0 0 0,0 0 0 0 0,0 1 0 0 0,1-1 0 0 0,-1 0 0 0 0,0 1 0 0 0,0-1 0 0 0,0 1 0 0 0,0-1 0 0 0,0 1 0 0 0,1 0 0 0 0,3 0 0 0 0,4 5 0 0 0,-8-4 0 0 0,0 0 0 0 0,0 0 0 0 0,0 0 0 0 0,0 0 0 0 0,0-1 0 0 0,0 1 0 0 0,0 0 0 0 0,3-1 0 0 0,2 0-6 0 0,-6-1 8 0 0,0 1 0 0 0,-1 0 0 0 0,1 0 0 0 0,0 0 0 0 0,-1 0 0 0 0,1 0 0 0 0,0 0-1 0 0,0 0 1 0 0,-1 0 0 0 0,1 0 0 0 0,0 0 0 0 0,-1 0 0 0 0,1 1 0 0 0,0-1 0 0 0,-1 0 0 0 0,1 0-1 0 0,0 1 1 0 0,-1-1 0 0 0,1 0 0 0 0,0 1 0 0 0,-1-1 0 0 0,1 1 0 0 0,-1-1 0 0 0,2 2 0 0 0,6 8 116 0 0,-7-8-50 0 0,1 0 1 0 0,-1 1-1 0 0,1-1 1 0 0,0 0-1 0 0,0 0 0 0 0,0 0 1 0 0,0-1-1 0 0,0 1 0 0 0,0 0 1 0 0,4 1-1 0 0,-2-1 235 0 0,-1 1-1 0 0,1-1 0 0 0,-1 1 1 0 0,0-1-1 0 0,0 1 1 0 0,0 0-1 0 0,0 0 1 0 0,-1 0-1 0 0,3 5 0 0 0,-1-4 187 0 0,-1 0 0 0 0,1 0 0 0 0,-1 0 0 0 0,7 5-1 0 0,-8-8-385 0 0,0 0-1 0 0,-1 0 1 0 0,1 0 0 0 0,0 0-1 0 0,0 0 1 0 0,0 0-1 0 0,0-1 1 0 0,-1 1-1 0 0,1-1 1 0 0,0 1 0 0 0,0-1-1 0 0,0 0 1 0 0,0 0-1 0 0,0 0 1 0 0,0 0 0 0 0,3 0-1 0 0,6-3 188 0 0,1 0 1 0 0,-1 0-1 0 0,0-1 1 0 0,0 0-1 0 0,-1-1 0 0 0,15-9 1 0 0,-12 7-91 0 0,0 0 1 0 0,1 1 0 0 0,18-6 0 0 0,-27 11-146 0 0,0 0-1 0 0,0 1 1 0 0,0-1 0 0 0,0 1-1 0 0,0 0 1 0 0,0 0 0 0 0,0 0-1 0 0,0 1 1 0 0,0-1 0 0 0,6 3-1 0 0,-8-2-9 0 0,0 0-1 0 0,0 0 1 0 0,1 1-1 0 0,-1-1 0 0 0,0 1 1 0 0,0 0-1 0 0,0 0 1 0 0,0 0-1 0 0,-1 0 1 0 0,1 0-1 0 0,0 1 0 0 0,-1-1 1 0 0,0 1-1 0 0,0 0 1 0 0,3 3-1 0 0,4 10 203 0 0,8 24 0 0 0,-14-34-232 0 0,2 2 28 0 0,-4-7-92 0 0,-1-1-1 0 0,0 0 1 0 0,1 0-1 0 0,-1 0 1 0 0,1 1-1 0 0,-1-1 1 0 0,0 0 0 0 0,1 0-1 0 0,-1 0 1 0 0,1 0-1 0 0,-1 0 1 0 0,1 0-1 0 0,-1 0 1 0 0,0 0 0 0 0,1 0-1 0 0,-1 0 1 0 0,1 0-1 0 0,-1 0 1 0 0,1 0-1 0 0,-1 0 1 0 0,0 0 0 0 0,1-1-1 0 0,-1 1 1 0 0,0 0-1 0 0,1 0 1 0 0,-1 0-1 0 0,1-1 1 0 0,-1 1 0 0 0,0 0-1 0 0,1 0 1 0 0,-1-1-1 0 0,0 1 1 0 0,0 0-1 0 0,1-1 1 0 0,-1 1 0 0 0,0 0-1 0 0,1-1 1 0 0,0 0 10 0 0,8-9-1036 0 0</inkml:trace>
-</inkml:ink>
-</file>
-
-<file path=ppt/ink/ink197.xml><?xml version="1.0" encoding="utf-8"?>
-<inkml:ink xmlns:inkml="http://www.w3.org/2003/InkML">
-  <inkml:definitions>
-    <inkml:context xml:id="ctx0">
-      <inkml:inkSource xml:id="inkSrc0">
-        <inkml:traceFormat>
-          <inkml:channel name="X" type="integer" min="-2.14748E9" max="2.14748E9" units="cm"/>
-          <inkml:channel name="Y" type="integer" min="-2.14748E9" max="2.14748E9" units="cm"/>
-          <inkml:channel name="F" type="integer" max="32767" units="dev"/>
-          <inkml:channel name="OA" type="integer" max="360" units="deg"/>
-          <inkml:channel name="OE" type="integer" max="90" units="deg"/>
-        </inkml:traceFormat>
-        <inkml:channelProperties>
-          <inkml:channelProperty channel="X" name="resolution" value="1000" units="1/cm"/>
-          <inkml:channelProperty channel="Y" name="resolution" value="1000" units="1/cm"/>
-          <inkml:channelProperty channel="F" name="resolution" value="0" units="1/dev"/>
-          <inkml:channelProperty channel="OA" name="resolution" value="1000" units="1/deg"/>
-          <inkml:channelProperty channel="OE" name="resolution" value="1000" units="1/deg"/>
-        </inkml:channelProperties>
-      </inkml:inkSource>
-      <inkml:timestamp xml:id="ts0" timeString="2024-05-02T12:16:31.062"/>
-    </inkml:context>
-    <inkml:brush xml:id="br0">
-      <inkml:brushProperty name="width" value="0.05" units="cm"/>
-      <inkml:brushProperty name="height" value="0.05" units="cm"/>
-      <inkml:brushProperty name="color" value="#008C3A"/>
-    </inkml:brush>
-  </inkml:definitions>
-  <inkml:trace contextRef="#ctx0" brushRef="#br0">0 116 11311 0 0,'0'0'874'0'0,"3"0"-290"0"0,10-3 678 0 0,16-3 2843 0 0,39-12 1 0 0,-25 2-1515 0 0,101-33 3586 0 0,-122 42-5832 0 0,1 2 1 0 0,-1 1-1 0 0,1 0 0 0 0,30 0 0 0 0,-49 4-340 0 0,-1 0 0 0 0,0 1 0 0 0,1-1-1 0 0,-1 1 1 0 0,1-1 0 0 0,5 3-1 0 0,18 4-19 0 0,-30 0-2041 0 0</inkml:trace>
-</inkml:ink>
-</file>
-
-<file path=ppt/ink/ink198.xml><?xml version="1.0" encoding="utf-8"?>
-<inkml:ink xmlns:inkml="http://www.w3.org/2003/InkML">
-  <inkml:definitions>
-    <inkml:context xml:id="ctx0">
-      <inkml:inkSource xml:id="inkSrc0">
-        <inkml:traceFormat>
-          <inkml:channel name="X" type="integer" min="-2.14748E9" max="2.14748E9" units="cm"/>
-          <inkml:channel name="Y" type="integer" min="-2.14748E9" max="2.14748E9" units="cm"/>
-          <inkml:channel name="F" type="integer" max="32767" units="dev"/>
-          <inkml:channel name="OA" type="integer" max="360" units="deg"/>
-          <inkml:channel name="OE" type="integer" max="90" units="deg"/>
-        </inkml:traceFormat>
-        <inkml:channelProperties>
-          <inkml:channelProperty channel="X" name="resolution" value="1000" units="1/cm"/>
-          <inkml:channelProperty channel="Y" name="resolution" value="1000" units="1/cm"/>
-          <inkml:channelProperty channel="F" name="resolution" value="0" units="1/dev"/>
-          <inkml:channelProperty channel="OA" name="resolution" value="1000" units="1/deg"/>
-          <inkml:channelProperty channel="OE" name="resolution" value="1000" units="1/deg"/>
-        </inkml:channelProperties>
-      </inkml:inkSource>
-      <inkml:timestamp xml:id="ts0" timeString="2024-05-02T12:16:31.439"/>
-    </inkml:context>
-    <inkml:brush xml:id="br0">
-      <inkml:brushProperty name="width" value="0.05" units="cm"/>
-      <inkml:brushProperty name="height" value="0.05" units="cm"/>
-      <inkml:brushProperty name="color" value="#008C3A"/>
-    </inkml:brush>
-  </inkml:definitions>
-  <inkml:trace contextRef="#ctx0" brushRef="#br0">27 0 3655 0 0,'5'78'3493'0'0,"2"53"9994"0"0,-7-76-10103 0 0,0-53-2003 0 0,8 0-1025 0 0,-6-2-368 0 0,0 0 0 0 0,0 0-1 0 0,1 0 1 0 0,-1-1-1 0 0,0 1 1 0 0,0-1 0 0 0,0 1-1 0 0,0-1 1 0 0,0 0-1 0 0,0 0 1 0 0,0 0 0 0 0,3-2-1 0 0,24-19-1111 0 0,-13 8 496 0 0,24-17-1557 0 0,-29 21 989 0 0,2 0 1 0 0,-1 1-1 0 0,1 0 0 0 0,27-13 0 0 0,-38 21 655 0 0,-1 1 523 0 0,-1 0 1 0 0,0 0-1 0 0,1 0 1 0 0,-1 0-1 0 0,1 0 0 0 0,-1 0 1 0 0,0 1-1 0 0,1-1 1 0 0,-1 0-1 0 0,1 0 0 0 0,-1 0 1 0 0,0 0-1 0 0,1 0 1 0 0,-1 1-1 0 0,0-1 1 0 0,1 0-1 0 0,-1 0 0 0 0,0 1 1 0 0,0-1-1 0 0,1 0 1 0 0,-1 0-1 0 0,0 1 0 0 0,0-1 1 0 0,1 0-1 0 0,-1 1 1 0 0,0-1-1 0 0,0 1 0 0 0,0-1 1 0 0,1 0-1 0 0,-1 1 1 0 0,0-1-1 0 0,0 1 1 0 0,-1 17 166 0 0,-1-13 149 0 0,0 1 0 0 0,0 0 0 0 0,0-1 1 0 0,-4 7-1 0 0,-7 6 928 0 0,1-1-1 0 0,-2-1 1 0 0,-17 17-1 0 0,-50 40 2225 0 0,44-46-2269 0 0,25-19-596 0 0,1 0 0 0 0,0 1 0 0 0,-13 14 0 0 0,24-23-560 0 0,-1 0 1 0 0,1 0-1 0 0,0 0 0 0 0,0 0 1 0 0,0 0-1 0 0,0 0 1 0 0,0 0-1 0 0,0 0 0 0 0,0 0 1 0 0,0 0-1 0 0,0 0 0 0 0,0 1 1 0 0,0-1-1 0 0,0 0 0 0 0,-1 0 1 0 0,1 0-1 0 0,0 0 0 0 0,0 0 1 0 0,0 0-1 0 0,0 0 0 0 0,0 0 1 0 0,0 0-1 0 0,0 0 1 0 0,0 0-1 0 0,0 1 0 0 0,0-1 1 0 0,0 0-1 0 0,0 0 0 0 0,0 0 1 0 0,0 0-1 0 0,0 0 0 0 0,0 0 1 0 0,0 0-1 0 0,0 0 0 0 0,0 0 1 0 0,0 1-1 0 0,0-1 0 0 0,0 0 1 0 0,0 0-1 0 0,0 0 1 0 0,0 0-1 0 0,0 0 0 0 0,1 0 1 0 0,-1 0-1 0 0,0 0 0 0 0,0 0 1 0 0,0 0-1 0 0,0 0 0 0 0,0 1 1 0 0,0-1-1 0 0,0 0 0 0 0,0 0 1 0 0,0 0-1 0 0,0 0 0 0 0,0 0 1 0 0,0 0-1 0 0,1 0 1 0 0,-1 0-1 0 0,0 0 0 0 0,0 0 1 0 0,0 0-1 0 0,0 0 0 0 0,0 0 1 0 0,0 0-1 0 0,0 0 0 0 0,1 0 1 0 0,11-1 657 0 0,23-8-501 0 0,-26 6 86 0 0,81-26 268 0 0,-73 24-380 0 0,0-1 0 0 0,33-17 0 0 0,-31 13-41 0 0,25-8 1 0 0,-42 17-206 0 0,2-3 49 0 0</inkml:trace>
-</inkml:ink>
-</file>
-
-<file path=ppt/ink/ink199.xml><?xml version="1.0" encoding="utf-8"?>
-<inkml:ink xmlns:inkml="http://www.w3.org/2003/InkML">
-  <inkml:definitions>
-    <inkml:context xml:id="ctx0">
-      <inkml:inkSource xml:id="inkSrc0">
-        <inkml:traceFormat>
-          <inkml:channel name="X" type="integer" min="-2.14748E9" max="2.14748E9" units="cm"/>
-          <inkml:channel name="Y" type="integer" min="-2.14748E9" max="2.14748E9" units="cm"/>
-          <inkml:channel name="F" type="integer" max="32767" units="dev"/>
-          <inkml:channel name="OA" type="integer" max="360" units="deg"/>
-          <inkml:channel name="OE" type="integer" max="90" units="deg"/>
-        </inkml:traceFormat>
-        <inkml:channelProperties>
-          <inkml:channelProperty channel="X" name="resolution" value="1000" units="1/cm"/>
-          <inkml:channelProperty channel="Y" name="resolution" value="1000" units="1/cm"/>
-          <inkml:channelProperty channel="F" name="resolution" value="0" units="1/dev"/>
-          <inkml:channelProperty channel="OA" name="resolution" value="1000" units="1/deg"/>
-          <inkml:channelProperty channel="OE" name="resolution" value="1000" units="1/deg"/>
-        </inkml:channelProperties>
-      </inkml:inkSource>
-      <inkml:timestamp xml:id="ts0" timeString="2024-05-02T12:16:31.799"/>
-    </inkml:context>
-    <inkml:brush xml:id="br0">
-      <inkml:brushProperty name="width" value="0.05" units="cm"/>
-      <inkml:brushProperty name="height" value="0.05" units="cm"/>
-      <inkml:brushProperty name="color" value="#008C3A"/>
-    </inkml:brush>
-  </inkml:definitions>
-  <inkml:trace contextRef="#ctx0" brushRef="#br0">196 0 2015 0 0,'19'61'1429'0'0,"-15"-43"644"0"0,0 0 0 0 0,-1 0 0 0 0,-2 1 0 0 0,0-1 0 0 0,0 1-1 0 0,-2-1 1 0 0,-3 25 0 0 0,0-26-919 0 0,0 0 1 0 0,-8 22-1 0 0,2-12 230 0 0,-1-1 1 0 0,-16 30 0 0 0,22-48-1174 0 0,0 1 0 0 0,-1-1 0 0 0,0 0 0 0 0,-1 0 0 0 0,1-1 0 0 0,-1 0 0 0 0,-1 0 0 0 0,1 0 0 0 0,-17 9 0 0 0,23-15-215 0 0,-1 0 0 0 0,0 0 0 0 0,0 0 0 0 0,0 0 0 0 0,0 0 0 0 0,1 0 0 0 0,-1-1 0 0 0,0 1 0 0 0,0-1 0 0 0,-1 0 0 0 0,1 1 0 0 0,0-1 0 0 0,0 0 0 0 0,0 0 0 0 0,0 0 0 0 0,0-1 0 0 0,0 1 0 0 0,0 0 0 0 0,0-1 0 0 0,0 1 0 0 0,0-1 0 0 0,0 0 0 0 0,0 0 0 0 0,-2-1 0 0 0,2 0-162 0 0,0 1-1 0 0,0-1 1 0 0,0 0-1 0 0,1 0 0 0 0,-1 0 1 0 0,0 0-1 0 0,1 0 1 0 0,0-1-1 0 0,-1 1 1 0 0,1 0-1 0 0,0-1 1 0 0,0 1-1 0 0,0 0 0 0 0,1-1 1 0 0,-1 1-1 0 0,1-1 1 0 0,-1 0-1 0 0,1 1 1 0 0,0-4-1 0 0,-1-10-1331 0 0,2 0 1 0 0,-1 0-1 0 0,5-21 0 0 0,-2 21-2438 0 0,9-24-1 0 0,-2 13-1491 0 0</inkml:trace>
 </inkml:ink>
 </file>
 
@@ -3954,6 +3942,102 @@
           <inkml:channelProperty channel="OE" name="resolution" value="1000" units="1/deg"/>
         </inkml:channelProperties>
       </inkml:inkSource>
+      <inkml:timestamp xml:id="ts0" timeString="2024-05-02T12:16:31.062"/>
+    </inkml:context>
+    <inkml:brush xml:id="br0">
+      <inkml:brushProperty name="width" value="0.05" units="cm"/>
+      <inkml:brushProperty name="height" value="0.05" units="cm"/>
+      <inkml:brushProperty name="color" value="#008C3A"/>
+    </inkml:brush>
+  </inkml:definitions>
+  <inkml:trace contextRef="#ctx0" brushRef="#br0">0 116 11311 0 0,'0'0'874'0'0,"3"0"-290"0"0,10-3 678 0 0,16-3 2843 0 0,39-12 1 0 0,-25 2-1515 0 0,101-33 3586 0 0,-122 42-5832 0 0,1 2 1 0 0,-1 1-1 0 0,1 0 0 0 0,30 0 0 0 0,-49 4-340 0 0,-1 0 0 0 0,0 1 0 0 0,1-1-1 0 0,-1 1 1 0 0,1-1 0 0 0,5 3-1 0 0,18 4-19 0 0,-30 0-2041 0 0</inkml:trace>
+</inkml:ink>
+</file>
+
+<file path=ppt/ink/ink201.xml><?xml version="1.0" encoding="utf-8"?>
+<inkml:ink xmlns:inkml="http://www.w3.org/2003/InkML">
+  <inkml:definitions>
+    <inkml:context xml:id="ctx0">
+      <inkml:inkSource xml:id="inkSrc0">
+        <inkml:traceFormat>
+          <inkml:channel name="X" type="integer" min="-2.14748E9" max="2.14748E9" units="cm"/>
+          <inkml:channel name="Y" type="integer" min="-2.14748E9" max="2.14748E9" units="cm"/>
+          <inkml:channel name="F" type="integer" max="32767" units="dev"/>
+          <inkml:channel name="OA" type="integer" max="360" units="deg"/>
+          <inkml:channel name="OE" type="integer" max="90" units="deg"/>
+        </inkml:traceFormat>
+        <inkml:channelProperties>
+          <inkml:channelProperty channel="X" name="resolution" value="1000" units="1/cm"/>
+          <inkml:channelProperty channel="Y" name="resolution" value="1000" units="1/cm"/>
+          <inkml:channelProperty channel="F" name="resolution" value="0" units="1/dev"/>
+          <inkml:channelProperty channel="OA" name="resolution" value="1000" units="1/deg"/>
+          <inkml:channelProperty channel="OE" name="resolution" value="1000" units="1/deg"/>
+        </inkml:channelProperties>
+      </inkml:inkSource>
+      <inkml:timestamp xml:id="ts0" timeString="2024-05-02T12:16:31.439"/>
+    </inkml:context>
+    <inkml:brush xml:id="br0">
+      <inkml:brushProperty name="width" value="0.05" units="cm"/>
+      <inkml:brushProperty name="height" value="0.05" units="cm"/>
+      <inkml:brushProperty name="color" value="#008C3A"/>
+    </inkml:brush>
+  </inkml:definitions>
+  <inkml:trace contextRef="#ctx0" brushRef="#br0">27 0 3655 0 0,'5'78'3493'0'0,"2"53"9994"0"0,-7-76-10103 0 0,0-53-2003 0 0,8 0-1025 0 0,-6-2-368 0 0,0 0 0 0 0,0 0-1 0 0,1 0 1 0 0,-1-1-1 0 0,0 1 1 0 0,0-1 0 0 0,0 1-1 0 0,0-1 1 0 0,0 0-1 0 0,0 0 1 0 0,0 0 0 0 0,3-2-1 0 0,24-19-1111 0 0,-13 8 496 0 0,24-17-1557 0 0,-29 21 989 0 0,2 0 1 0 0,-1 1-1 0 0,1 0 0 0 0,27-13 0 0 0,-38 21 655 0 0,-1 1 523 0 0,-1 0 1 0 0,0 0-1 0 0,1 0 1 0 0,-1 0-1 0 0,1 0 0 0 0,-1 0 1 0 0,0 1-1 0 0,1-1 1 0 0,-1 0-1 0 0,1 0 0 0 0,-1 0 1 0 0,0 0-1 0 0,1 0 1 0 0,-1 1-1 0 0,0-1 1 0 0,1 0-1 0 0,-1 0 0 0 0,0 1 1 0 0,0-1-1 0 0,1 0 1 0 0,-1 0-1 0 0,0 1 0 0 0,0-1 1 0 0,1 0-1 0 0,-1 1 1 0 0,0-1-1 0 0,0 1 0 0 0,0-1 1 0 0,1 0-1 0 0,-1 1 1 0 0,0-1-1 0 0,0 1 1 0 0,-1 17 166 0 0,-1-13 149 0 0,0 1 0 0 0,0 0 0 0 0,0-1 1 0 0,-4 7-1 0 0,-7 6 928 0 0,1-1-1 0 0,-2-1 1 0 0,-17 17-1 0 0,-50 40 2225 0 0,44-46-2269 0 0,25-19-596 0 0,1 0 0 0 0,0 1 0 0 0,-13 14 0 0 0,24-23-560 0 0,-1 0 1 0 0,1 0-1 0 0,0 0 0 0 0,0 0 1 0 0,0 0-1 0 0,0 0 1 0 0,0 0-1 0 0,0 0 0 0 0,0 0 1 0 0,0 0-1 0 0,0 0 0 0 0,0 1 1 0 0,0-1-1 0 0,0 0 0 0 0,-1 0 1 0 0,1 0-1 0 0,0 0 0 0 0,0 0 1 0 0,0 0-1 0 0,0 0 0 0 0,0 0 1 0 0,0 0-1 0 0,0 0 1 0 0,0 0-1 0 0,0 1 0 0 0,0-1 1 0 0,0 0-1 0 0,0 0 0 0 0,0 0 1 0 0,0 0-1 0 0,0 0 0 0 0,0 0 1 0 0,0 0-1 0 0,0 0 0 0 0,0 0 1 0 0,0 1-1 0 0,0-1 0 0 0,0 0 1 0 0,0 0-1 0 0,0 0 1 0 0,0 0-1 0 0,0 0 0 0 0,1 0 1 0 0,-1 0-1 0 0,0 0 0 0 0,0 0 1 0 0,0 0-1 0 0,0 0 0 0 0,0 1 1 0 0,0-1-1 0 0,0 0 0 0 0,0 0 1 0 0,0 0-1 0 0,0 0 0 0 0,0 0 1 0 0,0 0-1 0 0,1 0 1 0 0,-1 0-1 0 0,0 0 0 0 0,0 0 1 0 0,0 0-1 0 0,0 0 0 0 0,0 0 1 0 0,0 0-1 0 0,0 0 0 0 0,1 0 1 0 0,11-1 657 0 0,23-8-501 0 0,-26 6 86 0 0,81-26 268 0 0,-73 24-380 0 0,0-1 0 0 0,33-17 0 0 0,-31 13-41 0 0,25-8 1 0 0,-42 17-206 0 0,2-3 49 0 0</inkml:trace>
+</inkml:ink>
+</file>
+
+<file path=ppt/ink/ink202.xml><?xml version="1.0" encoding="utf-8"?>
+<inkml:ink xmlns:inkml="http://www.w3.org/2003/InkML">
+  <inkml:definitions>
+    <inkml:context xml:id="ctx0">
+      <inkml:inkSource xml:id="inkSrc0">
+        <inkml:traceFormat>
+          <inkml:channel name="X" type="integer" min="-2.14748E9" max="2.14748E9" units="cm"/>
+          <inkml:channel name="Y" type="integer" min="-2.14748E9" max="2.14748E9" units="cm"/>
+          <inkml:channel name="F" type="integer" max="32767" units="dev"/>
+          <inkml:channel name="OA" type="integer" max="360" units="deg"/>
+          <inkml:channel name="OE" type="integer" max="90" units="deg"/>
+        </inkml:traceFormat>
+        <inkml:channelProperties>
+          <inkml:channelProperty channel="X" name="resolution" value="1000" units="1/cm"/>
+          <inkml:channelProperty channel="Y" name="resolution" value="1000" units="1/cm"/>
+          <inkml:channelProperty channel="F" name="resolution" value="0" units="1/dev"/>
+          <inkml:channelProperty channel="OA" name="resolution" value="1000" units="1/deg"/>
+          <inkml:channelProperty channel="OE" name="resolution" value="1000" units="1/deg"/>
+        </inkml:channelProperties>
+      </inkml:inkSource>
+      <inkml:timestamp xml:id="ts0" timeString="2024-05-02T12:16:31.799"/>
+    </inkml:context>
+    <inkml:brush xml:id="br0">
+      <inkml:brushProperty name="width" value="0.05" units="cm"/>
+      <inkml:brushProperty name="height" value="0.05" units="cm"/>
+      <inkml:brushProperty name="color" value="#008C3A"/>
+    </inkml:brush>
+  </inkml:definitions>
+  <inkml:trace contextRef="#ctx0" brushRef="#br0">196 0 2015 0 0,'19'61'1429'0'0,"-15"-43"644"0"0,0 0 0 0 0,-1 0 0 0 0,-2 1 0 0 0,0-1 0 0 0,0 1-1 0 0,-2-1 1 0 0,-3 25 0 0 0,0-26-919 0 0,0 0 1 0 0,-8 22-1 0 0,2-12 230 0 0,-1-1 1 0 0,-16 30 0 0 0,22-48-1174 0 0,0 1 0 0 0,-1-1 0 0 0,0 0 0 0 0,-1 0 0 0 0,1-1 0 0 0,-1 0 0 0 0,-1 0 0 0 0,1 0 0 0 0,-17 9 0 0 0,23-15-215 0 0,-1 0 0 0 0,0 0 0 0 0,0 0 0 0 0,0 0 0 0 0,0 0 0 0 0,1 0 0 0 0,-1-1 0 0 0,0 1 0 0 0,0-1 0 0 0,-1 0 0 0 0,1 1 0 0 0,0-1 0 0 0,0 0 0 0 0,0 0 0 0 0,0 0 0 0 0,0-1 0 0 0,0 1 0 0 0,0 0 0 0 0,0-1 0 0 0,0 1 0 0 0,0-1 0 0 0,0 0 0 0 0,0 0 0 0 0,-2-1 0 0 0,2 0-162 0 0,0 1-1 0 0,0-1 1 0 0,0 0-1 0 0,1 0 0 0 0,-1 0 1 0 0,0 0-1 0 0,1 0 1 0 0,0-1-1 0 0,-1 1 1 0 0,1 0-1 0 0,0-1 1 0 0,0 1-1 0 0,0 0 0 0 0,1-1 1 0 0,-1 1-1 0 0,1-1 1 0 0,-1 0-1 0 0,1 1 1 0 0,0-4-1 0 0,-1-10-1331 0 0,2 0 1 0 0,-1 0-1 0 0,5-21 0 0 0,-2 21-2438 0 0,9-24-1 0 0,-2 13-1491 0 0</inkml:trace>
+</inkml:ink>
+</file>
+
+<file path=ppt/ink/ink203.xml><?xml version="1.0" encoding="utf-8"?>
+<inkml:ink xmlns:inkml="http://www.w3.org/2003/InkML">
+  <inkml:definitions>
+    <inkml:context xml:id="ctx0">
+      <inkml:inkSource xml:id="inkSrc0">
+        <inkml:traceFormat>
+          <inkml:channel name="X" type="integer" min="-2.14748E9" max="2.14748E9" units="cm"/>
+          <inkml:channel name="Y" type="integer" min="-2.14748E9" max="2.14748E9" units="cm"/>
+          <inkml:channel name="F" type="integer" max="32767" units="dev"/>
+          <inkml:channel name="OA" type="integer" max="360" units="deg"/>
+          <inkml:channel name="OE" type="integer" max="90" units="deg"/>
+        </inkml:traceFormat>
+        <inkml:channelProperties>
+          <inkml:channelProperty channel="X" name="resolution" value="1000" units="1/cm"/>
+          <inkml:channelProperty channel="Y" name="resolution" value="1000" units="1/cm"/>
+          <inkml:channelProperty channel="F" name="resolution" value="0" units="1/dev"/>
+          <inkml:channelProperty channel="OA" name="resolution" value="1000" units="1/deg"/>
+          <inkml:channelProperty channel="OE" name="resolution" value="1000" units="1/deg"/>
+        </inkml:channelProperties>
+      </inkml:inkSource>
       <inkml:timestamp xml:id="ts0" timeString="2024-05-02T12:16:32.171"/>
     </inkml:context>
     <inkml:brush xml:id="br0">
@@ -3966,7 +4050,7 @@
 </inkml:ink>
 </file>
 
-<file path=ppt/ink/ink201.xml><?xml version="1.0" encoding="utf-8"?>
+<file path=ppt/ink/ink204.xml><?xml version="1.0" encoding="utf-8"?>
 <inkml:ink xmlns:inkml="http://www.w3.org/2003/InkML">
   <inkml:definitions>
     <inkml:context xml:id="ctx0">
@@ -3998,7 +4082,7 @@
 </inkml:ink>
 </file>
 
-<file path=ppt/ink/ink202.xml><?xml version="1.0" encoding="utf-8"?>
+<file path=ppt/ink/ink205.xml><?xml version="1.0" encoding="utf-8"?>
 <inkml:ink xmlns:inkml="http://www.w3.org/2003/InkML">
   <inkml:definitions>
     <inkml:context xml:id="ctx0">
@@ -4030,7 +4114,7 @@
 </inkml:ink>
 </file>
 
-<file path=ppt/ink/ink203.xml><?xml version="1.0" encoding="utf-8"?>
+<file path=ppt/ink/ink206.xml><?xml version="1.0" encoding="utf-8"?>
 <inkml:ink xmlns:inkml="http://www.w3.org/2003/InkML">
   <inkml:definitions>
     <inkml:context xml:id="ctx0">
@@ -4062,7 +4146,7 @@
 </inkml:ink>
 </file>
 
-<file path=ppt/ink/ink204.xml><?xml version="1.0" encoding="utf-8"?>
+<file path=ppt/ink/ink207.xml><?xml version="1.0" encoding="utf-8"?>
 <inkml:ink xmlns:inkml="http://www.w3.org/2003/InkML">
   <inkml:definitions>
     <inkml:context xml:id="ctx0">
@@ -4094,7 +4178,7 @@
 </inkml:ink>
 </file>
 
-<file path=ppt/ink/ink205.xml><?xml version="1.0" encoding="utf-8"?>
+<file path=ppt/ink/ink208.xml><?xml version="1.0" encoding="utf-8"?>
 <inkml:ink xmlns:inkml="http://www.w3.org/2003/InkML">
   <inkml:definitions>
     <inkml:context xml:id="ctx0">
@@ -4126,7 +4210,7 @@
 </inkml:ink>
 </file>
 
-<file path=ppt/ink/ink206.xml><?xml version="1.0" encoding="utf-8"?>
+<file path=ppt/ink/ink209.xml><?xml version="1.0" encoding="utf-8"?>
 <inkml:ink xmlns:inkml="http://www.w3.org/2003/InkML">
   <inkml:definitions>
     <inkml:context xml:id="ctx0">
@@ -4155,102 +4239,6 @@
     </inkml:brush>
   </inkml:definitions>
   <inkml:trace contextRef="#ctx0" brushRef="#br0">23 204 5351 0 0,'-22'21'8324'0'0,"44"-26"-3308"0"0,33-13 0 0 0,60-32-1092 0 0,-48 19-2271 0 0,38-11 221 0 0,51-23-310 0 0,-127 52-1984 0 0,-27 12-342 0 0,-14 22-9882 0 0,5-12 10156 0 0,1 1-1 0 0,-2-2 1 0 0,1 1 0 0 0,-1-1 0 0 0,-10 8-1 0 0,1 1 640 0 0,-184 212 2943 0 0,130-144-1449 0 0,44-52-362 0 0,2 1-1 0 0,-22 38 0 0 0,92-85-281 0 0,-1-4-1094 0 0,156-52-107 0 0,-167 60 212 0 0,-1 1 1 0 0,1 2 0 0 0,0 2 0 0 0,44-1 0 0 0,-65 5 57 0 0,0 0-1 0 0,0 2 1 0 0,0-1 0 0 0,0 2-1 0 0,0-1 1 0 0,0 2 0 0 0,17 6-1 0 0,-22-7 251 0 0,0 1 0 0 0,-1-1 0 0 0,0 1-1 0 0,0 0 1 0 0,0 1 0 0 0,-1-1-1 0 0,1 1 1 0 0,-1 0 0 0 0,0 0 0 0 0,0 1-1 0 0,-1 0 1 0 0,0-1 0 0 0,7 13-1 0 0,-10-16-181 0 0,-1-1-134 0 0,1-1 0 0 0,-1 0 0 0 0,0 0 0 0 0,0 1 0 0 0,0-1 0 0 0,0 0 0 0 0,0 0 0 0 0,0 1 0 0 0,0-1 1 0 0,0 0-1 0 0,0 0 0 0 0,-1 1 0 0 0,1-1 0 0 0,0 0 0 0 0,0 0 0 0 0,0 1 0 0 0,0-1 0 0 0,0 0 0 0 0,0 0 1 0 0,0 0-1 0 0,-1 1 0 0 0,1-1 0 0 0,0 0 0 0 0,0 0 0 0 0,0 0 0 0 0,0 1 0 0 0,-1-1 0 0 0,0 1 3 0 0,-2 1-6 0 0,-12 0-2 0 0,11-1 1 0 0,0 0 0 0 0,-13-5 0 0 0,14 3-166 0 0,0 0 0 0 0,0 0 1 0 0,0 0-1 0 0,1 0 0 0 0,-1 0 0 0 0,1-1 1 0 0,-1 0-1 0 0,1 1 0 0 0,0-1 0 0 0,-1 0 0 0 0,1 0 1 0 0,0 0-1 0 0,0 0 0 0 0,0 0 0 0 0,0-1 1 0 0,1 1-1 0 0,-3-6 0 0 0,-3-6-1498 0 0</inkml:trace>
-</inkml:ink>
-</file>
-
-<file path=ppt/ink/ink207.xml><?xml version="1.0" encoding="utf-8"?>
-<inkml:ink xmlns:inkml="http://www.w3.org/2003/InkML">
-  <inkml:definitions>
-    <inkml:context xml:id="ctx0">
-      <inkml:inkSource xml:id="inkSrc0">
-        <inkml:traceFormat>
-          <inkml:channel name="X" type="integer" min="-2.14748E9" max="2.14748E9" units="cm"/>
-          <inkml:channel name="Y" type="integer" min="-2.14748E9" max="2.14748E9" units="cm"/>
-          <inkml:channel name="F" type="integer" max="32767" units="dev"/>
-          <inkml:channel name="OA" type="integer" max="360" units="deg"/>
-          <inkml:channel name="OE" type="integer" max="90" units="deg"/>
-        </inkml:traceFormat>
-        <inkml:channelProperties>
-          <inkml:channelProperty channel="X" name="resolution" value="1000" units="1/cm"/>
-          <inkml:channelProperty channel="Y" name="resolution" value="1000" units="1/cm"/>
-          <inkml:channelProperty channel="F" name="resolution" value="0" units="1/dev"/>
-          <inkml:channelProperty channel="OA" name="resolution" value="1000" units="1/deg"/>
-          <inkml:channelProperty channel="OE" name="resolution" value="1000" units="1/deg"/>
-        </inkml:channelProperties>
-      </inkml:inkSource>
-      <inkml:timestamp xml:id="ts0" timeString="2024-05-02T12:16:35.348"/>
-    </inkml:context>
-    <inkml:brush xml:id="br0">
-      <inkml:brushProperty name="width" value="0.05" units="cm"/>
-      <inkml:brushProperty name="height" value="0.05" units="cm"/>
-      <inkml:brushProperty name="color" value="#008C3A"/>
-    </inkml:brush>
-  </inkml:definitions>
-  <inkml:trace contextRef="#ctx0" brushRef="#br0">192 1 3567 0 0,'-10'15'3129'0'0,"-12"27"-1"0"0,16-30-450 0 0,0-1 0 0 0,-12 19 0 0 0,6-13-219 0 0,-10 22 0 0 0,-3 4-51 0 0,10-20-1116 0 0,1-1 0 0 0,1 2-1 0 0,-14 38 1 0 0,27-62-1240 0 0,-1 0 0 0 0,1 0 0 0 0,0 1 0 0 0,0-1 0 0 0,0 0 0 0 0,0 1 0 0 0,0-1 0 0 0,0 0 0 0 0,0 1 0 0 0,0-1 0 0 0,0 0 0 0 0,0 0 1 0 0,0 1-1 0 0,0-1 0 0 0,0 0 0 0 0,0 1 0 0 0,0-1 0 0 0,0 0 0 0 0,0 1 0 0 0,0-1 0 0 0,0 0 0 0 0,0 1 0 0 0,1-1 0 0 0,-1 0 0 0 0,0 0 0 0 0,0 1 0 0 0,0-1 0 0 0,1 0 0 0 0,-1 1 0 0 0,11 0 618 0 0,19-9-572 0 0,-21 5-15 0 0,2 0-82 0 0,-1 0-1 0 0,1 1 1 0 0,0 0 0 0 0,0 1 0 0 0,0 0-1 0 0,15 2 1 0 0,-19-1-1 0 0,-1 1 0 0 0,1 0 0 0 0,-1 1 0 0 0,0 0 0 0 0,1 0 0 0 0,-1 0-1 0 0,0 1 1 0 0,-1-1 0 0 0,1 1 0 0 0,0 1 0 0 0,-1-1 0 0 0,7 7 0 0 0,4 3-63 0 0,-4-3-179 0 0,-1 0 0 0 0,19 11 0 0 0,-25-19 193 0 0,-1 1 0 0 0,1-1 0 0 0,-1 0 0 0 0,1-1 0 0 0,0 1 0 0 0,0-1 0 0 0,0 0 1 0 0,0 0-1 0 0,0 0 0 0 0,0-1 0 0 0,6 0 0 0 0,-2-1-42 0 0,0 0-1 0 0,0 0 1 0 0,-1-1 0 0 0,1 0-1 0 0,-1-1 1 0 0,14-6 0 0 0,48-28-743 0 0,-36 17 250 0 0,-21 14 319 0 0,31-16-417 0 0,-41 20 746 0 0,1 1 1 0 0,0 0-1 0 0,-1 0 0 0 0,1 0 0 0 0,0 0 1 0 0,0 1-1 0 0,-1 0 0 0 0,1-1 0 0 0,0 1 1 0 0,5 1-1 0 0,-6 0 165 0 0,0 1 0 0 0,1-1-1 0 0,-1 0 1 0 0,0 1 0 0 0,0 0 0 0 0,-1 0 0 0 0,1 0 0 0 0,0 0 0 0 0,-1 0 0 0 0,1 1 0 0 0,-1-1 0 0 0,4 5 0 0 0,-5-5-183 0 0,-1 0 0 0 0,1-1 0 0 0,0 1 0 0 0,-1 0 0 0 0,0 0 0 0 0,1 0 0 0 0,-1 0 0 0 0,0 0 0 0 0,0 0 0 0 0,0 0 1 0 0,0 0-1 0 0,-1 0 0 0 0,0 3 0 0 0,1-3-18 0 0,-3 17-27 0 0,-1 0 1 0 0,0 0-1 0 0,-2 0 0 0 0,0-1 1 0 0,-1 0-1 0 0,-1 0 0 0 0,-1-1 1 0 0,0 0-1 0 0,-1 0 0 0 0,-1-1 1 0 0,0 0-1 0 0,-1-1 0 0 0,-1-1 1 0 0,0 0-1 0 0,-1 0 0 0 0,-1-2 1 0 0,-27 19-1 0 0,-13 4-2151 0 0,39-26-1323 0 0,-27 10 0 0 0,4-7-6695 0 0</inkml:trace>
-</inkml:ink>
-</file>
-
-<file path=ppt/ink/ink208.xml><?xml version="1.0" encoding="utf-8"?>
-<inkml:ink xmlns:inkml="http://www.w3.org/2003/InkML">
-  <inkml:definitions>
-    <inkml:context xml:id="ctx0">
-      <inkml:inkSource xml:id="inkSrc0">
-        <inkml:traceFormat>
-          <inkml:channel name="X" type="integer" min="-2.14748E9" max="2.14748E9" units="cm"/>
-          <inkml:channel name="Y" type="integer" min="-2.14748E9" max="2.14748E9" units="cm"/>
-          <inkml:channel name="F" type="integer" max="32767" units="dev"/>
-          <inkml:channel name="OA" type="integer" max="360" units="deg"/>
-          <inkml:channel name="OE" type="integer" max="90" units="deg"/>
-        </inkml:traceFormat>
-        <inkml:channelProperties>
-          <inkml:channelProperty channel="X" name="resolution" value="1000" units="1/cm"/>
-          <inkml:channelProperty channel="Y" name="resolution" value="1000" units="1/cm"/>
-          <inkml:channelProperty channel="F" name="resolution" value="0" units="1/dev"/>
-          <inkml:channelProperty channel="OA" name="resolution" value="1000" units="1/deg"/>
-          <inkml:channelProperty channel="OE" name="resolution" value="1000" units="1/deg"/>
-        </inkml:channelProperties>
-      </inkml:inkSource>
-      <inkml:timestamp xml:id="ts0" timeString="2024-05-02T12:16:40.452"/>
-    </inkml:context>
-    <inkml:brush xml:id="br0">
-      <inkml:brushProperty name="width" value="0.05" units="cm"/>
-      <inkml:brushProperty name="height" value="0.05" units="cm"/>
-      <inkml:brushProperty name="color" value="#008C3A"/>
-    </inkml:brush>
-  </inkml:definitions>
-  <inkml:trace contextRef="#ctx0" brushRef="#br0">149 0 5783 0 0,'0'0'1919'0'0,"0"3"-455"0"0,2 6-565 0 0,-2 0-1 0 0,1 0 1 0 0,-1-1-1 0 0,-1 1 1 0 0,-2 17 0 0 0,-14 48 1651 0 0,17-73-2528 0 0,-62 268 3511 0 0,25-121-1385 0 0,6-30-69 0 0,31-116-206 0 0,13-3-1189 0 0,-9 0-637 0 0,-1-1 0 0 0,1 1-1 0 0,-1-1 1 0 0,1 0 0 0 0,-1 0 0 0 0,0-1 0 0 0,0 1 0 0 0,0 0-1 0 0,0-1 1 0 0,0 0 0 0 0,-1 0 0 0 0,4-4 0 0 0,5-7 24 0 0,11-22 0 0 0,-17 27-21 0 0,28-48 30 0 0,26-42 16 0 0,0-9 103 0 0,-8 11-111 0 0,-44 85-88 0 0,1-1 0 0 0,0 0 0 0 0,1 0 0 0 0,1 0 0 0 0,11-11 0 0 0,-12 17 11 0 0,-9 7-11 0 0,0 0 1 0 0,0 0 0 0 0,1 0-1 0 0,-1 0 1 0 0,0 0 0 0 0,0 0 0 0 0,0 0-1 0 0,0-1 1 0 0,0 1 0 0 0,0 0-1 0 0,0 0 1 0 0,0 0 0 0 0,0 0-1 0 0,0 0 1 0 0,0 0 0 0 0,0 0-1 0 0,1 0 1 0 0,-1 0 0 0 0,0 0-1 0 0,0 0 1 0 0,0 0 0 0 0,0 0 0 0 0,0 0-1 0 0,0 0 1 0 0,0 0 0 0 0,0 0-1 0 0,0 0 1 0 0,0 0 0 0 0,0 0-1 0 0,1 0 1 0 0,-1 0 0 0 0,0 1-1 0 0,0-1 1 0 0,0 0 0 0 0,0 0-1 0 0,0 0 1 0 0,0 0 0 0 0,0 0 0 0 0,0 0-1 0 0,0 0 1 0 0,0 0 0 0 0,0 0-1 0 0,0 0 1 0 0,0 0 0 0 0,0 0-1 0 0,0 0 1 0 0,0 0 0 0 0,0 1-1 0 0,0-1 1 0 0,1 0 0 0 0,-1 0-1 0 0,0 0 1 0 0,0 0 0 0 0,0 0 0 0 0,0 0-1 0 0,0 0 1 0 0,0 0 0 0 0,0 0-1 0 0,0 0 1 0 0,0 0 0 0 0,-1 1-1 0 0,5 6 28 0 0,-2 0 0 0 0,1 0 0 0 0,-1 1 0 0 0,0-1 0 0 0,-1 1 0 0 0,0-1-1 0 0,0 1 1 0 0,0 8 0 0 0,-6 66 764 0 0,1-41-429 0 0,-15 137 998 0 0,11-113-589 0 0,6-43-540 0 0,2 41 0 0 0,2-43-232 0 0,0-16 0 0 0,0-1 0 0 0,4 6 0 0 0,-4-9-7 0 0,-1 1-1 0 0,0-1 1 0 0,0 0 0 0 0,0 0 0 0 0,1 0-1 0 0,-1 0 1 0 0,0 0 0 0 0,0 0-1 0 0,0 0 1 0 0,1 0 0 0 0,-1-1 0 0 0,0 1-1 0 0,0 0 1 0 0,0-1 0 0 0,0 1-1 0 0,0-1 1 0 0,0 1 0 0 0,1-1 0 0 0,0-1-1 0 0,20-14-247 0 0,-2-2-1860 0 0,-2-2 0 0 0,25-33 0 0 0,-9 10-5839 0 0,-7 13 110 0 0</inkml:trace>
-</inkml:ink>
-</file>
-
-<file path=ppt/ink/ink209.xml><?xml version="1.0" encoding="utf-8"?>
-<inkml:ink xmlns:inkml="http://www.w3.org/2003/InkML">
-  <inkml:definitions>
-    <inkml:context xml:id="ctx0">
-      <inkml:inkSource xml:id="inkSrc0">
-        <inkml:traceFormat>
-          <inkml:channel name="X" type="integer" min="-2.14748E9" max="2.14748E9" units="cm"/>
-          <inkml:channel name="Y" type="integer" min="-2.14748E9" max="2.14748E9" units="cm"/>
-          <inkml:channel name="F" type="integer" max="32767" units="dev"/>
-          <inkml:channel name="OA" type="integer" max="360" units="deg"/>
-          <inkml:channel name="OE" type="integer" max="90" units="deg"/>
-        </inkml:traceFormat>
-        <inkml:channelProperties>
-          <inkml:channelProperty channel="X" name="resolution" value="1000" units="1/cm"/>
-          <inkml:channelProperty channel="Y" name="resolution" value="1000" units="1/cm"/>
-          <inkml:channelProperty channel="F" name="resolution" value="0" units="1/dev"/>
-          <inkml:channelProperty channel="OA" name="resolution" value="1000" units="1/deg"/>
-          <inkml:channelProperty channel="OE" name="resolution" value="1000" units="1/deg"/>
-        </inkml:channelProperties>
-      </inkml:inkSource>
-      <inkml:timestamp xml:id="ts0" timeString="2024-05-02T12:16:40.858"/>
-    </inkml:context>
-    <inkml:brush xml:id="br0">
-      <inkml:brushProperty name="width" value="0.05" units="cm"/>
-      <inkml:brushProperty name="height" value="0.05" units="cm"/>
-      <inkml:brushProperty name="color" value="#008C3A"/>
-    </inkml:brush>
-  </inkml:definitions>
-  <inkml:trace contextRef="#ctx0" brushRef="#br0">63 0 4975 0 0,'0'0'388'0'0,"-1"3"-254"0"0,-9 31 2921 0 0,1 0 0 0 0,2 1 0 0 0,-3 46 0 0 0,5-41-2046 0 0,-1 29 1187 0 0,-2 15 129 0 0,5-63-1301 0 0,-1 35 1 0 0,4-46-590 0 0,1-1-1 0 0,-1 1 1 0 0,1-1 0 0 0,1 1 0 0 0,5 16-1 0 0,-2-17 344 0 0,-2-4-62 0 0,-1-5-426 0 0,3-2-233 0 0,0 0 0 0 0,0 0-1 0 0,0-1 1 0 0,-1 1-1 0 0,1-1 1 0 0,-1 0 0 0 0,0 0-1 0 0,0-1 1 0 0,0 1-1 0 0,0-1 1 0 0,-1 0 0 0 0,1 0-1 0 0,-1 0 1 0 0,3-5 0 0 0,4-8 67 0 0,0-1 0 0 0,10-26 0 0 0,-5 9-15 0 0,9-18 18 0 0,-2-1-1 0 0,20-77 1 0 0,-41 128 1 0 0,-6 16 41 0 0,1 12-29 0 0,0 1 0 0 0,2-1 0 0 0,1 37 0 0 0,10 78 371 0 0,-9-139-511 0 0,1 7 0 0 0,0 4 0 0 0,0 0 0 0 0,1-1 0 0 0,1 1 0 0 0,0-1 0 0 0,0 0 0 0 0,1 0 0 0 0,0 0 0 0 0,6 10 0 0 0,-3-8 0 0 0,1-4 0 0 0,0-4-131 0 0,-4-5-547 0 0,1-2 138 0 0,0-1 0 0 0,0 0 0 0 0,-1 1 0 0 0,6-5 0 0 0,7-9-7029 0 0,-4-1-1777 0 0</inkml:trace>
 </inkml:ink>
 </file>
 
@@ -4306,6 +4294,102 @@
           <inkml:channelProperty channel="OE" name="resolution" value="1000" units="1/deg"/>
         </inkml:channelProperties>
       </inkml:inkSource>
+      <inkml:timestamp xml:id="ts0" timeString="2024-05-02T12:16:35.348"/>
+    </inkml:context>
+    <inkml:brush xml:id="br0">
+      <inkml:brushProperty name="width" value="0.05" units="cm"/>
+      <inkml:brushProperty name="height" value="0.05" units="cm"/>
+      <inkml:brushProperty name="color" value="#008C3A"/>
+    </inkml:brush>
+  </inkml:definitions>
+  <inkml:trace contextRef="#ctx0" brushRef="#br0">192 1 3567 0 0,'-10'15'3129'0'0,"-12"27"-1"0"0,16-30-450 0 0,0-1 0 0 0,-12 19 0 0 0,6-13-219 0 0,-10 22 0 0 0,-3 4-51 0 0,10-20-1116 0 0,1-1 0 0 0,1 2-1 0 0,-14 38 1 0 0,27-62-1240 0 0,-1 0 0 0 0,1 0 0 0 0,0 1 0 0 0,0-1 0 0 0,0 0 0 0 0,0 1 0 0 0,0-1 0 0 0,0 0 0 0 0,0 1 0 0 0,0-1 0 0 0,0 0 0 0 0,0 0 1 0 0,0 1-1 0 0,0-1 0 0 0,0 0 0 0 0,0 1 0 0 0,0-1 0 0 0,0 0 0 0 0,0 1 0 0 0,0-1 0 0 0,0 0 0 0 0,0 1 0 0 0,1-1 0 0 0,-1 0 0 0 0,0 0 0 0 0,0 1 0 0 0,0-1 0 0 0,1 0 0 0 0,-1 1 0 0 0,11 0 618 0 0,19-9-572 0 0,-21 5-15 0 0,2 0-82 0 0,-1 0-1 0 0,1 1 1 0 0,0 0 0 0 0,0 1 0 0 0,0 0-1 0 0,15 2 1 0 0,-19-1-1 0 0,-1 1 0 0 0,1 0 0 0 0,-1 1 0 0 0,0 0 0 0 0,1 0 0 0 0,-1 0-1 0 0,0 1 1 0 0,-1-1 0 0 0,1 1 0 0 0,0 1 0 0 0,-1-1 0 0 0,7 7 0 0 0,4 3-63 0 0,-4-3-179 0 0,-1 0 0 0 0,19 11 0 0 0,-25-19 193 0 0,-1 1 0 0 0,1-1 0 0 0,-1 0 0 0 0,1-1 0 0 0,0 1 0 0 0,0-1 0 0 0,0 0 1 0 0,0 0-1 0 0,0 0 0 0 0,0-1 0 0 0,6 0 0 0 0,-2-1-42 0 0,0 0-1 0 0,0 0 1 0 0,-1-1 0 0 0,1 0-1 0 0,-1-1 1 0 0,14-6 0 0 0,48-28-743 0 0,-36 17 250 0 0,-21 14 319 0 0,31-16-417 0 0,-41 20 746 0 0,1 1 1 0 0,0 0-1 0 0,-1 0 0 0 0,1 0 0 0 0,0 0 1 0 0,0 1-1 0 0,-1 0 0 0 0,1-1 0 0 0,0 1 1 0 0,5 1-1 0 0,-6 0 165 0 0,0 1 0 0 0,1-1-1 0 0,-1 0 1 0 0,0 1 0 0 0,0 0 0 0 0,-1 0 0 0 0,1 0 0 0 0,0 0 0 0 0,-1 0 0 0 0,1 1 0 0 0,-1-1 0 0 0,4 5 0 0 0,-5-5-183 0 0,-1 0 0 0 0,1-1 0 0 0,0 1 0 0 0,-1 0 0 0 0,0 0 0 0 0,1 0 0 0 0,-1 0 0 0 0,0 0 0 0 0,0 0 0 0 0,0 0 1 0 0,0 0-1 0 0,-1 0 0 0 0,0 3 0 0 0,1-3-18 0 0,-3 17-27 0 0,-1 0 1 0 0,0 0-1 0 0,-2 0 0 0 0,0-1 1 0 0,-1 0-1 0 0,-1 0 0 0 0,-1-1 1 0 0,0 0-1 0 0,-1 0 0 0 0,-1-1 1 0 0,0 0-1 0 0,-1-1 0 0 0,-1-1 1 0 0,0 0-1 0 0,-1 0 0 0 0,-1-2 1 0 0,-27 19-1 0 0,-13 4-2151 0 0,39-26-1323 0 0,-27 10 0 0 0,4-7-6695 0 0</inkml:trace>
+</inkml:ink>
+</file>
+
+<file path=ppt/ink/ink211.xml><?xml version="1.0" encoding="utf-8"?>
+<inkml:ink xmlns:inkml="http://www.w3.org/2003/InkML">
+  <inkml:definitions>
+    <inkml:context xml:id="ctx0">
+      <inkml:inkSource xml:id="inkSrc0">
+        <inkml:traceFormat>
+          <inkml:channel name="X" type="integer" min="-2.14748E9" max="2.14748E9" units="cm"/>
+          <inkml:channel name="Y" type="integer" min="-2.14748E9" max="2.14748E9" units="cm"/>
+          <inkml:channel name="F" type="integer" max="32767" units="dev"/>
+          <inkml:channel name="OA" type="integer" max="360" units="deg"/>
+          <inkml:channel name="OE" type="integer" max="90" units="deg"/>
+        </inkml:traceFormat>
+        <inkml:channelProperties>
+          <inkml:channelProperty channel="X" name="resolution" value="1000" units="1/cm"/>
+          <inkml:channelProperty channel="Y" name="resolution" value="1000" units="1/cm"/>
+          <inkml:channelProperty channel="F" name="resolution" value="0" units="1/dev"/>
+          <inkml:channelProperty channel="OA" name="resolution" value="1000" units="1/deg"/>
+          <inkml:channelProperty channel="OE" name="resolution" value="1000" units="1/deg"/>
+        </inkml:channelProperties>
+      </inkml:inkSource>
+      <inkml:timestamp xml:id="ts0" timeString="2024-05-02T12:16:40.452"/>
+    </inkml:context>
+    <inkml:brush xml:id="br0">
+      <inkml:brushProperty name="width" value="0.05" units="cm"/>
+      <inkml:brushProperty name="height" value="0.05" units="cm"/>
+      <inkml:brushProperty name="color" value="#008C3A"/>
+    </inkml:brush>
+  </inkml:definitions>
+  <inkml:trace contextRef="#ctx0" brushRef="#br0">149 0 5783 0 0,'0'0'1919'0'0,"0"3"-455"0"0,2 6-565 0 0,-2 0-1 0 0,1 0 1 0 0,-1-1-1 0 0,-1 1 1 0 0,-2 17 0 0 0,-14 48 1651 0 0,17-73-2528 0 0,-62 268 3511 0 0,25-121-1385 0 0,6-30-69 0 0,31-116-206 0 0,13-3-1189 0 0,-9 0-637 0 0,-1-1 0 0 0,1 1-1 0 0,-1-1 1 0 0,1 0 0 0 0,-1 0 0 0 0,0-1 0 0 0,0 1 0 0 0,0 0-1 0 0,0-1 1 0 0,0 0 0 0 0,-1 0 0 0 0,4-4 0 0 0,5-7 24 0 0,11-22 0 0 0,-17 27-21 0 0,28-48 30 0 0,26-42 16 0 0,0-9 103 0 0,-8 11-111 0 0,-44 85-88 0 0,1-1 0 0 0,0 0 0 0 0,1 0 0 0 0,1 0 0 0 0,11-11 0 0 0,-12 17 11 0 0,-9 7-11 0 0,0 0 1 0 0,0 0 0 0 0,1 0-1 0 0,-1 0 1 0 0,0 0 0 0 0,0 0 0 0 0,0 0-1 0 0,0-1 1 0 0,0 1 0 0 0,0 0-1 0 0,0 0 1 0 0,0 0 0 0 0,0 0-1 0 0,0 0 1 0 0,0 0 0 0 0,0 0-1 0 0,1 0 1 0 0,-1 0 0 0 0,0 0-1 0 0,0 0 1 0 0,0 0 0 0 0,0 0 0 0 0,0 0-1 0 0,0 0 1 0 0,0 0 0 0 0,0 0-1 0 0,0 0 1 0 0,0 0 0 0 0,0 0-1 0 0,1 0 1 0 0,-1 0 0 0 0,0 1-1 0 0,0-1 1 0 0,0 0 0 0 0,0 0-1 0 0,0 0 1 0 0,0 0 0 0 0,0 0 0 0 0,0 0-1 0 0,0 0 1 0 0,0 0 0 0 0,0 0-1 0 0,0 0 1 0 0,0 0 0 0 0,0 0-1 0 0,0 0 1 0 0,0 0 0 0 0,0 1-1 0 0,0-1 1 0 0,1 0 0 0 0,-1 0-1 0 0,0 0 1 0 0,0 0 0 0 0,0 0 0 0 0,0 0-1 0 0,0 0 1 0 0,0 0 0 0 0,0 0-1 0 0,0 0 1 0 0,0 0 0 0 0,-1 1-1 0 0,5 6 28 0 0,-2 0 0 0 0,1 0 0 0 0,-1 1 0 0 0,0-1 0 0 0,-1 1 0 0 0,0-1-1 0 0,0 1 1 0 0,0 8 0 0 0,-6 66 764 0 0,1-41-429 0 0,-15 137 998 0 0,11-113-589 0 0,6-43-540 0 0,2 41 0 0 0,2-43-232 0 0,0-16 0 0 0,0-1 0 0 0,4 6 0 0 0,-4-9-7 0 0,-1 1-1 0 0,0-1 1 0 0,0 0 0 0 0,0 0 0 0 0,1 0-1 0 0,-1 0 1 0 0,0 0 0 0 0,0 0-1 0 0,0 0 1 0 0,1 0 0 0 0,-1-1 0 0 0,0 1-1 0 0,0 0 1 0 0,0-1 0 0 0,0 1-1 0 0,0-1 1 0 0,0 1 0 0 0,1-1 0 0 0,0-1-1 0 0,20-14-247 0 0,-2-2-1860 0 0,-2-2 0 0 0,25-33 0 0 0,-9 10-5839 0 0,-7 13 110 0 0</inkml:trace>
+</inkml:ink>
+</file>
+
+<file path=ppt/ink/ink212.xml><?xml version="1.0" encoding="utf-8"?>
+<inkml:ink xmlns:inkml="http://www.w3.org/2003/InkML">
+  <inkml:definitions>
+    <inkml:context xml:id="ctx0">
+      <inkml:inkSource xml:id="inkSrc0">
+        <inkml:traceFormat>
+          <inkml:channel name="X" type="integer" min="-2.14748E9" max="2.14748E9" units="cm"/>
+          <inkml:channel name="Y" type="integer" min="-2.14748E9" max="2.14748E9" units="cm"/>
+          <inkml:channel name="F" type="integer" max="32767" units="dev"/>
+          <inkml:channel name="OA" type="integer" max="360" units="deg"/>
+          <inkml:channel name="OE" type="integer" max="90" units="deg"/>
+        </inkml:traceFormat>
+        <inkml:channelProperties>
+          <inkml:channelProperty channel="X" name="resolution" value="1000" units="1/cm"/>
+          <inkml:channelProperty channel="Y" name="resolution" value="1000" units="1/cm"/>
+          <inkml:channelProperty channel="F" name="resolution" value="0" units="1/dev"/>
+          <inkml:channelProperty channel="OA" name="resolution" value="1000" units="1/deg"/>
+          <inkml:channelProperty channel="OE" name="resolution" value="1000" units="1/deg"/>
+        </inkml:channelProperties>
+      </inkml:inkSource>
+      <inkml:timestamp xml:id="ts0" timeString="2024-05-02T12:16:40.858"/>
+    </inkml:context>
+    <inkml:brush xml:id="br0">
+      <inkml:brushProperty name="width" value="0.05" units="cm"/>
+      <inkml:brushProperty name="height" value="0.05" units="cm"/>
+      <inkml:brushProperty name="color" value="#008C3A"/>
+    </inkml:brush>
+  </inkml:definitions>
+  <inkml:trace contextRef="#ctx0" brushRef="#br0">63 0 4975 0 0,'0'0'388'0'0,"-1"3"-254"0"0,-9 31 2921 0 0,1 0 0 0 0,2 1 0 0 0,-3 46 0 0 0,5-41-2046 0 0,-1 29 1187 0 0,-2 15 129 0 0,5-63-1301 0 0,-1 35 1 0 0,4-46-590 0 0,1-1-1 0 0,-1 1 1 0 0,1-1 0 0 0,1 1 0 0 0,5 16-1 0 0,-2-17 344 0 0,-2-4-62 0 0,-1-5-426 0 0,3-2-233 0 0,0 0 0 0 0,0 0-1 0 0,0-1 1 0 0,-1 1-1 0 0,1-1 1 0 0,-1 0 0 0 0,0 0-1 0 0,0-1 1 0 0,0 1-1 0 0,0-1 1 0 0,-1 0 0 0 0,1 0-1 0 0,-1 0 1 0 0,3-5 0 0 0,4-8 67 0 0,0-1 0 0 0,10-26 0 0 0,-5 9-15 0 0,9-18 18 0 0,-2-1-1 0 0,20-77 1 0 0,-41 128 1 0 0,-6 16 41 0 0,1 12-29 0 0,0 1 0 0 0,2-1 0 0 0,1 37 0 0 0,10 78 371 0 0,-9-139-511 0 0,1 7 0 0 0,0 4 0 0 0,0 0 0 0 0,1-1 0 0 0,1 1 0 0 0,0-1 0 0 0,0 0 0 0 0,1 0 0 0 0,0 0 0 0 0,6 10 0 0 0,-3-8 0 0 0,1-4 0 0 0,0-4-131 0 0,-4-5-547 0 0,1-2 138 0 0,0-1 0 0 0,0 0 0 0 0,-1 1 0 0 0,6-5 0 0 0,7-9-7029 0 0,-4-1-1777 0 0</inkml:trace>
+</inkml:ink>
+</file>
+
+<file path=ppt/ink/ink213.xml><?xml version="1.0" encoding="utf-8"?>
+<inkml:ink xmlns:inkml="http://www.w3.org/2003/InkML">
+  <inkml:definitions>
+    <inkml:context xml:id="ctx0">
+      <inkml:inkSource xml:id="inkSrc0">
+        <inkml:traceFormat>
+          <inkml:channel name="X" type="integer" min="-2.14748E9" max="2.14748E9" units="cm"/>
+          <inkml:channel name="Y" type="integer" min="-2.14748E9" max="2.14748E9" units="cm"/>
+          <inkml:channel name="F" type="integer" max="32767" units="dev"/>
+          <inkml:channel name="OA" type="integer" max="360" units="deg"/>
+          <inkml:channel name="OE" type="integer" max="90" units="deg"/>
+        </inkml:traceFormat>
+        <inkml:channelProperties>
+          <inkml:channelProperty channel="X" name="resolution" value="1000" units="1/cm"/>
+          <inkml:channelProperty channel="Y" name="resolution" value="1000" units="1/cm"/>
+          <inkml:channelProperty channel="F" name="resolution" value="0" units="1/dev"/>
+          <inkml:channelProperty channel="OA" name="resolution" value="1000" units="1/deg"/>
+          <inkml:channelProperty channel="OE" name="resolution" value="1000" units="1/deg"/>
+        </inkml:channelProperties>
+      </inkml:inkSource>
       <inkml:timestamp xml:id="ts0" timeString="2024-05-02T12:16:41.338"/>
     </inkml:context>
     <inkml:brush xml:id="br0">
@@ -4318,7 +4402,7 @@
 </inkml:ink>
 </file>
 
-<file path=ppt/ink/ink211.xml><?xml version="1.0" encoding="utf-8"?>
+<file path=ppt/ink/ink214.xml><?xml version="1.0" encoding="utf-8"?>
 <inkml:ink xmlns:inkml="http://www.w3.org/2003/InkML">
   <inkml:definitions>
     <inkml:context xml:id="ctx0">
@@ -4350,7 +4434,7 @@
 </inkml:ink>
 </file>
 
-<file path=ppt/ink/ink212.xml><?xml version="1.0" encoding="utf-8"?>
+<file path=ppt/ink/ink215.xml><?xml version="1.0" encoding="utf-8"?>
 <inkml:ink xmlns:inkml="http://www.w3.org/2003/InkML">
   <inkml:definitions>
     <inkml:context xml:id="ctx0">
@@ -4382,7 +4466,7 @@
 </inkml:ink>
 </file>
 
-<file path=ppt/ink/ink213.xml><?xml version="1.0" encoding="utf-8"?>
+<file path=ppt/ink/ink216.xml><?xml version="1.0" encoding="utf-8"?>
 <inkml:ink xmlns:inkml="http://www.w3.org/2003/InkML">
   <inkml:definitions>
     <inkml:context xml:id="ctx0">
@@ -4414,7 +4498,7 @@
 </inkml:ink>
 </file>
 
-<file path=ppt/ink/ink214.xml><?xml version="1.0" encoding="utf-8"?>
+<file path=ppt/ink/ink217.xml><?xml version="1.0" encoding="utf-8"?>
 <inkml:ink xmlns:inkml="http://www.w3.org/2003/InkML">
   <inkml:definitions>
     <inkml:context xml:id="ctx0">
@@ -4446,7 +4530,7 @@
 </inkml:ink>
 </file>
 
-<file path=ppt/ink/ink215.xml><?xml version="1.0" encoding="utf-8"?>
+<file path=ppt/ink/ink218.xml><?xml version="1.0" encoding="utf-8"?>
 <inkml:ink xmlns:inkml="http://www.w3.org/2003/InkML">
   <inkml:definitions>
     <inkml:context xml:id="ctx0">
@@ -4478,7 +4562,7 @@
 </inkml:ink>
 </file>
 
-<file path=ppt/ink/ink216.xml><?xml version="1.0" encoding="utf-8"?>
+<file path=ppt/ink/ink219.xml><?xml version="1.0" encoding="utf-8"?>
 <inkml:ink xmlns:inkml="http://www.w3.org/2003/InkML">
   <inkml:definitions>
     <inkml:context xml:id="ctx0">
@@ -4507,102 +4591,6 @@
     </inkml:brush>
   </inkml:definitions>
   <inkml:trace contextRef="#ctx0" brushRef="#br0">5112 155 2359 0 0,'3'-1'174'0'0,"14"-7"-140"0"0,-17 7-34 0 0,-9 0 0 0 0,-81-2 0 0 0,-656-3 0 0 0,-2695-6 70 0 0,2694 7 78 0 0,657 2-49 0 0,81 1-46 0 0,10 1 1 0 0,39-24 1059 0 0,-1-1 0 0 0,37-33 0 0 0,-75 57-972 0 0</inkml:trace>
-</inkml:ink>
-</file>
-
-<file path=ppt/ink/ink217.xml><?xml version="1.0" encoding="utf-8"?>
-<inkml:ink xmlns:inkml="http://www.w3.org/2003/InkML">
-  <inkml:definitions>
-    <inkml:context xml:id="ctx0">
-      <inkml:inkSource xml:id="inkSrc0">
-        <inkml:traceFormat>
-          <inkml:channel name="X" type="integer" min="-2.14748E9" max="2.14748E9" units="cm"/>
-          <inkml:channel name="Y" type="integer" min="-2.14748E9" max="2.14748E9" units="cm"/>
-          <inkml:channel name="F" type="integer" max="32767" units="dev"/>
-          <inkml:channel name="OA" type="integer" max="360" units="deg"/>
-          <inkml:channel name="OE" type="integer" max="90" units="deg"/>
-        </inkml:traceFormat>
-        <inkml:channelProperties>
-          <inkml:channelProperty channel="X" name="resolution" value="1000" units="1/cm"/>
-          <inkml:channelProperty channel="Y" name="resolution" value="1000" units="1/cm"/>
-          <inkml:channelProperty channel="F" name="resolution" value="0" units="1/dev"/>
-          <inkml:channelProperty channel="OA" name="resolution" value="1000" units="1/deg"/>
-          <inkml:channelProperty channel="OE" name="resolution" value="1000" units="1/deg"/>
-        </inkml:channelProperties>
-      </inkml:inkSource>
-      <inkml:timestamp xml:id="ts0" timeString="2023-12-11T13:53:11.299"/>
-    </inkml:context>
-    <inkml:brush xml:id="br0">
-      <inkml:brushProperty name="width" value="0.1" units="cm"/>
-      <inkml:brushProperty name="height" value="0.1" units="cm"/>
-      <inkml:brushProperty name="color" value="#004F8B"/>
-    </inkml:brush>
-  </inkml:definitions>
-  <inkml:trace contextRef="#ctx0" brushRef="#br0">1 183 3367 0 0,'0'0'258'0'0,"1"-3"-166"0"0,-1 2-78 0 0,1 1 0 0 0,-1-1 0 0 0,0 0 0 0 0,1 1 0 0 0,-1-1 0 0 0,1 0 1 0 0,-1 1-1 0 0,1-1 0 0 0,-1 1 0 0 0,1-1 0 0 0,-1 1 0 0 0,1-1 0 0 0,0 1 0 0 0,-1-1 1 0 0,1 1-1 0 0,0 0 0 0 0,-1-1 0 0 0,1 1 0 0 0,0 0 0 0 0,1-1 0 0 0,16 2 1408 0 0,5 2 1896 0 0,-12-3-1913 0 0,-1 0 1 0 0,1-1-1 0 0,-1-1 1 0 0,14-2-1 0 0,-19 2-1107 0 0,1 0-1 0 0,-1 0 0 0 0,0 0 1 0 0,0-1-1 0 0,0 0 0 0 0,0 0 1 0 0,0 0-1 0 0,0 0 1 0 0,-1-1-1 0 0,5-4 0 0 0,14-14 660 0 0,-2-1 0 0 0,0-2 0 0 0,21-31 0 0 0,-41 55-1357 0 0,1-2 969 0 0</inkml:trace>
-</inkml:ink>
-</file>
-
-<file path=ppt/ink/ink218.xml><?xml version="1.0" encoding="utf-8"?>
-<inkml:ink xmlns:inkml="http://www.w3.org/2003/InkML">
-  <inkml:definitions>
-    <inkml:context xml:id="ctx0">
-      <inkml:inkSource xml:id="inkSrc0">
-        <inkml:traceFormat>
-          <inkml:channel name="X" type="integer" min="-2.14748E9" max="2.14748E9" units="cm"/>
-          <inkml:channel name="Y" type="integer" min="-2.14748E9" max="2.14748E9" units="cm"/>
-          <inkml:channel name="F" type="integer" max="32767" units="dev"/>
-          <inkml:channel name="OA" type="integer" max="360" units="deg"/>
-          <inkml:channel name="OE" type="integer" max="90" units="deg"/>
-        </inkml:traceFormat>
-        <inkml:channelProperties>
-          <inkml:channelProperty channel="X" name="resolution" value="1000" units="1/cm"/>
-          <inkml:channelProperty channel="Y" name="resolution" value="1000" units="1/cm"/>
-          <inkml:channelProperty channel="F" name="resolution" value="0" units="1/dev"/>
-          <inkml:channelProperty channel="OA" name="resolution" value="1000" units="1/deg"/>
-          <inkml:channelProperty channel="OE" name="resolution" value="1000" units="1/deg"/>
-        </inkml:channelProperties>
-      </inkml:inkSource>
-      <inkml:timestamp xml:id="ts0" timeString="2023-12-11T13:53:11.794"/>
-    </inkml:context>
-    <inkml:brush xml:id="br0">
-      <inkml:brushProperty name="width" value="0.1" units="cm"/>
-      <inkml:brushProperty name="height" value="0.1" units="cm"/>
-      <inkml:brushProperty name="color" value="#004F8B"/>
-    </inkml:brush>
-  </inkml:definitions>
-  <inkml:trace contextRef="#ctx0" brushRef="#br0">148 1 2879 0 0,'7'20'311'0'0,"-2"1"-1"0"0,0 0 1 0 0,-1 0-1 0 0,1 38 1 0 0,3 12 1667 0 0,11 99 2803 0 0,-16-141-3755 0 0,-1-15-466 0 0,13 211 4308 0 0,-20-132-3866 0 0,5-91-540 0 0,-1-3-682 0 0,-1-1 137 0 0,0 1 0 0 0,0 0 0 0 0,1-1 0 0 0,-1 1 0 0 0,1-1 0 0 0,-1 0 0 0 0,1 1 0 0 0,-2-5 0 0 0,2 6 70 0 0,-5-9-1046 0 0,-1 0 0 0 0,-1 1 0 0 0,0 0 0 0 0,0 0 0 0 0,-1 0 0 0 0,-15-10 0 0 0,17 14 578 0 0,1 0 0 0 0,-1 1 0 0 0,0-1 0 0 0,0 1-1 0 0,0 1 1 0 0,0-1 0 0 0,0 1 0 0 0,-1 0 0 0 0,1 1 0 0 0,-16-2-1 0 0,21 4 537 0 0,1-1 0 0 0,-1 0-1 0 0,0 0 1 0 0,0 0-1 0 0,1 0 1 0 0,-1 0-1 0 0,0 0 1 0 0,0-1 0 0 0,1 1-1 0 0,-1 0 1 0 0,0-1-1 0 0,1 0 1 0 0,-4-1-1 0 0,1 0 184 0 0,2 1 199 0 0,2-2-95 0 0,-1 1 1 0 0,1-1-1 0 0,0 0 1 0 0,0 0-1 0 0,0 0 0 0 0,0 0 1 0 0,1 0-1 0 0,-1 1 0 0 0,1-1 1 0 0,-1 0-1 0 0,1 0 0 0 0,0 1 1 0 0,0-1-1 0 0,0 0 1 0 0,2-2-1 0 0,3-5 852 0 0,1 0 1 0 0,10-12-1 0 0,-2 3 56 0 0,-6 8-600 0 0,1 1 1 0 0,0 0 0 0 0,1 0 0 0 0,0 1 0 0 0,13-8 0 0 0,-11 8-140 0 0,92-78 434 0 0,-60 49-7265 0 0,-25 21-655 0 0</inkml:trace>
-</inkml:ink>
-</file>
-
-<file path=ppt/ink/ink219.xml><?xml version="1.0" encoding="utf-8"?>
-<inkml:ink xmlns:inkml="http://www.w3.org/2003/InkML">
-  <inkml:definitions>
-    <inkml:context xml:id="ctx0">
-      <inkml:inkSource xml:id="inkSrc0">
-        <inkml:traceFormat>
-          <inkml:channel name="X" type="integer" min="-2.14748E9" max="2.14748E9" units="cm"/>
-          <inkml:channel name="Y" type="integer" min="-2.14748E9" max="2.14748E9" units="cm"/>
-          <inkml:channel name="F" type="integer" max="32767" units="dev"/>
-          <inkml:channel name="OA" type="integer" max="360" units="deg"/>
-          <inkml:channel name="OE" type="integer" max="90" units="deg"/>
-        </inkml:traceFormat>
-        <inkml:channelProperties>
-          <inkml:channelProperty channel="X" name="resolution" value="1000" units="1/cm"/>
-          <inkml:channelProperty channel="Y" name="resolution" value="1000" units="1/cm"/>
-          <inkml:channelProperty channel="F" name="resolution" value="0" units="1/dev"/>
-          <inkml:channelProperty channel="OA" name="resolution" value="1000" units="1/deg"/>
-          <inkml:channelProperty channel="OE" name="resolution" value="1000" units="1/deg"/>
-        </inkml:channelProperties>
-      </inkml:inkSource>
-      <inkml:timestamp xml:id="ts0" timeString="2023-12-11T13:53:14.841"/>
-    </inkml:context>
-    <inkml:brush xml:id="br0">
-      <inkml:brushProperty name="width" value="0.1" units="cm"/>
-      <inkml:brushProperty name="height" value="0.1" units="cm"/>
-      <inkml:brushProperty name="color" value="#004F8B"/>
-    </inkml:brush>
-  </inkml:definitions>
-  <inkml:trace contextRef="#ctx0" brushRef="#br0">100 101 2615 0 0,'-50'96'786'0'0,"7"-16"1716"0"0,36-68-1602 0 0,9-18-595 0 0,10-22-302 0 0,42-59-58 0 0,7-14-482 0 0,-38 64 234 0 0,-21 34 307 0 0,0 0-1 0 0,1 1 0 0 0,-1-1 1 0 0,0 1-1 0 0,1-1 0 0 0,-1 1 1 0 0,1 0-1 0 0,0 0 0 0 0,0 0 0 0 0,4-2 1 0 0,5 2 9 0 0,-8 5-15 0 0,-3-2 1 0 0,1 1 32 0 0,0 0-1 0 0,-1 0 1 0 0,1 0-1 0 0,0 0 1 0 0,-1 0-1 0 0,0 0 1 0 0,1 1-1 0 0,-1-1 1 0 0,0 1-1 0 0,0-1 1 0 0,0 0-1 0 0,0 5 1 0 0,7 32 501 0 0,-7-36-515 0 0,5 62 1770 0 0,-2 1 0 0 0,-7 88 1 0 0,0-79-25 0 0,2-28-365 0 0,0 83 1749 0 0,2-112-2780 0 0,7 53 497 0 0,-8-71-856 0 0,0 1 0 0 0,0-1 0 0 0,1 1-1 0 0,-1-1 1 0 0,0 1 0 0 0,0-1 0 0 0,1 0 0 0 0,-1 1 0 0 0,0-1 0 0 0,1 1 0 0 0,-1-1-1 0 0,1 0 1 0 0,-1 1 0 0 0,0-1 0 0 0,1 0 0 0 0,-1 1 0 0 0,1-1 0 0 0,-1 0 0 0 0,1 0-1 0 0,-1 0 1 0 0,1 1 0 0 0,-1-1 0 0 0,1 0 0 0 0,-1 0 0 0 0,1 0 0 0 0,-1 0 0 0 0,1 0-1 0 0,-1 0 1 0 0,1 0 0 0 0,0 0 0 0 0,15-2-325 0 0,-14 0-256 0 0,1 1 0 0 0,-1 0 1 0 0,0-1-1 0 0,0 1 1 0 0,1-1-1 0 0,-1 0 1 0 0,0 1-1 0 0,0-1 1 0 0,3-4-1 0 0,8-10-5579 0 0</inkml:trace>
 </inkml:ink>
 </file>
 
@@ -4658,6 +4646,102 @@
           <inkml:channelProperty channel="OE" name="resolution" value="1000" units="1/deg"/>
         </inkml:channelProperties>
       </inkml:inkSource>
+      <inkml:timestamp xml:id="ts0" timeString="2023-12-11T13:53:11.299"/>
+    </inkml:context>
+    <inkml:brush xml:id="br0">
+      <inkml:brushProperty name="width" value="0.1" units="cm"/>
+      <inkml:brushProperty name="height" value="0.1" units="cm"/>
+      <inkml:brushProperty name="color" value="#004F8B"/>
+    </inkml:brush>
+  </inkml:definitions>
+  <inkml:trace contextRef="#ctx0" brushRef="#br0">1 183 3367 0 0,'0'0'258'0'0,"1"-3"-166"0"0,-1 2-78 0 0,1 1 0 0 0,-1-1 0 0 0,0 0 0 0 0,1 1 0 0 0,-1-1 0 0 0,1 0 1 0 0,-1 1-1 0 0,1-1 0 0 0,-1 1 0 0 0,1-1 0 0 0,-1 1 0 0 0,1-1 0 0 0,0 1 0 0 0,-1-1 1 0 0,1 1-1 0 0,0 0 0 0 0,-1-1 0 0 0,1 1 0 0 0,0 0 0 0 0,1-1 0 0 0,16 2 1408 0 0,5 2 1896 0 0,-12-3-1913 0 0,-1 0 1 0 0,1-1-1 0 0,-1-1 1 0 0,14-2-1 0 0,-19 2-1107 0 0,1 0-1 0 0,-1 0 0 0 0,0 0 1 0 0,0-1-1 0 0,0 0 0 0 0,0 0 1 0 0,0 0-1 0 0,0 0 1 0 0,-1-1-1 0 0,5-4 0 0 0,14-14 660 0 0,-2-1 0 0 0,0-2 0 0 0,21-31 0 0 0,-41 55-1357 0 0,1-2 969 0 0</inkml:trace>
+</inkml:ink>
+</file>
+
+<file path=ppt/ink/ink221.xml><?xml version="1.0" encoding="utf-8"?>
+<inkml:ink xmlns:inkml="http://www.w3.org/2003/InkML">
+  <inkml:definitions>
+    <inkml:context xml:id="ctx0">
+      <inkml:inkSource xml:id="inkSrc0">
+        <inkml:traceFormat>
+          <inkml:channel name="X" type="integer" min="-2.14748E9" max="2.14748E9" units="cm"/>
+          <inkml:channel name="Y" type="integer" min="-2.14748E9" max="2.14748E9" units="cm"/>
+          <inkml:channel name="F" type="integer" max="32767" units="dev"/>
+          <inkml:channel name="OA" type="integer" max="360" units="deg"/>
+          <inkml:channel name="OE" type="integer" max="90" units="deg"/>
+        </inkml:traceFormat>
+        <inkml:channelProperties>
+          <inkml:channelProperty channel="X" name="resolution" value="1000" units="1/cm"/>
+          <inkml:channelProperty channel="Y" name="resolution" value="1000" units="1/cm"/>
+          <inkml:channelProperty channel="F" name="resolution" value="0" units="1/dev"/>
+          <inkml:channelProperty channel="OA" name="resolution" value="1000" units="1/deg"/>
+          <inkml:channelProperty channel="OE" name="resolution" value="1000" units="1/deg"/>
+        </inkml:channelProperties>
+      </inkml:inkSource>
+      <inkml:timestamp xml:id="ts0" timeString="2023-12-11T13:53:11.794"/>
+    </inkml:context>
+    <inkml:brush xml:id="br0">
+      <inkml:brushProperty name="width" value="0.1" units="cm"/>
+      <inkml:brushProperty name="height" value="0.1" units="cm"/>
+      <inkml:brushProperty name="color" value="#004F8B"/>
+    </inkml:brush>
+  </inkml:definitions>
+  <inkml:trace contextRef="#ctx0" brushRef="#br0">148 1 2879 0 0,'7'20'311'0'0,"-2"1"-1"0"0,0 0 1 0 0,-1 0-1 0 0,1 38 1 0 0,3 12 1667 0 0,11 99 2803 0 0,-16-141-3755 0 0,-1-15-466 0 0,13 211 4308 0 0,-20-132-3866 0 0,5-91-540 0 0,-1-3-682 0 0,-1-1 137 0 0,0 1 0 0 0,0 0 0 0 0,1-1 0 0 0,-1 1 0 0 0,1-1 0 0 0,-1 0 0 0 0,1 1 0 0 0,-2-5 0 0 0,2 6 70 0 0,-5-9-1046 0 0,-1 0 0 0 0,-1 1 0 0 0,0 0 0 0 0,0 0 0 0 0,-1 0 0 0 0,-15-10 0 0 0,17 14 578 0 0,1 0 0 0 0,-1 1 0 0 0,0-1 0 0 0,0 1-1 0 0,0 1 1 0 0,0-1 0 0 0,0 1 0 0 0,-1 0 0 0 0,1 1 0 0 0,-16-2-1 0 0,21 4 537 0 0,1-1 0 0 0,-1 0-1 0 0,0 0 1 0 0,0 0-1 0 0,1 0 1 0 0,-1 0-1 0 0,0 0 1 0 0,0-1 0 0 0,1 1-1 0 0,-1 0 1 0 0,0-1-1 0 0,1 0 1 0 0,-4-1-1 0 0,1 0 184 0 0,2 1 199 0 0,2-2-95 0 0,-1 1 1 0 0,1-1-1 0 0,0 0 1 0 0,0 0-1 0 0,0 0 0 0 0,0 0 1 0 0,1 0-1 0 0,-1 1 0 0 0,1-1 1 0 0,-1 0-1 0 0,1 0 0 0 0,0 1 1 0 0,0-1-1 0 0,0 0 1 0 0,2-2-1 0 0,3-5 852 0 0,1 0 1 0 0,10-12-1 0 0,-2 3 56 0 0,-6 8-600 0 0,1 1 1 0 0,0 0 0 0 0,1 0 0 0 0,0 1 0 0 0,13-8 0 0 0,-11 8-140 0 0,92-78 434 0 0,-60 49-7265 0 0,-25 21-655 0 0</inkml:trace>
+</inkml:ink>
+</file>
+
+<file path=ppt/ink/ink222.xml><?xml version="1.0" encoding="utf-8"?>
+<inkml:ink xmlns:inkml="http://www.w3.org/2003/InkML">
+  <inkml:definitions>
+    <inkml:context xml:id="ctx0">
+      <inkml:inkSource xml:id="inkSrc0">
+        <inkml:traceFormat>
+          <inkml:channel name="X" type="integer" min="-2.14748E9" max="2.14748E9" units="cm"/>
+          <inkml:channel name="Y" type="integer" min="-2.14748E9" max="2.14748E9" units="cm"/>
+          <inkml:channel name="F" type="integer" max="32767" units="dev"/>
+          <inkml:channel name="OA" type="integer" max="360" units="deg"/>
+          <inkml:channel name="OE" type="integer" max="90" units="deg"/>
+        </inkml:traceFormat>
+        <inkml:channelProperties>
+          <inkml:channelProperty channel="X" name="resolution" value="1000" units="1/cm"/>
+          <inkml:channelProperty channel="Y" name="resolution" value="1000" units="1/cm"/>
+          <inkml:channelProperty channel="F" name="resolution" value="0" units="1/dev"/>
+          <inkml:channelProperty channel="OA" name="resolution" value="1000" units="1/deg"/>
+          <inkml:channelProperty channel="OE" name="resolution" value="1000" units="1/deg"/>
+        </inkml:channelProperties>
+      </inkml:inkSource>
+      <inkml:timestamp xml:id="ts0" timeString="2023-12-11T13:53:14.841"/>
+    </inkml:context>
+    <inkml:brush xml:id="br0">
+      <inkml:brushProperty name="width" value="0.1" units="cm"/>
+      <inkml:brushProperty name="height" value="0.1" units="cm"/>
+      <inkml:brushProperty name="color" value="#004F8B"/>
+    </inkml:brush>
+  </inkml:definitions>
+  <inkml:trace contextRef="#ctx0" brushRef="#br0">100 101 2615 0 0,'-50'96'786'0'0,"7"-16"1716"0"0,36-68-1602 0 0,9-18-595 0 0,10-22-302 0 0,42-59-58 0 0,7-14-482 0 0,-38 64 234 0 0,-21 34 307 0 0,0 0-1 0 0,1 1 0 0 0,-1-1 1 0 0,0 1-1 0 0,1-1 0 0 0,-1 1 1 0 0,1 0-1 0 0,0 0 0 0 0,0 0 0 0 0,4-2 1 0 0,5 2 9 0 0,-8 5-15 0 0,-3-2 1 0 0,1 1 32 0 0,0 0-1 0 0,-1 0 1 0 0,1 0-1 0 0,0 0 1 0 0,-1 0-1 0 0,0 0 1 0 0,1 1-1 0 0,-1-1 1 0 0,0 1-1 0 0,0-1 1 0 0,0 0-1 0 0,0 5 1 0 0,7 32 501 0 0,-7-36-515 0 0,5 62 1770 0 0,-2 1 0 0 0,-7 88 1 0 0,0-79-25 0 0,2-28-365 0 0,0 83 1749 0 0,2-112-2780 0 0,7 53 497 0 0,-8-71-856 0 0,0 1 0 0 0,0-1 0 0 0,1 1-1 0 0,-1-1 1 0 0,0 1 0 0 0,0-1 0 0 0,1 0 0 0 0,-1 1 0 0 0,0-1 0 0 0,1 1 0 0 0,-1-1-1 0 0,1 0 1 0 0,-1 1 0 0 0,0-1 0 0 0,1 0 0 0 0,-1 1 0 0 0,1-1 0 0 0,-1 0 0 0 0,1 0-1 0 0,-1 0 1 0 0,1 1 0 0 0,-1-1 0 0 0,1 0 0 0 0,-1 0 0 0 0,1 0 0 0 0,-1 0 0 0 0,1 0-1 0 0,-1 0 1 0 0,1 0 0 0 0,0 0 0 0 0,15-2-325 0 0,-14 0-256 0 0,1 1 0 0 0,-1 0 1 0 0,0-1-1 0 0,0 1 1 0 0,1-1-1 0 0,-1 0 1 0 0,0 1-1 0 0,0-1 1 0 0,3-4-1 0 0,8-10-5579 0 0</inkml:trace>
+</inkml:ink>
+</file>
+
+<file path=ppt/ink/ink223.xml><?xml version="1.0" encoding="utf-8"?>
+<inkml:ink xmlns:inkml="http://www.w3.org/2003/InkML">
+  <inkml:definitions>
+    <inkml:context xml:id="ctx0">
+      <inkml:inkSource xml:id="inkSrc0">
+        <inkml:traceFormat>
+          <inkml:channel name="X" type="integer" min="-2.14748E9" max="2.14748E9" units="cm"/>
+          <inkml:channel name="Y" type="integer" min="-2.14748E9" max="2.14748E9" units="cm"/>
+          <inkml:channel name="F" type="integer" max="32767" units="dev"/>
+          <inkml:channel name="OA" type="integer" max="360" units="deg"/>
+          <inkml:channel name="OE" type="integer" max="90" units="deg"/>
+        </inkml:traceFormat>
+        <inkml:channelProperties>
+          <inkml:channelProperty channel="X" name="resolution" value="1000" units="1/cm"/>
+          <inkml:channelProperty channel="Y" name="resolution" value="1000" units="1/cm"/>
+          <inkml:channelProperty channel="F" name="resolution" value="0" units="1/dev"/>
+          <inkml:channelProperty channel="OA" name="resolution" value="1000" units="1/deg"/>
+          <inkml:channelProperty channel="OE" name="resolution" value="1000" units="1/deg"/>
+        </inkml:channelProperties>
+      </inkml:inkSource>
       <inkml:timestamp xml:id="ts0" timeString="2023-12-11T13:53:15.516"/>
     </inkml:context>
     <inkml:brush xml:id="br0">
@@ -4670,7 +4754,7 @@
 </inkml:ink>
 </file>
 
-<file path=ppt/ink/ink221.xml><?xml version="1.0" encoding="utf-8"?>
+<file path=ppt/ink/ink224.xml><?xml version="1.0" encoding="utf-8"?>
 <inkml:ink xmlns:inkml="http://www.w3.org/2003/InkML">
   <inkml:definitions>
     <inkml:context xml:id="ctx0">
@@ -4702,7 +4786,7 @@
 </inkml:ink>
 </file>
 
-<file path=ppt/ink/ink222.xml><?xml version="1.0" encoding="utf-8"?>
+<file path=ppt/ink/ink225.xml><?xml version="1.0" encoding="utf-8"?>
 <inkml:ink xmlns:inkml="http://www.w3.org/2003/InkML">
   <inkml:definitions>
     <inkml:context xml:id="ctx0">
@@ -4735,7 +4819,7 @@
 </inkml:ink>
 </file>
 
-<file path=ppt/ink/ink223.xml><?xml version="1.0" encoding="utf-8"?>
+<file path=ppt/ink/ink226.xml><?xml version="1.0" encoding="utf-8"?>
 <inkml:ink xmlns:inkml="http://www.w3.org/2003/InkML">
   <inkml:definitions>
     <inkml:context xml:id="ctx0">
@@ -4767,7 +4851,7 @@
 </inkml:ink>
 </file>
 
-<file path=ppt/ink/ink224.xml><?xml version="1.0" encoding="utf-8"?>
+<file path=ppt/ink/ink227.xml><?xml version="1.0" encoding="utf-8"?>
 <inkml:ink xmlns:inkml="http://www.w3.org/2003/InkML">
   <inkml:definitions>
     <inkml:context xml:id="ctx0">
@@ -4799,7 +4883,7 @@
 </inkml:ink>
 </file>
 
-<file path=ppt/ink/ink225.xml><?xml version="1.0" encoding="utf-8"?>
+<file path=ppt/ink/ink228.xml><?xml version="1.0" encoding="utf-8"?>
 <inkml:ink xmlns:inkml="http://www.w3.org/2003/InkML">
   <inkml:definitions>
     <inkml:context xml:id="ctx0">
@@ -4831,7 +4915,7 @@
 </inkml:ink>
 </file>
 
-<file path=ppt/ink/ink226.xml><?xml version="1.0" encoding="utf-8"?>
+<file path=ppt/ink/ink229.xml><?xml version="1.0" encoding="utf-8"?>
 <inkml:ink xmlns:inkml="http://www.w3.org/2003/InkML">
   <inkml:definitions>
     <inkml:context xml:id="ctx0">
@@ -4860,103 +4944,6 @@
     </inkml:brush>
   </inkml:definitions>
   <inkml:trace contextRef="#ctx0" brushRef="#br0">0 1 2159 0 0,'12'24'871'0'0,"-2"0"-1"0"0,-1 2 1 0 0,0-1 0 0 0,8 51-1 0 0,-11-49 479 0 0,8 39 2509 0 0,-4 0 1 0 0,3 76 0 0 0,-13-129-3622 0 0,0 0 0 0 0,-1 1 1 0 0,-4 18-1 0 0,4-30-453 0 0</inkml:trace>
-</inkml:ink>
-</file>
-
-<file path=ppt/ink/ink227.xml><?xml version="1.0" encoding="utf-8"?>
-<inkml:ink xmlns:inkml="http://www.w3.org/2003/InkML">
-  <inkml:definitions>
-    <inkml:context xml:id="ctx0">
-      <inkml:inkSource xml:id="inkSrc0">
-        <inkml:traceFormat>
-          <inkml:channel name="X" type="integer" min="-2.14748E9" max="2.14748E9" units="cm"/>
-          <inkml:channel name="Y" type="integer" min="-2.14748E9" max="2.14748E9" units="cm"/>
-          <inkml:channel name="F" type="integer" max="32767" units="dev"/>
-          <inkml:channel name="OA" type="integer" max="360" units="deg"/>
-          <inkml:channel name="OE" type="integer" max="90" units="deg"/>
-        </inkml:traceFormat>
-        <inkml:channelProperties>
-          <inkml:channelProperty channel="X" name="resolution" value="1000" units="1/cm"/>
-          <inkml:channelProperty channel="Y" name="resolution" value="1000" units="1/cm"/>
-          <inkml:channelProperty channel="F" name="resolution" value="0" units="1/dev"/>
-          <inkml:channelProperty channel="OA" name="resolution" value="1000" units="1/deg"/>
-          <inkml:channelProperty channel="OE" name="resolution" value="1000" units="1/deg"/>
-        </inkml:channelProperties>
-      </inkml:inkSource>
-      <inkml:timestamp xml:id="ts0" timeString="2023-12-11T13:53:18.522"/>
-    </inkml:context>
-    <inkml:brush xml:id="br0">
-      <inkml:brushProperty name="width" value="0.1" units="cm"/>
-      <inkml:brushProperty name="height" value="0.1" units="cm"/>
-      <inkml:brushProperty name="color" value="#004F8B"/>
-    </inkml:brush>
-  </inkml:definitions>
-  <inkml:trace contextRef="#ctx0" brushRef="#br0">1 6 6191 0 0,'1'1'472'0'0,"16"18"1670"0"0,-12-15-1707 0 0,0 0 0 0 0,0 0 0 0 0,0-1 0 0 0,0 0 0 0 0,1 0 0 0 0,-1 0 0 0 0,1 0 1 0 0,11 3-1 0 0,-15-6-235 0 0,1 0-68 0 0,8-1-376 0 0,0 0 1 0 0,-1 0-1 0 0,1-1 1 0 0,11-4-1 0 0,21-10-4353 0 0,-27 8 1446 0 0</inkml:trace>
-  <inkml:trace contextRef="#ctx0" brushRef="#br0" timeOffset="1">329 1 2847 0 0,'-10'14'189'0'0,"0"1"-1"0"0,1 0 1 0 0,-8 19-1 0 0,4-7 598 0 0,-31 47 2656 0 0,-53 71 0 0 0,62-94-428 0 0,53-59-3300 0 0,28-23 200 0 0,-22 14 103 0 0,1 1-1 0 0,51-24 1 0 0,-65 37 74 0 0,-9 2 140 0 0,0 1 51 0 0,-1 0-187 0 0,0 0 0 0 0,0 0-1 0 0,0 0 1 0 0,0 1-1 0 0,0-1 1 0 0,0 0 0 0 0,0 0-1 0 0,0 1 1 0 0,0-1-1 0 0,0 1 1 0 0,0-1 0 0 0,0 1-1 0 0,0-1 1 0 0,0 1 0 0 0,0-1-1 0 0,0 1 1 0 0,-1 0-1 0 0,1 0 1 0 0,0-1 0 0 0,-1 1-1 0 0,1 0 1 0 0,0 0 0 0 0,0 1-1 0 0,0 0 56 0 0,0 0 1 0 0,0 0-1 0 0,-1 0 0 0 0,1 0 0 0 0,-1 1 1 0 0,1-1-1 0 0,-1 0 0 0 0,0 0 0 0 0,0 0 1 0 0,0 0-1 0 0,0 0 0 0 0,0 3 0 0 0,-4 13 548 0 0,0-1 0 0 0,-1 1-1 0 0,-12 26 1 0 0,17-43-593 0 0,-3 4 133 0 0</inkml:trace>
-</inkml:ink>
-</file>
-
-<file path=ppt/ink/ink228.xml><?xml version="1.0" encoding="utf-8"?>
-<inkml:ink xmlns:inkml="http://www.w3.org/2003/InkML">
-  <inkml:definitions>
-    <inkml:context xml:id="ctx0">
-      <inkml:inkSource xml:id="inkSrc0">
-        <inkml:traceFormat>
-          <inkml:channel name="X" type="integer" min="-2.14748E9" max="2.14748E9" units="cm"/>
-          <inkml:channel name="Y" type="integer" min="-2.14748E9" max="2.14748E9" units="cm"/>
-          <inkml:channel name="F" type="integer" max="32767" units="dev"/>
-          <inkml:channel name="OA" type="integer" max="360" units="deg"/>
-          <inkml:channel name="OE" type="integer" max="90" units="deg"/>
-        </inkml:traceFormat>
-        <inkml:channelProperties>
-          <inkml:channelProperty channel="X" name="resolution" value="1000" units="1/cm"/>
-          <inkml:channelProperty channel="Y" name="resolution" value="1000" units="1/cm"/>
-          <inkml:channelProperty channel="F" name="resolution" value="0" units="1/dev"/>
-          <inkml:channelProperty channel="OA" name="resolution" value="1000" units="1/deg"/>
-          <inkml:channelProperty channel="OE" name="resolution" value="1000" units="1/deg"/>
-        </inkml:channelProperties>
-      </inkml:inkSource>
-      <inkml:timestamp xml:id="ts0" timeString="2023-12-11T13:53:19.074"/>
-    </inkml:context>
-    <inkml:brush xml:id="br0">
-      <inkml:brushProperty name="width" value="0.1" units="cm"/>
-      <inkml:brushProperty name="height" value="0.1" units="cm"/>
-      <inkml:brushProperty name="color" value="#004F8B"/>
-    </inkml:brush>
-  </inkml:definitions>
-  <inkml:trace contextRef="#ctx0" brushRef="#br0">33 0 4143 0 0,'-6'21'-7'0'0,"-2"3"859"0"0,-8 50 1 0 0,15-66-649 0 0,0 0 1 0 0,1 0 0 0 0,0 1-1 0 0,0-1 1 0 0,1 0-1 0 0,0 0 1 0 0,0 0 0 0 0,1 0-1 0 0,0-1 1 0 0,5 12-1 0 0,28 74 1258 0 0,-14-42 43 0 0,-14-31-188 0 0,1 0 0 0 0,13 20 1488 0 0,-12-45-1833 0 0,-5 2-841 0 0,-1 0 1 0 0,0 0-1 0 0,0-1 1 0 0,0 1-1 0 0,0-1 1 0 0,-1 1-1 0 0,1-1 1 0 0,2-6-1 0 0,13-35 565 0 0,-15 38-565 0 0,72-175 543 0 0,-57 140-508 0 0,38-67-1239 0 0,-55 108 585 0 0,-6 25-9359 0 0,1-12 9116 0 0,-4 12-204 0 0,4 3 1110 0 0,1 1 1 0 0,0 0 0 0 0,3 0-1 0 0,0 0 1 0 0,5 28-1 0 0,29 140 5355 0 0,-9-68-2129 0 0,6 70 2219 0 0,7 303 1 0 0,-59 47-3183 0 0,19-521-2395 0 0,1 0-1 0 0,3 27 0 0 0,-1-44-598 0 0,0-1 0 0 0,1 1 0 0 0,5 13-1 0 0,-5-17-666 0 0,0-1 0 0 0,1 1 0 0 0,0-1 0 0 0,0 0 0 0 0,0 0 0 0 0,7 8 0 0 0</inkml:trace>
-</inkml:ink>
-</file>
-
-<file path=ppt/ink/ink229.xml><?xml version="1.0" encoding="utf-8"?>
-<inkml:ink xmlns:inkml="http://www.w3.org/2003/InkML">
-  <inkml:definitions>
-    <inkml:context xml:id="ctx0">
-      <inkml:inkSource xml:id="inkSrc0">
-        <inkml:traceFormat>
-          <inkml:channel name="X" type="integer" min="-2.14748E9" max="2.14748E9" units="cm"/>
-          <inkml:channel name="Y" type="integer" min="-2.14748E9" max="2.14748E9" units="cm"/>
-          <inkml:channel name="F" type="integer" max="32767" units="dev"/>
-          <inkml:channel name="OA" type="integer" max="360" units="deg"/>
-          <inkml:channel name="OE" type="integer" max="90" units="deg"/>
-        </inkml:traceFormat>
-        <inkml:channelProperties>
-          <inkml:channelProperty channel="X" name="resolution" value="1000" units="1/cm"/>
-          <inkml:channelProperty channel="Y" name="resolution" value="1000" units="1/cm"/>
-          <inkml:channelProperty channel="F" name="resolution" value="0" units="1/dev"/>
-          <inkml:channelProperty channel="OA" name="resolution" value="1000" units="1/deg"/>
-          <inkml:channelProperty channel="OE" name="resolution" value="1000" units="1/deg"/>
-        </inkml:channelProperties>
-      </inkml:inkSource>
-      <inkml:timestamp xml:id="ts0" timeString="2023-12-11T13:54:02.847"/>
-    </inkml:context>
-    <inkml:brush xml:id="br0">
-      <inkml:brushProperty name="width" value="0.1" units="cm"/>
-      <inkml:brushProperty name="height" value="0.1" units="cm"/>
-      <inkml:brushProperty name="color" value="#004F8B"/>
-    </inkml:brush>
-  </inkml:definitions>
-  <inkml:trace contextRef="#ctx0" brushRef="#br0">59 1 3311 0 0,'-58'91'288'0'0</inkml:trace>
 </inkml:ink>
 </file>
 
@@ -5012,6 +4999,103 @@
           <inkml:channelProperty channel="OE" name="resolution" value="1000" units="1/deg"/>
         </inkml:channelProperties>
       </inkml:inkSource>
+      <inkml:timestamp xml:id="ts0" timeString="2023-12-11T13:53:18.522"/>
+    </inkml:context>
+    <inkml:brush xml:id="br0">
+      <inkml:brushProperty name="width" value="0.1" units="cm"/>
+      <inkml:brushProperty name="height" value="0.1" units="cm"/>
+      <inkml:brushProperty name="color" value="#004F8B"/>
+    </inkml:brush>
+  </inkml:definitions>
+  <inkml:trace contextRef="#ctx0" brushRef="#br0">1 6 6191 0 0,'1'1'472'0'0,"16"18"1670"0"0,-12-15-1707 0 0,0 0 0 0 0,0 0 0 0 0,0-1 0 0 0,0 0 0 0 0,1 0 0 0 0,-1 0 0 0 0,1 0 1 0 0,11 3-1 0 0,-15-6-235 0 0,1 0-68 0 0,8-1-376 0 0,0 0 1 0 0,-1 0-1 0 0,1-1 1 0 0,11-4-1 0 0,21-10-4353 0 0,-27 8 1446 0 0</inkml:trace>
+  <inkml:trace contextRef="#ctx0" brushRef="#br0" timeOffset="1">329 1 2847 0 0,'-10'14'189'0'0,"0"1"-1"0"0,1 0 1 0 0,-8 19-1 0 0,4-7 598 0 0,-31 47 2656 0 0,-53 71 0 0 0,62-94-428 0 0,53-59-3300 0 0,28-23 200 0 0,-22 14 103 0 0,1 1-1 0 0,51-24 1 0 0,-65 37 74 0 0,-9 2 140 0 0,0 1 51 0 0,-1 0-187 0 0,0 0 0 0 0,0 0-1 0 0,0 0 1 0 0,0 1-1 0 0,0-1 1 0 0,0 0 0 0 0,0 0-1 0 0,0 1 1 0 0,0-1-1 0 0,0 1 1 0 0,0-1 0 0 0,0 1-1 0 0,0-1 1 0 0,0 1 0 0 0,0-1-1 0 0,0 1 1 0 0,-1 0-1 0 0,1 0 1 0 0,0-1 0 0 0,-1 1-1 0 0,1 0 1 0 0,0 0 0 0 0,0 1-1 0 0,0 0 56 0 0,0 0 1 0 0,0 0-1 0 0,-1 0 0 0 0,1 0 0 0 0,-1 1 1 0 0,1-1-1 0 0,-1 0 0 0 0,0 0 0 0 0,0 0 1 0 0,0 0-1 0 0,0 0 0 0 0,0 3 0 0 0,-4 13 548 0 0,0-1 0 0 0,-1 1-1 0 0,-12 26 1 0 0,17-43-593 0 0,-3 4 133 0 0</inkml:trace>
+</inkml:ink>
+</file>
+
+<file path=ppt/ink/ink231.xml><?xml version="1.0" encoding="utf-8"?>
+<inkml:ink xmlns:inkml="http://www.w3.org/2003/InkML">
+  <inkml:definitions>
+    <inkml:context xml:id="ctx0">
+      <inkml:inkSource xml:id="inkSrc0">
+        <inkml:traceFormat>
+          <inkml:channel name="X" type="integer" min="-2.14748E9" max="2.14748E9" units="cm"/>
+          <inkml:channel name="Y" type="integer" min="-2.14748E9" max="2.14748E9" units="cm"/>
+          <inkml:channel name="F" type="integer" max="32767" units="dev"/>
+          <inkml:channel name="OA" type="integer" max="360" units="deg"/>
+          <inkml:channel name="OE" type="integer" max="90" units="deg"/>
+        </inkml:traceFormat>
+        <inkml:channelProperties>
+          <inkml:channelProperty channel="X" name="resolution" value="1000" units="1/cm"/>
+          <inkml:channelProperty channel="Y" name="resolution" value="1000" units="1/cm"/>
+          <inkml:channelProperty channel="F" name="resolution" value="0" units="1/dev"/>
+          <inkml:channelProperty channel="OA" name="resolution" value="1000" units="1/deg"/>
+          <inkml:channelProperty channel="OE" name="resolution" value="1000" units="1/deg"/>
+        </inkml:channelProperties>
+      </inkml:inkSource>
+      <inkml:timestamp xml:id="ts0" timeString="2023-12-11T13:53:19.074"/>
+    </inkml:context>
+    <inkml:brush xml:id="br0">
+      <inkml:brushProperty name="width" value="0.1" units="cm"/>
+      <inkml:brushProperty name="height" value="0.1" units="cm"/>
+      <inkml:brushProperty name="color" value="#004F8B"/>
+    </inkml:brush>
+  </inkml:definitions>
+  <inkml:trace contextRef="#ctx0" brushRef="#br0">33 0 4143 0 0,'-6'21'-7'0'0,"-2"3"859"0"0,-8 50 1 0 0,15-66-649 0 0,0 0 1 0 0,1 0 0 0 0,0 1-1 0 0,0-1 1 0 0,1 0-1 0 0,0 0 1 0 0,0 0 0 0 0,1 0-1 0 0,0-1 1 0 0,5 12-1 0 0,28 74 1258 0 0,-14-42 43 0 0,-14-31-188 0 0,1 0 0 0 0,13 20 1488 0 0,-12-45-1833 0 0,-5 2-841 0 0,-1 0 1 0 0,0 0-1 0 0,0-1 1 0 0,0 1-1 0 0,0-1 1 0 0,-1 1-1 0 0,1-1 1 0 0,2-6-1 0 0,13-35 565 0 0,-15 38-565 0 0,72-175 543 0 0,-57 140-508 0 0,38-67-1239 0 0,-55 108 585 0 0,-6 25-9359 0 0,1-12 9116 0 0,-4 12-204 0 0,4 3 1110 0 0,1 1 1 0 0,0 0 0 0 0,3 0-1 0 0,0 0 1 0 0,5 28-1 0 0,29 140 5355 0 0,-9-68-2129 0 0,6 70 2219 0 0,7 303 1 0 0,-59 47-3183 0 0,19-521-2395 0 0,1 0-1 0 0,3 27 0 0 0,-1-44-598 0 0,0-1 0 0 0,1 1 0 0 0,5 13-1 0 0,-5-17-666 0 0,0-1 0 0 0,1 1 0 0 0,0-1 0 0 0,0 0 0 0 0,0 0 0 0 0,7 8 0 0 0</inkml:trace>
+</inkml:ink>
+</file>
+
+<file path=ppt/ink/ink232.xml><?xml version="1.0" encoding="utf-8"?>
+<inkml:ink xmlns:inkml="http://www.w3.org/2003/InkML">
+  <inkml:definitions>
+    <inkml:context xml:id="ctx0">
+      <inkml:inkSource xml:id="inkSrc0">
+        <inkml:traceFormat>
+          <inkml:channel name="X" type="integer" min="-2.14748E9" max="2.14748E9" units="cm"/>
+          <inkml:channel name="Y" type="integer" min="-2.14748E9" max="2.14748E9" units="cm"/>
+          <inkml:channel name="F" type="integer" max="32767" units="dev"/>
+          <inkml:channel name="OA" type="integer" max="360" units="deg"/>
+          <inkml:channel name="OE" type="integer" max="90" units="deg"/>
+        </inkml:traceFormat>
+        <inkml:channelProperties>
+          <inkml:channelProperty channel="X" name="resolution" value="1000" units="1/cm"/>
+          <inkml:channelProperty channel="Y" name="resolution" value="1000" units="1/cm"/>
+          <inkml:channelProperty channel="F" name="resolution" value="0" units="1/dev"/>
+          <inkml:channelProperty channel="OA" name="resolution" value="1000" units="1/deg"/>
+          <inkml:channelProperty channel="OE" name="resolution" value="1000" units="1/deg"/>
+        </inkml:channelProperties>
+      </inkml:inkSource>
+      <inkml:timestamp xml:id="ts0" timeString="2023-12-11T13:54:02.847"/>
+    </inkml:context>
+    <inkml:brush xml:id="br0">
+      <inkml:brushProperty name="width" value="0.1" units="cm"/>
+      <inkml:brushProperty name="height" value="0.1" units="cm"/>
+      <inkml:brushProperty name="color" value="#004F8B"/>
+    </inkml:brush>
+  </inkml:definitions>
+  <inkml:trace contextRef="#ctx0" brushRef="#br0">59 1 3311 0 0,'-58'91'288'0'0</inkml:trace>
+</inkml:ink>
+</file>
+
+<file path=ppt/ink/ink233.xml><?xml version="1.0" encoding="utf-8"?>
+<inkml:ink xmlns:inkml="http://www.w3.org/2003/InkML">
+  <inkml:definitions>
+    <inkml:context xml:id="ctx0">
+      <inkml:inkSource xml:id="inkSrc0">
+        <inkml:traceFormat>
+          <inkml:channel name="X" type="integer" min="-2.14748E9" max="2.14748E9" units="cm"/>
+          <inkml:channel name="Y" type="integer" min="-2.14748E9" max="2.14748E9" units="cm"/>
+          <inkml:channel name="F" type="integer" max="32767" units="dev"/>
+          <inkml:channel name="OA" type="integer" max="360" units="deg"/>
+          <inkml:channel name="OE" type="integer" max="90" units="deg"/>
+        </inkml:traceFormat>
+        <inkml:channelProperties>
+          <inkml:channelProperty channel="X" name="resolution" value="1000" units="1/cm"/>
+          <inkml:channelProperty channel="Y" name="resolution" value="1000" units="1/cm"/>
+          <inkml:channelProperty channel="F" name="resolution" value="0" units="1/dev"/>
+          <inkml:channelProperty channel="OA" name="resolution" value="1000" units="1/deg"/>
+          <inkml:channelProperty channel="OE" name="resolution" value="1000" units="1/deg"/>
+        </inkml:channelProperties>
+      </inkml:inkSource>
       <inkml:timestamp xml:id="ts0" timeString="2023-12-11T13:54:03.733"/>
     </inkml:context>
     <inkml:brush xml:id="br0">
@@ -5024,7 +5108,7 @@
 </inkml:ink>
 </file>
 
-<file path=ppt/ink/ink231.xml><?xml version="1.0" encoding="utf-8"?>
+<file path=ppt/ink/ink234.xml><?xml version="1.0" encoding="utf-8"?>
 <inkml:ink xmlns:inkml="http://www.w3.org/2003/InkML">
   <inkml:definitions>
     <inkml:context xml:id="ctx0">
@@ -5053,6 +5137,90 @@
     </inkml:brush>
   </inkml:definitions>
   <inkml:trace contextRef="#ctx0" brushRef="#br0">3692 1 2383 0 0,'-332'12'266'0'0,"182"-3"646"0"0,-383 46 4760 0 0,427-38-4238 0 0,0 5 0 0 0,-120 41 0 0 0,67-7 330 0 0,-277 141 0 0 0,386-171-1531 0 0,-215 121 728 0 0,12 19-236 0 0,103-47-498 0 0,-90 64 51 0 0,118-104 105 0 0,-163 120 1017 0 0,268-184-1205 0 0,1 1 0 0 0,0 0 0 0 0,2 2 0 0 0,-18 24 1 0 0,-42 80 940 0 0,58-93-851 0 0,3-6 144 0 0,0 0-1 0 0,2 1 1 0 0,1 1-1 0 0,-14 47 1 0 0,17-41-7 0 0,1 1 1 0 0,-3 63-1 0 0,8-80-363 0 0,2-1 1 0 0,0 0-1 0 0,1 0 1 0 0,0 0-1 0 0,1 0 0 0 0,1 0 1 0 0,0 0-1 0 0,1-1 1 0 0,7 16-1 0 0,1-4-34 0 0,1-2 1 0 0,1 1-1 0 0,1-2 1 0 0,1 0-1 0 0,22 21 1 0 0,-24-28-17 0 0,1-1 0 0 0,1 0 1 0 0,0-2-1 0 0,0 0 1 0 0,1 0-1 0 0,1-2 1 0 0,22 10-1 0 0,123 33 59 0 0,-91-31-47 0 0,240 58 118 0 0,4-19 18 0 0,-155-32 66 0 0,139 23 358 0 0,36 6 179 0 0,849 107 1607 0 0,-414-136-2033 0 0,-538-34-225 0 0,300-46 0 0 0,-174-24-109 0 0,-172 32 0 0 0,120-39 0 0 0,-304 81 0 0 0,218-79 0 0 0,-153 52 0 0 0,74-42 0 0 0,39-44 0 0 0,-154 93 0 0 0,0-2 0 0 0,-2 0 0 0 0,-1-1 0 0 0,24-31 0 0 0,-15 17 0 0 0,56-50 0 0 0,11-11 0 0 0,-95 93 0 0 0,-1-1 0 0 0,0 1 0 0 0,0-1 0 0 0,-1 0 0 0 0,0 0 0 0 0,7-15 0 0 0,-10 19 0 0 0,0-1 0 0 0,0 0 0 0 0,0 0 0 0 0,-1 1 0 0 0,1-1 0 0 0,-1 0 0 0 0,0 0 0 0 0,0 0 0 0 0,0 0 0 0 0,0 0 0 0 0,-1 1 0 0 0,0-1 0 0 0,0 0 0 0 0,0 0 0 0 0,0 1 0 0 0,-3-7 0 0 0,-15-25 0 0 0,-2 0 0 0 0,-2 2 0 0 0,-1 0 0 0 0,-1 2 0 0 0,-2 1 0 0 0,-34-31 0 0 0,25 29 0 0 0,-2 1 0 0 0,-61-37 0 0 0,-91-42 0 0 0,187 109 0 0 0,-376-185 0 0 0,0 1 0 0 0,-153-81 0 0 0,31 74 0 0 0,245 98 0 0 0,139 50 0 0 0,-250-92 0 0 0,-7 20 0 0 0,186 69 0 0 0,-223-26 0 0 0,309 64 29 0 0,-118 4 0 0 0,-103 22-318 0 0,-153 30-2770 0 0,164 2-6307 0 0,176-21 670 0 0</inkml:trace>
+</inkml:ink>
+</file>
+
+<file path=ppt/ink/ink235.xml><?xml version="1.0" encoding="utf-8"?>
+<inkml:ink xmlns:inkml="http://www.w3.org/2003/InkML">
+  <inkml:definitions>
+    <inkml:context xml:id="ctx0">
+      <inkml:inkSource xml:id="inkSrc0">
+        <inkml:traceFormat>
+          <inkml:channel name="X" type="integer" min="-2.14748E9" max="2.14748E9" units="cm"/>
+          <inkml:channel name="Y" type="integer" min="-2.14748E9" max="2.14748E9" units="cm"/>
+          <inkml:channel name="F" type="integer" max="32767" units="dev"/>
+        </inkml:traceFormat>
+        <inkml:channelProperties>
+          <inkml:channelProperty channel="X" name="resolution" value="1000" units="1/cm"/>
+          <inkml:channelProperty channel="Y" name="resolution" value="1000" units="1/cm"/>
+          <inkml:channelProperty channel="F" name="resolution" value="0" units="1/dev"/>
+        </inkml:channelProperties>
+      </inkml:inkSource>
+      <inkml:timestamp xml:id="ts0" timeString="2024-05-05T19:01:47.840"/>
+    </inkml:context>
+    <inkml:brush xml:id="br0">
+      <inkml:brushProperty name="width" value="0.1" units="cm"/>
+      <inkml:brushProperty name="height" value="0.1" units="cm"/>
+      <inkml:brushProperty name="color" value="#008C3A"/>
+    </inkml:brush>
+  </inkml:definitions>
+  <inkml:trace contextRef="#ctx0" brushRef="#br0">1 142 24575,'384'0'0,"-352"2"0,1 1 0,-1 2 0,37 10 0,55 9 0,-59-15 0,40 2 0,0-2 0,11 0 0,3 0 0,2 0 0,21-9 0,188 9 0,-137-3 0,-55-4 0,-43 6 0,24 1 0,2175-8 0,-1089-2 0,-832 1 0,-360 0 0,0 2 0,24 5 0,-24-4 0,1-1 0,17 2 0,427-3 0,-223-3 0,1127 2 0,-1338-1 0,-1-2 0,0 0 0,0-2 0,0-1 0,0-1 0,34-14 0,-26 8 0,0 1 0,1 2 0,0 1 0,45-6 0,-43 9 0,39-13 0,-24 6 0,-25 8 0,-1 2 0,33-1 0,-20 1 0,21-5 0,-36 5 0,30-2 0,550 3 0,-293 4 0,265-2 0,-542-2 0,36-5 0,-36 2 0,40 0 0,-55 4 0,0-1 0,0 0 0,-1-1 0,1-1 0,22-9 0,-21 7 0,-1 1 0,1 0 0,1 1 0,22-1 0,24-6 0,-23 4 0,79-12 0,-73 12 0,-29 3 0,1 2 0,19-1 0,711 4 0,-731-1 0,0 2 0,18 4 0,31 3 0,-47-8 0,29 7 0,-29-5 0,30 3 0,93 11 0,-17-9 0,56 1 0,-135-9 0,73 10 0,-47-3 0,139-5 0,-102-4 0,815 2 0,-887-1 0,42-9 0,-19 3 0,-7-1 0,-29 4 0,39-1 0,-42 4 0,35-7 0,-35 5 0,36-3 0,-31 6 0,1-1 0,38-8 0,-38 5 0,42-1 0,-41 4 0,36-6 0,-40 3 0,1 2 0,0 0 0,0 2 0,34 3 0,101 22 0,-10-2 0,370 36-2504,308-4 341,-666-47 1995,-14-1 94,828 23-1394,716-30-924,-1238 17 1053,-68 0 477,312 0 862,116 0 0,-359 3-231,-118-4-61,-172-10 177,329 7 243,-165-5 959,20 0 920,-257-6-86,25-1-2022,-40-5 2823,-77 4-2686,0 1 1,0-1-1,0 0 1,0 0-1,0 0 1,0 0-1,0 0 1,0-1-1,0 1 1,0 0-1,0 0 1,0-1-1,0 1 1,0-1-1,0 1 0,0-1 1,0 1-1,-1-1 1,1 1-1,0-1 1,0 0-1,0 1 1,1-3-1,-3 2 29,1 0-1,0 1 1,0-1-1,-1 0 1,1 0 0,-1 0-1,1 0 1,-1 0-1,1 1 1,-1-1-1,0 0 1,1 0-1,-1 1 1,0-1-1,1 1 1,-1-1 0,0 0-1,0 1 1,-1-1-1,-9-6 496,0 1-1,-18-7 0,-71-19-508,64 21-1467,1 0-5410</inkml:trace>
+</inkml:ink>
+</file>
+
+<file path=ppt/ink/ink236.xml><?xml version="1.0" encoding="utf-8"?>
+<inkml:ink xmlns:inkml="http://www.w3.org/2003/InkML">
+  <inkml:definitions>
+    <inkml:context xml:id="ctx0">
+      <inkml:inkSource xml:id="inkSrc0">
+        <inkml:traceFormat>
+          <inkml:channel name="X" type="integer" min="-2.14748E9" max="2.14748E9" units="cm"/>
+          <inkml:channel name="Y" type="integer" min="-2.14748E9" max="2.14748E9" units="cm"/>
+          <inkml:channel name="F" type="integer" max="32767" units="dev"/>
+        </inkml:traceFormat>
+        <inkml:channelProperties>
+          <inkml:channelProperty channel="X" name="resolution" value="1000" units="1/cm"/>
+          <inkml:channelProperty channel="Y" name="resolution" value="1000" units="1/cm"/>
+          <inkml:channelProperty channel="F" name="resolution" value="0" units="1/dev"/>
+        </inkml:channelProperties>
+      </inkml:inkSource>
+      <inkml:timestamp xml:id="ts0" timeString="2024-05-05T19:01:49.445"/>
+    </inkml:context>
+    <inkml:brush xml:id="br0">
+      <inkml:brushProperty name="width" value="0.1" units="cm"/>
+      <inkml:brushProperty name="height" value="0.1" units="cm"/>
+      <inkml:brushProperty name="color" value="#008C3A"/>
+    </inkml:brush>
+  </inkml:definitions>
+  <inkml:trace contextRef="#ctx0" brushRef="#br0">0 524 24575,'1'-2'0,"-1"1"0,0-1 0,1 1 0,-1-1 0,1 1 0,0-1 0,-1 1 0,1 0 0,0-1 0,0 1 0,0 0 0,0 0 0,0 0 0,0-1 0,0 1 0,2-1 0,23-17 0,-19 15 0,7-5 0,1 1 0,0 1 0,0 0 0,27-8 0,68-11 0,-36 9 0,83-16-357,236-20 1,-19 30 356,-202 16 0,159-3 0,48 0 0,-91 1 0,-10 0 0,-169 3 0,216-18 0,146-20-918,-186 19 491,87-16 427,177-15 0,-476 51 0,238-10 0,-97 6-284,4 0-10,2063 10 294,-2106 8-75,4 1 1020,1220-11 821,-1281 10-1766,-7 0 0,103 11 0,-90-5 0,-25 1 0,-68-9 0,0-2 0,48 2 0,-49-6 0,1 2 0,-1 1 0,0 1 0,31 10 0,43 2 0,-84-14 0,36 2 0,-37-4 0,0 0 0,24 6 0,-13-2 0,0-2 0,0-1 0,1-1 0,32-4 0,7 2 0,278 1-1365</inkml:trace>
+</inkml:ink>
+</file>
+
+<file path=ppt/ink/ink237.xml><?xml version="1.0" encoding="utf-8"?>
+<inkml:ink xmlns:inkml="http://www.w3.org/2003/InkML">
+  <inkml:definitions>
+    <inkml:context xml:id="ctx0">
+      <inkml:inkSource xml:id="inkSrc0">
+        <inkml:traceFormat>
+          <inkml:channel name="X" type="integer" min="-2.14748E9" max="2.14748E9" units="cm"/>
+          <inkml:channel name="Y" type="integer" min="-2.14748E9" max="2.14748E9" units="cm"/>
+          <inkml:channel name="F" type="integer" max="32767" units="dev"/>
+        </inkml:traceFormat>
+        <inkml:channelProperties>
+          <inkml:channelProperty channel="X" name="resolution" value="1000" units="1/cm"/>
+          <inkml:channelProperty channel="Y" name="resolution" value="1000" units="1/cm"/>
+          <inkml:channelProperty channel="F" name="resolution" value="0" units="1/dev"/>
+        </inkml:channelProperties>
+      </inkml:inkSource>
+      <inkml:timestamp xml:id="ts0" timeString="2024-05-05T19:01:53.870"/>
+    </inkml:context>
+    <inkml:brush xml:id="br0">
+      <inkml:brushProperty name="width" value="0.1" units="cm"/>
+      <inkml:brushProperty name="height" value="0.1" units="cm"/>
+      <inkml:brushProperty name="color" value="#008C3A"/>
+    </inkml:brush>
+  </inkml:definitions>
+  <inkml:trace contextRef="#ctx0" brushRef="#br0">2262 246 24575,'0'-3'0,"0"0"0,-1 0 0,1 0 0,-1 0 0,0 0 0,0 1 0,0-1 0,0 0 0,-1 0 0,1 1 0,-1-1 0,0 1 0,1 0 0,-1-1 0,0 1 0,0 0 0,-4-3 0,-5-4 0,0 1 0,-19-11 0,6 4 0,3 4 0,1 0 0,-1 1 0,-1 2 0,1 0 0,-2 1 0,-37-6 0,14 2 0,20 6 0,-1 2 0,1 0 0,-49 2 0,43 2 0,0-2 0,-36-5 0,-73-13 0,91 13 0,-22 1 0,-92 5 0,64 2 0,57 0 0,-47 8 0,49-4 0,-3 2 0,-58 17 0,92-22 0,-150 44 0,144-42 0,-52 11 0,36-9 0,-60 20 0,66-19 0,-20 8 0,-35 10 0,73-24 0,0 1 0,0 0 0,1 0 0,-1 0 0,1 1 0,0 0 0,-9 7 0,0 2 0,-22 24 0,20-20 0,-4 5 0,13-15 0,1 0 0,0 1 0,1 0 0,0 0 0,0 0 0,1 1 0,0 0 0,0 1 0,1-1 0,-6 18 0,5-7 0,2 0 0,0 1 0,2-1 0,0 1 0,1 31 0,1-38 0,1 0 0,0 1 0,1-1 0,8 26 0,-8-32 0,1 0 0,0-1 0,1 1 0,0-1 0,0 0 0,1 0 0,0-1 0,0 1 0,11 10 0,21 19 0,-17-16 0,39 31 0,-51-46 0,0 1 0,0-1 0,1-1 0,0 0 0,-1 0 0,2-1 0,-1 0 0,0 0 0,10 1 0,85 18 0,-33-7 0,17 3 0,33 0 0,-74-10 0,-30-4 0,0-2 0,24 2 0,707-5 0,-734 2 0,-1 0 0,23 6 0,-22-4 0,1-1 0,15 1 0,210-2 0,-115-2 0,-112 2 0,0 0 0,24 6 0,-23-4 0,0 0 0,17 0 0,-1-1 0,29 7 0,-9-2 0,-24-2 0,30 8 0,18 4 0,31 0 0,0 0 0,-41-5 0,95 31 0,-104-26 0,67 19 0,-106-32 0,270 57 0,-254-56 0,19 1 0,62 2 0,25 0 0,-2 1 0,-104-7 0,33 5 0,29 1 0,-72-7 0,34 7 0,17 0 0,2 1 0,-53-5 0,37 2 0,888-6 0,-433-1 0,-493 2 0,37 7 0,-37-5 0,36 2 0,-8-4 0,93-3 0,-95-6 0,-34 5 0,1 1 0,16-2 0,8 4 0,3-1 0,58-8 0,37-9 0,-106 14 0,0 1 0,32 1 0,-32 2 0,0-1 0,31-6 0,25-1 0,-57 6 0,30-5 0,-26 2 0,-1 3 0,1 0 0,39 4 0,54-3 0,-39-15 0,0-2 0,-66 14 0,29-10 0,18-3 0,-65 16 0,0 0 0,1 0 0,-1 0 0,0-1 0,0 1 0,1-1 0,-1 0 0,0 0 0,-1 0 0,1 0 0,4-4 0,27-34 0,-9 11 0,-22 26 0,0-1 0,0 0 0,-1-1 0,1 1 0,-1 0 0,0-1 0,0 1 0,2-7 0,-3 6 0,1 0 0,0 0 0,0 0 0,0 1 0,0-1 0,1 1 0,5-7 0,3-3 0,0 1 0,-1-2 0,-1 1 0,-1-1 0,0-1 0,7-19 0,-2-6 0,-9 27 0,0 1 0,1 0 0,11-22 0,-12 26 0,0 0 0,-1-1 0,0 1 0,-1-1 0,0 0 0,0 0 0,-1 0 0,0 1 0,-1-1 0,0 0 0,-1 0 0,0 0 0,-4-17 0,4 23 0,-1 0 0,1 1 0,-1-1 0,0 1 0,0-1 0,0 1 0,-1 0 0,1 0 0,-1 0 0,0 0 0,0 0 0,0 0 0,0 1 0,-5-3 0,-7-5 0,0 2 0,-18-8 0,-1 0 0,15 7 0,0 1 0,-1 1 0,-1 1 0,1 0 0,-35-4 0,21 2 0,0-2 0,-54-22 0,30 9 0,48 20 0,-55-21 0,-1 3 0,-70-13 0,-116-31 0,24 4 0,-204-50 0,406 104 0,12 3 0,-150-40 0,129 37 0,-1 1 0,-61-1 0,55 4 0,-77-14 0,41 5 0,31 3 0,26 5 0,-41-3 0,-30-1 0,-6-1 0,76 8 0,-35-6 0,-17-2 0,-482 8 0,273 2 0,-618-1 0,841 4-288,1 1-1,-112 27 0,103-18 199,-43 5 88,-173 7 0,-114-21-240,274-5 79</inkml:trace>
 </inkml:ink>
 </file>
 
@@ -7805,7 +7973,7 @@
             <a:fld id="{7284CDAC-ACD1-4943-9118-05D26BC373AD}" type="datetimeFigureOut">
               <a:rPr lang="en-CA" smtClean="0"/>
               <a:pPr/>
-              <a:t>2024-05-02</a:t>
+              <a:t>2024-05-05</a:t>
             </a:fld>
             <a:endParaRPr lang="en-CA"/>
           </a:p>
@@ -8466,7 +8634,7 @@
             <a:fld id="{5DF277B3-A994-49DF-A53F-7FC77A8B7443}" type="datetime1">
               <a:rPr lang="en-CA" smtClean="0"/>
               <a:pPr/>
-              <a:t>2024-05-02</a:t>
+              <a:t>2024-05-05</a:t>
             </a:fld>
             <a:endParaRPr lang="en-CA"/>
           </a:p>
@@ -8633,7 +8801,7 @@
             <a:fld id="{82923E8B-C05F-4B82-AA83-B8DEC7D9A80B}" type="datetime1">
               <a:rPr lang="en-CA" smtClean="0"/>
               <a:pPr/>
-              <a:t>2024-05-02</a:t>
+              <a:t>2024-05-05</a:t>
             </a:fld>
             <a:endParaRPr lang="en-CA"/>
           </a:p>
@@ -8810,7 +8978,7 @@
             <a:fld id="{8F56AB48-3A78-4F92-918C-3EF755977BAB}" type="datetime1">
               <a:rPr lang="en-CA" smtClean="0"/>
               <a:pPr/>
-              <a:t>2024-05-02</a:t>
+              <a:t>2024-05-05</a:t>
             </a:fld>
             <a:endParaRPr lang="en-CA"/>
           </a:p>
@@ -8977,7 +9145,7 @@
             <a:fld id="{793AD3A0-7500-4968-9241-392FE010D33B}" type="datetime1">
               <a:rPr lang="en-CA" smtClean="0"/>
               <a:pPr/>
-              <a:t>2024-05-02</a:t>
+              <a:t>2024-05-05</a:t>
             </a:fld>
             <a:endParaRPr lang="en-CA"/>
           </a:p>
@@ -9220,7 +9388,7 @@
             <a:fld id="{ED3E9B63-D6FB-469B-9450-2D1C8B32E384}" type="datetime1">
               <a:rPr lang="en-CA" smtClean="0"/>
               <a:pPr/>
-              <a:t>2024-05-02</a:t>
+              <a:t>2024-05-05</a:t>
             </a:fld>
             <a:endParaRPr lang="en-CA"/>
           </a:p>
@@ -9505,7 +9673,7 @@
             <a:fld id="{B24135C3-4C7E-4CBB-B4CD-0BEC0E5E3741}" type="datetime1">
               <a:rPr lang="en-CA" smtClean="0"/>
               <a:pPr/>
-              <a:t>2024-05-02</a:t>
+              <a:t>2024-05-05</a:t>
             </a:fld>
             <a:endParaRPr lang="en-CA"/>
           </a:p>
@@ -9924,7 +10092,7 @@
             <a:fld id="{79C60421-A1EB-4633-8CE5-90973653AF94}" type="datetime1">
               <a:rPr lang="en-CA" smtClean="0"/>
               <a:pPr/>
-              <a:t>2024-05-02</a:t>
+              <a:t>2024-05-05</a:t>
             </a:fld>
             <a:endParaRPr lang="en-CA"/>
           </a:p>
@@ -10039,7 +10207,7 @@
             <a:fld id="{7B2525DB-2019-4632-8C0A-6E4995E5149C}" type="datetime1">
               <a:rPr lang="en-CA" smtClean="0"/>
               <a:pPr/>
-              <a:t>2024-05-02</a:t>
+              <a:t>2024-05-05</a:t>
             </a:fld>
             <a:endParaRPr lang="en-CA"/>
           </a:p>
@@ -10131,7 +10299,7 @@
             <a:fld id="{EC4E9B2C-431C-4CCD-BFDD-189CF353999F}" type="datetime1">
               <a:rPr lang="en-CA" smtClean="0"/>
               <a:pPr/>
-              <a:t>2024-05-02</a:t>
+              <a:t>2024-05-05</a:t>
             </a:fld>
             <a:endParaRPr lang="en-CA"/>
           </a:p>
@@ -10405,7 +10573,7 @@
             <a:fld id="{E9AD85B9-749B-4E4C-A95F-AE6044FE9757}" type="datetime1">
               <a:rPr lang="en-CA" smtClean="0"/>
               <a:pPr/>
-              <a:t>2024-05-02</a:t>
+              <a:t>2024-05-05</a:t>
             </a:fld>
             <a:endParaRPr lang="en-CA"/>
           </a:p>
@@ -10655,7 +10823,7 @@
             <a:fld id="{4AC9657A-EF48-41A3-91A1-6A555F4FA245}" type="datetime1">
               <a:rPr lang="en-CA" smtClean="0"/>
               <a:pPr/>
-              <a:t>2024-05-02</a:t>
+              <a:t>2024-05-05</a:t>
             </a:fld>
             <a:endParaRPr lang="en-CA"/>
           </a:p>
@@ -10865,7 +11033,7 @@
             <a:fld id="{210BF460-3ECD-417A-ACDC-6D120A1AC9B0}" type="datetime1">
               <a:rPr lang="en-CA" smtClean="0"/>
               <a:pPr/>
-              <a:t>2024-05-02</a:t>
+              <a:t>2024-05-05</a:t>
             </a:fld>
             <a:endParaRPr lang="en-CA"/>
           </a:p>
@@ -12026,8 +12194,8 @@
           </a:p>
         </p:txBody>
       </p:sp>
-      <mc:AlternateContent xmlns:mc="http://schemas.openxmlformats.org/markup-compatibility/2006">
-        <mc:Choice xmlns:p14="http://schemas.microsoft.com/office/powerpoint/2010/main" Requires="p14">
+      <mc:AlternateContent xmlns:mc="http://schemas.openxmlformats.org/markup-compatibility/2006" xmlns:p14="http://schemas.microsoft.com/office/powerpoint/2010/main">
+        <mc:Choice Requires="p14">
           <p:contentPart p14:bwMode="auto" r:id="rId3">
             <p14:nvContentPartPr>
               <p14:cNvPr id="9" name="墨迹 8">
@@ -12046,7 +12214,7 @@
             </p14:xfrm>
           </p:contentPart>
         </mc:Choice>
-        <mc:Fallback>
+        <mc:Fallback xmlns="">
           <p:pic>
             <p:nvPicPr>
               <p:cNvPr id="9" name="墨迹 8">
@@ -12097,8 +12265,8 @@
             <a:chExt cx="1780920" cy="770040"/>
           </a:xfrm>
         </p:grpSpPr>
-        <mc:AlternateContent xmlns:mc="http://schemas.openxmlformats.org/markup-compatibility/2006">
-          <mc:Choice xmlns:p14="http://schemas.microsoft.com/office/powerpoint/2010/main" Requires="p14">
+        <mc:AlternateContent xmlns:mc="http://schemas.openxmlformats.org/markup-compatibility/2006" xmlns:p14="http://schemas.microsoft.com/office/powerpoint/2010/main">
+          <mc:Choice Requires="p14">
             <p:contentPart p14:bwMode="auto" r:id="rId5">
               <p14:nvContentPartPr>
                 <p14:cNvPr id="10" name="墨迹 9">
@@ -12117,7 +12285,7 @@
               </p14:xfrm>
             </p:contentPart>
           </mc:Choice>
-          <mc:Fallback>
+          <mc:Fallback xmlns="">
             <p:pic>
               <p:nvPicPr>
                 <p:cNvPr id="10" name="墨迹 9">
@@ -12148,8 +12316,8 @@
             </p:pic>
           </mc:Fallback>
         </mc:AlternateContent>
-        <mc:AlternateContent xmlns:mc="http://schemas.openxmlformats.org/markup-compatibility/2006">
-          <mc:Choice xmlns:p14="http://schemas.microsoft.com/office/powerpoint/2010/main" Requires="p14">
+        <mc:AlternateContent xmlns:mc="http://schemas.openxmlformats.org/markup-compatibility/2006" xmlns:p14="http://schemas.microsoft.com/office/powerpoint/2010/main">
+          <mc:Choice Requires="p14">
             <p:contentPart p14:bwMode="auto" r:id="rId7">
               <p14:nvContentPartPr>
                 <p14:cNvPr id="11" name="墨迹 10">
@@ -12168,7 +12336,7 @@
               </p14:xfrm>
             </p:contentPart>
           </mc:Choice>
-          <mc:Fallback>
+          <mc:Fallback xmlns="">
             <p:pic>
               <p:nvPicPr>
                 <p:cNvPr id="11" name="墨迹 10">
@@ -12199,8 +12367,8 @@
             </p:pic>
           </mc:Fallback>
         </mc:AlternateContent>
-        <mc:AlternateContent xmlns:mc="http://schemas.openxmlformats.org/markup-compatibility/2006">
-          <mc:Choice xmlns:p14="http://schemas.microsoft.com/office/powerpoint/2010/main" Requires="p14">
+        <mc:AlternateContent xmlns:mc="http://schemas.openxmlformats.org/markup-compatibility/2006" xmlns:p14="http://schemas.microsoft.com/office/powerpoint/2010/main">
+          <mc:Choice Requires="p14">
             <p:contentPart p14:bwMode="auto" r:id="rId9">
               <p14:nvContentPartPr>
                 <p14:cNvPr id="12" name="墨迹 11">
@@ -12219,7 +12387,7 @@
               </p14:xfrm>
             </p:contentPart>
           </mc:Choice>
-          <mc:Fallback>
+          <mc:Fallback xmlns="">
             <p:pic>
               <p:nvPicPr>
                 <p:cNvPr id="12" name="墨迹 11">
@@ -12250,8 +12418,8 @@
             </p:pic>
           </mc:Fallback>
         </mc:AlternateContent>
-        <mc:AlternateContent xmlns:mc="http://schemas.openxmlformats.org/markup-compatibility/2006">
-          <mc:Choice xmlns:p14="http://schemas.microsoft.com/office/powerpoint/2010/main" Requires="p14">
+        <mc:AlternateContent xmlns:mc="http://schemas.openxmlformats.org/markup-compatibility/2006" xmlns:p14="http://schemas.microsoft.com/office/powerpoint/2010/main">
+          <mc:Choice Requires="p14">
             <p:contentPart p14:bwMode="auto" r:id="rId11">
               <p14:nvContentPartPr>
                 <p14:cNvPr id="13" name="墨迹 12">
@@ -12270,7 +12438,7 @@
               </p14:xfrm>
             </p:contentPart>
           </mc:Choice>
-          <mc:Fallback>
+          <mc:Fallback xmlns="">
             <p:pic>
               <p:nvPicPr>
                 <p:cNvPr id="13" name="墨迹 12">
@@ -12301,8 +12469,8 @@
             </p:pic>
           </mc:Fallback>
         </mc:AlternateContent>
-        <mc:AlternateContent xmlns:mc="http://schemas.openxmlformats.org/markup-compatibility/2006">
-          <mc:Choice xmlns:p14="http://schemas.microsoft.com/office/powerpoint/2010/main" Requires="p14">
+        <mc:AlternateContent xmlns:mc="http://schemas.openxmlformats.org/markup-compatibility/2006" xmlns:p14="http://schemas.microsoft.com/office/powerpoint/2010/main">
+          <mc:Choice Requires="p14">
             <p:contentPart p14:bwMode="auto" r:id="rId13">
               <p14:nvContentPartPr>
                 <p14:cNvPr id="14" name="墨迹 13">
@@ -12321,7 +12489,7 @@
               </p14:xfrm>
             </p:contentPart>
           </mc:Choice>
-          <mc:Fallback>
+          <mc:Fallback xmlns="">
             <p:pic>
               <p:nvPicPr>
                 <p:cNvPr id="14" name="墨迹 13">
@@ -12352,8 +12520,8 @@
             </p:pic>
           </mc:Fallback>
         </mc:AlternateContent>
-        <mc:AlternateContent xmlns:mc="http://schemas.openxmlformats.org/markup-compatibility/2006">
-          <mc:Choice xmlns:p14="http://schemas.microsoft.com/office/powerpoint/2010/main" Requires="p14">
+        <mc:AlternateContent xmlns:mc="http://schemas.openxmlformats.org/markup-compatibility/2006" xmlns:p14="http://schemas.microsoft.com/office/powerpoint/2010/main">
+          <mc:Choice Requires="p14">
             <p:contentPart p14:bwMode="auto" r:id="rId15">
               <p14:nvContentPartPr>
                 <p14:cNvPr id="15" name="墨迹 14">
@@ -12372,7 +12540,7 @@
               </p14:xfrm>
             </p:contentPart>
           </mc:Choice>
-          <mc:Fallback>
+          <mc:Fallback xmlns="">
             <p:pic>
               <p:nvPicPr>
                 <p:cNvPr id="15" name="墨迹 14">
@@ -12403,8 +12571,8 @@
             </p:pic>
           </mc:Fallback>
         </mc:AlternateContent>
-        <mc:AlternateContent xmlns:mc="http://schemas.openxmlformats.org/markup-compatibility/2006">
-          <mc:Choice xmlns:p14="http://schemas.microsoft.com/office/powerpoint/2010/main" Requires="p14">
+        <mc:AlternateContent xmlns:mc="http://schemas.openxmlformats.org/markup-compatibility/2006" xmlns:p14="http://schemas.microsoft.com/office/powerpoint/2010/main">
+          <mc:Choice Requires="p14">
             <p:contentPart p14:bwMode="auto" r:id="rId17">
               <p14:nvContentPartPr>
                 <p14:cNvPr id="16" name="墨迹 15">
@@ -12423,7 +12591,7 @@
               </p14:xfrm>
             </p:contentPart>
           </mc:Choice>
-          <mc:Fallback>
+          <mc:Fallback xmlns="">
             <p:pic>
               <p:nvPicPr>
                 <p:cNvPr id="16" name="墨迹 15">
@@ -12454,8 +12622,8 @@
             </p:pic>
           </mc:Fallback>
         </mc:AlternateContent>
-        <mc:AlternateContent xmlns:mc="http://schemas.openxmlformats.org/markup-compatibility/2006">
-          <mc:Choice xmlns:p14="http://schemas.microsoft.com/office/powerpoint/2010/main" Requires="p14">
+        <mc:AlternateContent xmlns:mc="http://schemas.openxmlformats.org/markup-compatibility/2006" xmlns:p14="http://schemas.microsoft.com/office/powerpoint/2010/main">
+          <mc:Choice Requires="p14">
             <p:contentPart p14:bwMode="auto" r:id="rId19">
               <p14:nvContentPartPr>
                 <p14:cNvPr id="17" name="墨迹 16">
@@ -12474,7 +12642,7 @@
               </p14:xfrm>
             </p:contentPart>
           </mc:Choice>
-          <mc:Fallback>
+          <mc:Fallback xmlns="">
             <p:pic>
               <p:nvPicPr>
                 <p:cNvPr id="17" name="墨迹 16">
@@ -12505,8 +12673,8 @@
             </p:pic>
           </mc:Fallback>
         </mc:AlternateContent>
-        <mc:AlternateContent xmlns:mc="http://schemas.openxmlformats.org/markup-compatibility/2006">
-          <mc:Choice xmlns:p14="http://schemas.microsoft.com/office/powerpoint/2010/main" Requires="p14">
+        <mc:AlternateContent xmlns:mc="http://schemas.openxmlformats.org/markup-compatibility/2006" xmlns:p14="http://schemas.microsoft.com/office/powerpoint/2010/main">
+          <mc:Choice Requires="p14">
             <p:contentPart p14:bwMode="auto" r:id="rId21">
               <p14:nvContentPartPr>
                 <p14:cNvPr id="18" name="墨迹 17">
@@ -12525,7 +12693,7 @@
               </p14:xfrm>
             </p:contentPart>
           </mc:Choice>
-          <mc:Fallback>
+          <mc:Fallback xmlns="">
             <p:pic>
               <p:nvPicPr>
                 <p:cNvPr id="18" name="墨迹 17">
@@ -12556,8 +12724,8 @@
             </p:pic>
           </mc:Fallback>
         </mc:AlternateContent>
-        <mc:AlternateContent xmlns:mc="http://schemas.openxmlformats.org/markup-compatibility/2006">
-          <mc:Choice xmlns:p14="http://schemas.microsoft.com/office/powerpoint/2010/main" Requires="p14">
+        <mc:AlternateContent xmlns:mc="http://schemas.openxmlformats.org/markup-compatibility/2006" xmlns:p14="http://schemas.microsoft.com/office/powerpoint/2010/main">
+          <mc:Choice Requires="p14">
             <p:contentPart p14:bwMode="auto" r:id="rId23">
               <p14:nvContentPartPr>
                 <p14:cNvPr id="19" name="墨迹 18">
@@ -12576,7 +12744,7 @@
               </p14:xfrm>
             </p:contentPart>
           </mc:Choice>
-          <mc:Fallback>
+          <mc:Fallback xmlns="">
             <p:pic>
               <p:nvPicPr>
                 <p:cNvPr id="19" name="墨迹 18">
@@ -12607,8 +12775,8 @@
             </p:pic>
           </mc:Fallback>
         </mc:AlternateContent>
-        <mc:AlternateContent xmlns:mc="http://schemas.openxmlformats.org/markup-compatibility/2006">
-          <mc:Choice xmlns:p14="http://schemas.microsoft.com/office/powerpoint/2010/main" Requires="p14">
+        <mc:AlternateContent xmlns:mc="http://schemas.openxmlformats.org/markup-compatibility/2006" xmlns:p14="http://schemas.microsoft.com/office/powerpoint/2010/main">
+          <mc:Choice Requires="p14">
             <p:contentPart p14:bwMode="auto" r:id="rId25">
               <p14:nvContentPartPr>
                 <p14:cNvPr id="20" name="墨迹 19">
@@ -12627,7 +12795,7 @@
               </p14:xfrm>
             </p:contentPart>
           </mc:Choice>
-          <mc:Fallback>
+          <mc:Fallback xmlns="">
             <p:pic>
               <p:nvPicPr>
                 <p:cNvPr id="20" name="墨迹 19">
@@ -12658,8 +12826,8 @@
             </p:pic>
           </mc:Fallback>
         </mc:AlternateContent>
-        <mc:AlternateContent xmlns:mc="http://schemas.openxmlformats.org/markup-compatibility/2006">
-          <mc:Choice xmlns:p14="http://schemas.microsoft.com/office/powerpoint/2010/main" Requires="p14">
+        <mc:AlternateContent xmlns:mc="http://schemas.openxmlformats.org/markup-compatibility/2006" xmlns:p14="http://schemas.microsoft.com/office/powerpoint/2010/main">
+          <mc:Choice Requires="p14">
             <p:contentPart p14:bwMode="auto" r:id="rId27">
               <p14:nvContentPartPr>
                 <p14:cNvPr id="21" name="墨迹 20">
@@ -12678,7 +12846,7 @@
               </p14:xfrm>
             </p:contentPart>
           </mc:Choice>
-          <mc:Fallback>
+          <mc:Fallback xmlns="">
             <p:pic>
               <p:nvPicPr>
                 <p:cNvPr id="21" name="墨迹 20">
@@ -12709,8 +12877,8 @@
             </p:pic>
           </mc:Fallback>
         </mc:AlternateContent>
-        <mc:AlternateContent xmlns:mc="http://schemas.openxmlformats.org/markup-compatibility/2006">
-          <mc:Choice xmlns:p14="http://schemas.microsoft.com/office/powerpoint/2010/main" Requires="p14">
+        <mc:AlternateContent xmlns:mc="http://schemas.openxmlformats.org/markup-compatibility/2006" xmlns:p14="http://schemas.microsoft.com/office/powerpoint/2010/main">
+          <mc:Choice Requires="p14">
             <p:contentPart p14:bwMode="auto" r:id="rId29">
               <p14:nvContentPartPr>
                 <p14:cNvPr id="22" name="墨迹 21">
@@ -12729,7 +12897,7 @@
               </p14:xfrm>
             </p:contentPart>
           </mc:Choice>
-          <mc:Fallback>
+          <mc:Fallback xmlns="">
             <p:pic>
               <p:nvPicPr>
                 <p:cNvPr id="22" name="墨迹 21">
@@ -12760,8 +12928,8 @@
             </p:pic>
           </mc:Fallback>
         </mc:AlternateContent>
-        <mc:AlternateContent xmlns:mc="http://schemas.openxmlformats.org/markup-compatibility/2006">
-          <mc:Choice xmlns:p14="http://schemas.microsoft.com/office/powerpoint/2010/main" Requires="p14">
+        <mc:AlternateContent xmlns:mc="http://schemas.openxmlformats.org/markup-compatibility/2006" xmlns:p14="http://schemas.microsoft.com/office/powerpoint/2010/main">
+          <mc:Choice Requires="p14">
             <p:contentPart p14:bwMode="auto" r:id="rId31">
               <p14:nvContentPartPr>
                 <p14:cNvPr id="23" name="墨迹 22">
@@ -12780,7 +12948,7 @@
               </p14:xfrm>
             </p:contentPart>
           </mc:Choice>
-          <mc:Fallback>
+          <mc:Fallback xmlns="">
             <p:pic>
               <p:nvPicPr>
                 <p:cNvPr id="23" name="墨迹 22">
@@ -12811,8 +12979,8 @@
             </p:pic>
           </mc:Fallback>
         </mc:AlternateContent>
-        <mc:AlternateContent xmlns:mc="http://schemas.openxmlformats.org/markup-compatibility/2006">
-          <mc:Choice xmlns:p14="http://schemas.microsoft.com/office/powerpoint/2010/main" Requires="p14">
+        <mc:AlternateContent xmlns:mc="http://schemas.openxmlformats.org/markup-compatibility/2006" xmlns:p14="http://schemas.microsoft.com/office/powerpoint/2010/main">
+          <mc:Choice Requires="p14">
             <p:contentPart p14:bwMode="auto" r:id="rId33">
               <p14:nvContentPartPr>
                 <p14:cNvPr id="24" name="墨迹 23">
@@ -12831,7 +12999,7 @@
               </p14:xfrm>
             </p:contentPart>
           </mc:Choice>
-          <mc:Fallback>
+          <mc:Fallback xmlns="">
             <p:pic>
               <p:nvPicPr>
                 <p:cNvPr id="24" name="墨迹 23">
@@ -12862,8 +13030,8 @@
             </p:pic>
           </mc:Fallback>
         </mc:AlternateContent>
-        <mc:AlternateContent xmlns:mc="http://schemas.openxmlformats.org/markup-compatibility/2006">
-          <mc:Choice xmlns:p14="http://schemas.microsoft.com/office/powerpoint/2010/main" Requires="p14">
+        <mc:AlternateContent xmlns:mc="http://schemas.openxmlformats.org/markup-compatibility/2006" xmlns:p14="http://schemas.microsoft.com/office/powerpoint/2010/main">
+          <mc:Choice Requires="p14">
             <p:contentPart p14:bwMode="auto" r:id="rId35">
               <p14:nvContentPartPr>
                 <p14:cNvPr id="25" name="墨迹 24">
@@ -12882,7 +13050,7 @@
               </p14:xfrm>
             </p:contentPart>
           </mc:Choice>
-          <mc:Fallback>
+          <mc:Fallback xmlns="">
             <p:pic>
               <p:nvPicPr>
                 <p:cNvPr id="25" name="墨迹 24">
@@ -12934,8 +13102,8 @@
             <a:chExt cx="4233600" cy="1458720"/>
           </a:xfrm>
         </p:grpSpPr>
-        <mc:AlternateContent xmlns:mc="http://schemas.openxmlformats.org/markup-compatibility/2006">
-          <mc:Choice xmlns:p14="http://schemas.microsoft.com/office/powerpoint/2010/main" Requires="p14">
+        <mc:AlternateContent xmlns:mc="http://schemas.openxmlformats.org/markup-compatibility/2006" xmlns:p14="http://schemas.microsoft.com/office/powerpoint/2010/main">
+          <mc:Choice Requires="p14">
             <p:contentPart p14:bwMode="auto" r:id="rId37">
               <p14:nvContentPartPr>
                 <p14:cNvPr id="27" name="墨迹 26">
@@ -12954,7 +13122,7 @@
               </p14:xfrm>
             </p:contentPart>
           </mc:Choice>
-          <mc:Fallback>
+          <mc:Fallback xmlns="">
             <p:pic>
               <p:nvPicPr>
                 <p:cNvPr id="27" name="墨迹 26">
@@ -12985,8 +13153,8 @@
             </p:pic>
           </mc:Fallback>
         </mc:AlternateContent>
-        <mc:AlternateContent xmlns:mc="http://schemas.openxmlformats.org/markup-compatibility/2006">
-          <mc:Choice xmlns:p14="http://schemas.microsoft.com/office/powerpoint/2010/main" Requires="p14">
+        <mc:AlternateContent xmlns:mc="http://schemas.openxmlformats.org/markup-compatibility/2006" xmlns:p14="http://schemas.microsoft.com/office/powerpoint/2010/main">
+          <mc:Choice Requires="p14">
             <p:contentPart p14:bwMode="auto" r:id="rId39">
               <p14:nvContentPartPr>
                 <p14:cNvPr id="28" name="墨迹 27">
@@ -13005,7 +13173,7 @@
               </p14:xfrm>
             </p:contentPart>
           </mc:Choice>
-          <mc:Fallback>
+          <mc:Fallback xmlns="">
             <p:pic>
               <p:nvPicPr>
                 <p:cNvPr id="28" name="墨迹 27">
@@ -13036,8 +13204,8 @@
             </p:pic>
           </mc:Fallback>
         </mc:AlternateContent>
-        <mc:AlternateContent xmlns:mc="http://schemas.openxmlformats.org/markup-compatibility/2006">
-          <mc:Choice xmlns:p14="http://schemas.microsoft.com/office/powerpoint/2010/main" Requires="p14">
+        <mc:AlternateContent xmlns:mc="http://schemas.openxmlformats.org/markup-compatibility/2006" xmlns:p14="http://schemas.microsoft.com/office/powerpoint/2010/main">
+          <mc:Choice Requires="p14">
             <p:contentPart p14:bwMode="auto" r:id="rId41">
               <p14:nvContentPartPr>
                 <p14:cNvPr id="29" name="墨迹 28">
@@ -13056,7 +13224,7 @@
               </p14:xfrm>
             </p:contentPart>
           </mc:Choice>
-          <mc:Fallback>
+          <mc:Fallback xmlns="">
             <p:pic>
               <p:nvPicPr>
                 <p:cNvPr id="29" name="墨迹 28">
@@ -13108,8 +13276,8 @@
             <a:chExt cx="248040" cy="532440"/>
           </a:xfrm>
         </p:grpSpPr>
-        <mc:AlternateContent xmlns:mc="http://schemas.openxmlformats.org/markup-compatibility/2006">
-          <mc:Choice xmlns:p14="http://schemas.microsoft.com/office/powerpoint/2010/main" Requires="p14">
+        <mc:AlternateContent xmlns:mc="http://schemas.openxmlformats.org/markup-compatibility/2006" xmlns:p14="http://schemas.microsoft.com/office/powerpoint/2010/main">
+          <mc:Choice Requires="p14">
             <p:contentPart p14:bwMode="auto" r:id="rId43">
               <p14:nvContentPartPr>
                 <p14:cNvPr id="35" name="墨迹 34">
@@ -13128,7 +13296,7 @@
               </p14:xfrm>
             </p:contentPart>
           </mc:Choice>
-          <mc:Fallback>
+          <mc:Fallback xmlns="">
             <p:pic>
               <p:nvPicPr>
                 <p:cNvPr id="35" name="墨迹 34">
@@ -13159,8 +13327,8 @@
             </p:pic>
           </mc:Fallback>
         </mc:AlternateContent>
-        <mc:AlternateContent xmlns:mc="http://schemas.openxmlformats.org/markup-compatibility/2006">
-          <mc:Choice xmlns:p14="http://schemas.microsoft.com/office/powerpoint/2010/main" Requires="p14">
+        <mc:AlternateContent xmlns:mc="http://schemas.openxmlformats.org/markup-compatibility/2006" xmlns:p14="http://schemas.microsoft.com/office/powerpoint/2010/main">
+          <mc:Choice Requires="p14">
             <p:contentPart p14:bwMode="auto" r:id="rId45">
               <p14:nvContentPartPr>
                 <p14:cNvPr id="36" name="墨迹 35">
@@ -13179,7 +13347,7 @@
               </p14:xfrm>
             </p:contentPart>
           </mc:Choice>
-          <mc:Fallback>
+          <mc:Fallback xmlns="">
             <p:pic>
               <p:nvPicPr>
                 <p:cNvPr id="36" name="墨迹 35">
@@ -13210,8 +13378,8 @@
             </p:pic>
           </mc:Fallback>
         </mc:AlternateContent>
-        <mc:AlternateContent xmlns:mc="http://schemas.openxmlformats.org/markup-compatibility/2006">
-          <mc:Choice xmlns:p14="http://schemas.microsoft.com/office/powerpoint/2010/main" Requires="p14">
+        <mc:AlternateContent xmlns:mc="http://schemas.openxmlformats.org/markup-compatibility/2006" xmlns:p14="http://schemas.microsoft.com/office/powerpoint/2010/main">
+          <mc:Choice Requires="p14">
             <p:contentPart p14:bwMode="auto" r:id="rId47">
               <p14:nvContentPartPr>
                 <p14:cNvPr id="37" name="墨迹 36">
@@ -13230,7 +13398,7 @@
               </p14:xfrm>
             </p:contentPart>
           </mc:Choice>
-          <mc:Fallback>
+          <mc:Fallback xmlns="">
             <p:pic>
               <p:nvPicPr>
                 <p:cNvPr id="37" name="墨迹 36">
@@ -13282,8 +13450,8 @@
             <a:chExt cx="1524960" cy="489600"/>
           </a:xfrm>
         </p:grpSpPr>
-        <mc:AlternateContent xmlns:mc="http://schemas.openxmlformats.org/markup-compatibility/2006">
-          <mc:Choice xmlns:p14="http://schemas.microsoft.com/office/powerpoint/2010/main" Requires="p14">
+        <mc:AlternateContent xmlns:mc="http://schemas.openxmlformats.org/markup-compatibility/2006" xmlns:p14="http://schemas.microsoft.com/office/powerpoint/2010/main">
+          <mc:Choice Requires="p14">
             <p:contentPart p14:bwMode="auto" r:id="rId49">
               <p14:nvContentPartPr>
                 <p14:cNvPr id="41" name="墨迹 40">
@@ -13302,7 +13470,7 @@
               </p14:xfrm>
             </p:contentPart>
           </mc:Choice>
-          <mc:Fallback>
+          <mc:Fallback xmlns="">
             <p:pic>
               <p:nvPicPr>
                 <p:cNvPr id="41" name="墨迹 40">
@@ -13333,8 +13501,8 @@
             </p:pic>
           </mc:Fallback>
         </mc:AlternateContent>
-        <mc:AlternateContent xmlns:mc="http://schemas.openxmlformats.org/markup-compatibility/2006">
-          <mc:Choice xmlns:p14="http://schemas.microsoft.com/office/powerpoint/2010/main" Requires="p14">
+        <mc:AlternateContent xmlns:mc="http://schemas.openxmlformats.org/markup-compatibility/2006" xmlns:p14="http://schemas.microsoft.com/office/powerpoint/2010/main">
+          <mc:Choice Requires="p14">
             <p:contentPart p14:bwMode="auto" r:id="rId51">
               <p14:nvContentPartPr>
                 <p14:cNvPr id="42" name="墨迹 41">
@@ -13353,7 +13521,7 @@
               </p14:xfrm>
             </p:contentPart>
           </mc:Choice>
-          <mc:Fallback>
+          <mc:Fallback xmlns="">
             <p:pic>
               <p:nvPicPr>
                 <p:cNvPr id="42" name="墨迹 41">
@@ -13384,8 +13552,8 @@
             </p:pic>
           </mc:Fallback>
         </mc:AlternateContent>
-        <mc:AlternateContent xmlns:mc="http://schemas.openxmlformats.org/markup-compatibility/2006">
-          <mc:Choice xmlns:p14="http://schemas.microsoft.com/office/powerpoint/2010/main" Requires="p14">
+        <mc:AlternateContent xmlns:mc="http://schemas.openxmlformats.org/markup-compatibility/2006" xmlns:p14="http://schemas.microsoft.com/office/powerpoint/2010/main">
+          <mc:Choice Requires="p14">
             <p:contentPart p14:bwMode="auto" r:id="rId53">
               <p14:nvContentPartPr>
                 <p14:cNvPr id="43" name="墨迹 42">
@@ -13404,7 +13572,7 @@
               </p14:xfrm>
             </p:contentPart>
           </mc:Choice>
-          <mc:Fallback>
+          <mc:Fallback xmlns="">
             <p:pic>
               <p:nvPicPr>
                 <p:cNvPr id="43" name="墨迹 42">
@@ -13435,8 +13603,8 @@
             </p:pic>
           </mc:Fallback>
         </mc:AlternateContent>
-        <mc:AlternateContent xmlns:mc="http://schemas.openxmlformats.org/markup-compatibility/2006">
-          <mc:Choice xmlns:p14="http://schemas.microsoft.com/office/powerpoint/2010/main" Requires="p14">
+        <mc:AlternateContent xmlns:mc="http://schemas.openxmlformats.org/markup-compatibility/2006" xmlns:p14="http://schemas.microsoft.com/office/powerpoint/2010/main">
+          <mc:Choice Requires="p14">
             <p:contentPart p14:bwMode="auto" r:id="rId55">
               <p14:nvContentPartPr>
                 <p14:cNvPr id="44" name="墨迹 43">
@@ -13455,7 +13623,7 @@
               </p14:xfrm>
             </p:contentPart>
           </mc:Choice>
-          <mc:Fallback>
+          <mc:Fallback xmlns="">
             <p:pic>
               <p:nvPicPr>
                 <p:cNvPr id="44" name="墨迹 43">
@@ -13486,8 +13654,8 @@
             </p:pic>
           </mc:Fallback>
         </mc:AlternateContent>
-        <mc:AlternateContent xmlns:mc="http://schemas.openxmlformats.org/markup-compatibility/2006">
-          <mc:Choice xmlns:p14="http://schemas.microsoft.com/office/powerpoint/2010/main" Requires="p14">
+        <mc:AlternateContent xmlns:mc="http://schemas.openxmlformats.org/markup-compatibility/2006" xmlns:p14="http://schemas.microsoft.com/office/powerpoint/2010/main">
+          <mc:Choice Requires="p14">
             <p:contentPart p14:bwMode="auto" r:id="rId57">
               <p14:nvContentPartPr>
                 <p14:cNvPr id="45" name="墨迹 44">
@@ -13506,7 +13674,7 @@
               </p14:xfrm>
             </p:contentPart>
           </mc:Choice>
-          <mc:Fallback>
+          <mc:Fallback xmlns="">
             <p:pic>
               <p:nvPicPr>
                 <p:cNvPr id="45" name="墨迹 44">
@@ -13537,8 +13705,8 @@
             </p:pic>
           </mc:Fallback>
         </mc:AlternateContent>
-        <mc:AlternateContent xmlns:mc="http://schemas.openxmlformats.org/markup-compatibility/2006">
-          <mc:Choice xmlns:p14="http://schemas.microsoft.com/office/powerpoint/2010/main" Requires="p14">
+        <mc:AlternateContent xmlns:mc="http://schemas.openxmlformats.org/markup-compatibility/2006" xmlns:p14="http://schemas.microsoft.com/office/powerpoint/2010/main">
+          <mc:Choice Requires="p14">
             <p:contentPart p14:bwMode="auto" r:id="rId59">
               <p14:nvContentPartPr>
                 <p14:cNvPr id="46" name="墨迹 45">
@@ -13557,7 +13725,7 @@
               </p14:xfrm>
             </p:contentPart>
           </mc:Choice>
-          <mc:Fallback>
+          <mc:Fallback xmlns="">
             <p:pic>
               <p:nvPicPr>
                 <p:cNvPr id="46" name="墨迹 45">
@@ -13588,8 +13756,8 @@
             </p:pic>
           </mc:Fallback>
         </mc:AlternateContent>
-        <mc:AlternateContent xmlns:mc="http://schemas.openxmlformats.org/markup-compatibility/2006">
-          <mc:Choice xmlns:p14="http://schemas.microsoft.com/office/powerpoint/2010/main" Requires="p14">
+        <mc:AlternateContent xmlns:mc="http://schemas.openxmlformats.org/markup-compatibility/2006" xmlns:p14="http://schemas.microsoft.com/office/powerpoint/2010/main">
+          <mc:Choice Requires="p14">
             <p:contentPart p14:bwMode="auto" r:id="rId61">
               <p14:nvContentPartPr>
                 <p14:cNvPr id="47" name="墨迹 46">
@@ -13608,7 +13776,7 @@
               </p14:xfrm>
             </p:contentPart>
           </mc:Choice>
-          <mc:Fallback>
+          <mc:Fallback xmlns="">
             <p:pic>
               <p:nvPicPr>
                 <p:cNvPr id="47" name="墨迹 46">
@@ -13639,8 +13807,8 @@
             </p:pic>
           </mc:Fallback>
         </mc:AlternateContent>
-        <mc:AlternateContent xmlns:mc="http://schemas.openxmlformats.org/markup-compatibility/2006">
-          <mc:Choice xmlns:p14="http://schemas.microsoft.com/office/powerpoint/2010/main" Requires="p14">
+        <mc:AlternateContent xmlns:mc="http://schemas.openxmlformats.org/markup-compatibility/2006" xmlns:p14="http://schemas.microsoft.com/office/powerpoint/2010/main">
+          <mc:Choice Requires="p14">
             <p:contentPart p14:bwMode="auto" r:id="rId63">
               <p14:nvContentPartPr>
                 <p14:cNvPr id="48" name="墨迹 47">
@@ -13659,7 +13827,7 @@
               </p14:xfrm>
             </p:contentPart>
           </mc:Choice>
-          <mc:Fallback>
+          <mc:Fallback xmlns="">
             <p:pic>
               <p:nvPicPr>
                 <p:cNvPr id="48" name="墨迹 47">
@@ -13690,8 +13858,8 @@
             </p:pic>
           </mc:Fallback>
         </mc:AlternateContent>
-        <mc:AlternateContent xmlns:mc="http://schemas.openxmlformats.org/markup-compatibility/2006">
-          <mc:Choice xmlns:p14="http://schemas.microsoft.com/office/powerpoint/2010/main" Requires="p14">
+        <mc:AlternateContent xmlns:mc="http://schemas.openxmlformats.org/markup-compatibility/2006" xmlns:p14="http://schemas.microsoft.com/office/powerpoint/2010/main">
+          <mc:Choice Requires="p14">
             <p:contentPart p14:bwMode="auto" r:id="rId65">
               <p14:nvContentPartPr>
                 <p14:cNvPr id="49" name="墨迹 48">
@@ -13710,7 +13878,7 @@
               </p14:xfrm>
             </p:contentPart>
           </mc:Choice>
-          <mc:Fallback>
+          <mc:Fallback xmlns="">
             <p:pic>
               <p:nvPicPr>
                 <p:cNvPr id="49" name="墨迹 48">
@@ -13741,8 +13909,8 @@
             </p:pic>
           </mc:Fallback>
         </mc:AlternateContent>
-        <mc:AlternateContent xmlns:mc="http://schemas.openxmlformats.org/markup-compatibility/2006">
-          <mc:Choice xmlns:p14="http://schemas.microsoft.com/office/powerpoint/2010/main" Requires="p14">
+        <mc:AlternateContent xmlns:mc="http://schemas.openxmlformats.org/markup-compatibility/2006" xmlns:p14="http://schemas.microsoft.com/office/powerpoint/2010/main">
+          <mc:Choice Requires="p14">
             <p:contentPart p14:bwMode="auto" r:id="rId67">
               <p14:nvContentPartPr>
                 <p14:cNvPr id="50" name="墨迹 49">
@@ -13761,7 +13929,7 @@
               </p14:xfrm>
             </p:contentPart>
           </mc:Choice>
-          <mc:Fallback>
+          <mc:Fallback xmlns="">
             <p:pic>
               <p:nvPicPr>
                 <p:cNvPr id="50" name="墨迹 49">
@@ -13792,8 +13960,8 @@
             </p:pic>
           </mc:Fallback>
         </mc:AlternateContent>
-        <mc:AlternateContent xmlns:mc="http://schemas.openxmlformats.org/markup-compatibility/2006">
-          <mc:Choice xmlns:p14="http://schemas.microsoft.com/office/powerpoint/2010/main" Requires="p14">
+        <mc:AlternateContent xmlns:mc="http://schemas.openxmlformats.org/markup-compatibility/2006" xmlns:p14="http://schemas.microsoft.com/office/powerpoint/2010/main">
+          <mc:Choice Requires="p14">
             <p:contentPart p14:bwMode="auto" r:id="rId69">
               <p14:nvContentPartPr>
                 <p14:cNvPr id="51" name="墨迹 50">
@@ -13812,7 +13980,7 @@
               </p14:xfrm>
             </p:contentPart>
           </mc:Choice>
-          <mc:Fallback>
+          <mc:Fallback xmlns="">
             <p:pic>
               <p:nvPicPr>
                 <p:cNvPr id="51" name="墨迹 50">
@@ -13843,8 +14011,8 @@
             </p:pic>
           </mc:Fallback>
         </mc:AlternateContent>
-        <mc:AlternateContent xmlns:mc="http://schemas.openxmlformats.org/markup-compatibility/2006">
-          <mc:Choice xmlns:p14="http://schemas.microsoft.com/office/powerpoint/2010/main" Requires="p14">
+        <mc:AlternateContent xmlns:mc="http://schemas.openxmlformats.org/markup-compatibility/2006" xmlns:p14="http://schemas.microsoft.com/office/powerpoint/2010/main">
+          <mc:Choice Requires="p14">
             <p:contentPart p14:bwMode="auto" r:id="rId71">
               <p14:nvContentPartPr>
                 <p14:cNvPr id="52" name="墨迹 51">
@@ -13863,7 +14031,7 @@
               </p14:xfrm>
             </p:contentPart>
           </mc:Choice>
-          <mc:Fallback>
+          <mc:Fallback xmlns="">
             <p:pic>
               <p:nvPicPr>
                 <p:cNvPr id="52" name="墨迹 51">
@@ -13894,8 +14062,8 @@
             </p:pic>
           </mc:Fallback>
         </mc:AlternateContent>
-        <mc:AlternateContent xmlns:mc="http://schemas.openxmlformats.org/markup-compatibility/2006">
-          <mc:Choice xmlns:p14="http://schemas.microsoft.com/office/powerpoint/2010/main" Requires="p14">
+        <mc:AlternateContent xmlns:mc="http://schemas.openxmlformats.org/markup-compatibility/2006" xmlns:p14="http://schemas.microsoft.com/office/powerpoint/2010/main">
+          <mc:Choice Requires="p14">
             <p:contentPart p14:bwMode="auto" r:id="rId73">
               <p14:nvContentPartPr>
                 <p14:cNvPr id="53" name="墨迹 52">
@@ -13914,7 +14082,7 @@
               </p14:xfrm>
             </p:contentPart>
           </mc:Choice>
-          <mc:Fallback>
+          <mc:Fallback xmlns="">
             <p:pic>
               <p:nvPicPr>
                 <p:cNvPr id="53" name="墨迹 52">
@@ -13945,8 +14113,8 @@
             </p:pic>
           </mc:Fallback>
         </mc:AlternateContent>
-        <mc:AlternateContent xmlns:mc="http://schemas.openxmlformats.org/markup-compatibility/2006">
-          <mc:Choice xmlns:p14="http://schemas.microsoft.com/office/powerpoint/2010/main" Requires="p14">
+        <mc:AlternateContent xmlns:mc="http://schemas.openxmlformats.org/markup-compatibility/2006" xmlns:p14="http://schemas.microsoft.com/office/powerpoint/2010/main">
+          <mc:Choice Requires="p14">
             <p:contentPart p14:bwMode="auto" r:id="rId75">
               <p14:nvContentPartPr>
                 <p14:cNvPr id="54" name="墨迹 53">
@@ -13965,7 +14133,7 @@
               </p14:xfrm>
             </p:contentPart>
           </mc:Choice>
-          <mc:Fallback>
+          <mc:Fallback xmlns="">
             <p:pic>
               <p:nvPicPr>
                 <p:cNvPr id="54" name="墨迹 53">
@@ -14017,8 +14185,8 @@
             <a:chExt cx="1242360" cy="387720"/>
           </a:xfrm>
         </p:grpSpPr>
-        <mc:AlternateContent xmlns:mc="http://schemas.openxmlformats.org/markup-compatibility/2006">
-          <mc:Choice xmlns:p14="http://schemas.microsoft.com/office/powerpoint/2010/main" Requires="p14">
+        <mc:AlternateContent xmlns:mc="http://schemas.openxmlformats.org/markup-compatibility/2006" xmlns:p14="http://schemas.microsoft.com/office/powerpoint/2010/main">
+          <mc:Choice Requires="p14">
             <p:contentPart p14:bwMode="auto" r:id="rId77">
               <p14:nvContentPartPr>
                 <p14:cNvPr id="56" name="墨迹 55">
@@ -14037,7 +14205,7 @@
               </p14:xfrm>
             </p:contentPart>
           </mc:Choice>
-          <mc:Fallback>
+          <mc:Fallback xmlns="">
             <p:pic>
               <p:nvPicPr>
                 <p:cNvPr id="56" name="墨迹 55">
@@ -14068,8 +14236,8 @@
             </p:pic>
           </mc:Fallback>
         </mc:AlternateContent>
-        <mc:AlternateContent xmlns:mc="http://schemas.openxmlformats.org/markup-compatibility/2006">
-          <mc:Choice xmlns:p14="http://schemas.microsoft.com/office/powerpoint/2010/main" Requires="p14">
+        <mc:AlternateContent xmlns:mc="http://schemas.openxmlformats.org/markup-compatibility/2006" xmlns:p14="http://schemas.microsoft.com/office/powerpoint/2010/main">
+          <mc:Choice Requires="p14">
             <p:contentPart p14:bwMode="auto" r:id="rId79">
               <p14:nvContentPartPr>
                 <p14:cNvPr id="57" name="墨迹 56">
@@ -14088,7 +14256,7 @@
               </p14:xfrm>
             </p:contentPart>
           </mc:Choice>
-          <mc:Fallback>
+          <mc:Fallback xmlns="">
             <p:pic>
               <p:nvPicPr>
                 <p:cNvPr id="57" name="墨迹 56">
@@ -14119,8 +14287,8 @@
             </p:pic>
           </mc:Fallback>
         </mc:AlternateContent>
-        <mc:AlternateContent xmlns:mc="http://schemas.openxmlformats.org/markup-compatibility/2006">
-          <mc:Choice xmlns:p14="http://schemas.microsoft.com/office/powerpoint/2010/main" Requires="p14">
+        <mc:AlternateContent xmlns:mc="http://schemas.openxmlformats.org/markup-compatibility/2006" xmlns:p14="http://schemas.microsoft.com/office/powerpoint/2010/main">
+          <mc:Choice Requires="p14">
             <p:contentPart p14:bwMode="auto" r:id="rId81">
               <p14:nvContentPartPr>
                 <p14:cNvPr id="58" name="墨迹 57">
@@ -14139,7 +14307,7 @@
               </p14:xfrm>
             </p:contentPart>
           </mc:Choice>
-          <mc:Fallback>
+          <mc:Fallback xmlns="">
             <p:pic>
               <p:nvPicPr>
                 <p:cNvPr id="58" name="墨迹 57">
@@ -14170,8 +14338,8 @@
             </p:pic>
           </mc:Fallback>
         </mc:AlternateContent>
-        <mc:AlternateContent xmlns:mc="http://schemas.openxmlformats.org/markup-compatibility/2006">
-          <mc:Choice xmlns:p14="http://schemas.microsoft.com/office/powerpoint/2010/main" Requires="p14">
+        <mc:AlternateContent xmlns:mc="http://schemas.openxmlformats.org/markup-compatibility/2006" xmlns:p14="http://schemas.microsoft.com/office/powerpoint/2010/main">
+          <mc:Choice Requires="p14">
             <p:contentPart p14:bwMode="auto" r:id="rId83">
               <p14:nvContentPartPr>
                 <p14:cNvPr id="59" name="墨迹 58">
@@ -14190,7 +14358,7 @@
               </p14:xfrm>
             </p:contentPart>
           </mc:Choice>
-          <mc:Fallback>
+          <mc:Fallback xmlns="">
             <p:pic>
               <p:nvPicPr>
                 <p:cNvPr id="59" name="墨迹 58">
@@ -14221,8 +14389,8 @@
             </p:pic>
           </mc:Fallback>
         </mc:AlternateContent>
-        <mc:AlternateContent xmlns:mc="http://schemas.openxmlformats.org/markup-compatibility/2006">
-          <mc:Choice xmlns:p14="http://schemas.microsoft.com/office/powerpoint/2010/main" Requires="p14">
+        <mc:AlternateContent xmlns:mc="http://schemas.openxmlformats.org/markup-compatibility/2006" xmlns:p14="http://schemas.microsoft.com/office/powerpoint/2010/main">
+          <mc:Choice Requires="p14">
             <p:contentPart p14:bwMode="auto" r:id="rId85">
               <p14:nvContentPartPr>
                 <p14:cNvPr id="60" name="墨迹 59">
@@ -14241,7 +14409,7 @@
               </p14:xfrm>
             </p:contentPart>
           </mc:Choice>
-          <mc:Fallback>
+          <mc:Fallback xmlns="">
             <p:pic>
               <p:nvPicPr>
                 <p:cNvPr id="60" name="墨迹 59">
@@ -14272,8 +14440,8 @@
             </p:pic>
           </mc:Fallback>
         </mc:AlternateContent>
-        <mc:AlternateContent xmlns:mc="http://schemas.openxmlformats.org/markup-compatibility/2006">
-          <mc:Choice xmlns:p14="http://schemas.microsoft.com/office/powerpoint/2010/main" Requires="p14">
+        <mc:AlternateContent xmlns:mc="http://schemas.openxmlformats.org/markup-compatibility/2006" xmlns:p14="http://schemas.microsoft.com/office/powerpoint/2010/main">
+          <mc:Choice Requires="p14">
             <p:contentPart p14:bwMode="auto" r:id="rId87">
               <p14:nvContentPartPr>
                 <p14:cNvPr id="61" name="墨迹 60">
@@ -14292,7 +14460,7 @@
               </p14:xfrm>
             </p:contentPart>
           </mc:Choice>
-          <mc:Fallback>
+          <mc:Fallback xmlns="">
             <p:pic>
               <p:nvPicPr>
                 <p:cNvPr id="61" name="墨迹 60">
@@ -14323,8 +14491,8 @@
             </p:pic>
           </mc:Fallback>
         </mc:AlternateContent>
-        <mc:AlternateContent xmlns:mc="http://schemas.openxmlformats.org/markup-compatibility/2006">
-          <mc:Choice xmlns:p14="http://schemas.microsoft.com/office/powerpoint/2010/main" Requires="p14">
+        <mc:AlternateContent xmlns:mc="http://schemas.openxmlformats.org/markup-compatibility/2006" xmlns:p14="http://schemas.microsoft.com/office/powerpoint/2010/main">
+          <mc:Choice Requires="p14">
             <p:contentPart p14:bwMode="auto" r:id="rId89">
               <p14:nvContentPartPr>
                 <p14:cNvPr id="62" name="墨迹 61">
@@ -14343,7 +14511,7 @@
               </p14:xfrm>
             </p:contentPart>
           </mc:Choice>
-          <mc:Fallback>
+          <mc:Fallback xmlns="">
             <p:pic>
               <p:nvPicPr>
                 <p:cNvPr id="62" name="墨迹 61">
@@ -16975,8 +17143,8 @@
           </mc:Fallback>
         </mc:AlternateContent>
       </p:grpSp>
-      <mc:AlternateContent xmlns:mc="http://schemas.openxmlformats.org/markup-compatibility/2006">
-        <mc:Choice xmlns:p14="http://schemas.microsoft.com/office/powerpoint/2010/main" Requires="p14">
+      <mc:AlternateContent xmlns:mc="http://schemas.openxmlformats.org/markup-compatibility/2006" xmlns:p14="http://schemas.microsoft.com/office/powerpoint/2010/main">
+        <mc:Choice Requires="p14">
           <p:contentPart p14:bwMode="auto" r:id="rId6">
             <p14:nvContentPartPr>
               <p14:cNvPr id="20" name="墨迹 19">
@@ -16995,7 +17163,7 @@
             </p14:xfrm>
           </p:contentPart>
         </mc:Choice>
-        <mc:Fallback>
+        <mc:Fallback xmlns="">
           <p:pic>
             <p:nvPicPr>
               <p:cNvPr id="20" name="墨迹 19">
@@ -17026,6 +17194,189 @@
           </p:pic>
         </mc:Fallback>
       </mc:AlternateContent>
+      <mc:AlternateContent xmlns:mc="http://schemas.openxmlformats.org/markup-compatibility/2006" xmlns:p14="http://schemas.microsoft.com/office/powerpoint/2010/main">
+        <mc:Choice Requires="p14">
+          <p:contentPart p14:bwMode="auto" r:id="rId8">
+            <p14:nvContentPartPr>
+              <p14:cNvPr id="22" name="Ink 21">
+                <a:extLst>
+                  <a:ext uri="{FF2B5EF4-FFF2-40B4-BE49-F238E27FC236}">
+                    <a16:creationId xmlns:a16="http://schemas.microsoft.com/office/drawing/2014/main" id="{C6BD48B4-DEAE-AA58-06D8-4B32F29781AF}"/>
+                  </a:ext>
+                </a:extLst>
+              </p14:cNvPr>
+              <p14:cNvContentPartPr/>
+              <p14:nvPr/>
+            </p14:nvContentPartPr>
+            <p14:xfrm>
+              <a:off x="413186" y="4439678"/>
+              <a:ext cx="8934480" cy="127080"/>
+            </p14:xfrm>
+          </p:contentPart>
+        </mc:Choice>
+        <mc:Fallback xmlns="">
+          <p:pic>
+            <p:nvPicPr>
+              <p:cNvPr id="22" name="Ink 21">
+                <a:extLst>
+                  <a:ext uri="{FF2B5EF4-FFF2-40B4-BE49-F238E27FC236}">
+                    <a16:creationId xmlns:a16="http://schemas.microsoft.com/office/drawing/2014/main" id="{C6BD48B4-DEAE-AA58-06D8-4B32F29781AF}"/>
+                  </a:ext>
+                </a:extLst>
+              </p:cNvPr>
+              <p:cNvPicPr/>
+              <p:nvPr/>
+            </p:nvPicPr>
+            <p:blipFill>
+              <a:blip r:embed="rId9"/>
+              <a:stretch>
+                <a:fillRect/>
+              </a:stretch>
+            </p:blipFill>
+            <p:spPr>
+              <a:xfrm>
+                <a:off x="395546" y="4422038"/>
+                <a:ext cx="8970120" cy="162720"/>
+              </a:xfrm>
+              <a:prstGeom prst="rect">
+                <a:avLst/>
+              </a:prstGeom>
+            </p:spPr>
+          </p:pic>
+        </mc:Fallback>
+      </mc:AlternateContent>
+      <mc:AlternateContent xmlns:mc="http://schemas.openxmlformats.org/markup-compatibility/2006" xmlns:p14="http://schemas.microsoft.com/office/powerpoint/2010/main">
+        <mc:Choice Requires="p14">
+          <p:contentPart p14:bwMode="auto" r:id="rId10">
+            <p14:nvContentPartPr>
+              <p14:cNvPr id="23" name="Ink 22">
+                <a:extLst>
+                  <a:ext uri="{FF2B5EF4-FFF2-40B4-BE49-F238E27FC236}">
+                    <a16:creationId xmlns:a16="http://schemas.microsoft.com/office/drawing/2014/main" id="{98267E39-B638-03C6-551E-D8414BF31A97}"/>
+                  </a:ext>
+                </a:extLst>
+              </p14:cNvPr>
+              <p14:cNvContentPartPr/>
+              <p14:nvPr/>
+            </p14:nvContentPartPr>
+            <p14:xfrm>
+              <a:off x="219146" y="4790678"/>
+              <a:ext cx="4146840" cy="188640"/>
+            </p14:xfrm>
+          </p:contentPart>
+        </mc:Choice>
+        <mc:Fallback xmlns="">
+          <p:pic>
+            <p:nvPicPr>
+              <p:cNvPr id="23" name="Ink 22">
+                <a:extLst>
+                  <a:ext uri="{FF2B5EF4-FFF2-40B4-BE49-F238E27FC236}">
+                    <a16:creationId xmlns:a16="http://schemas.microsoft.com/office/drawing/2014/main" id="{98267E39-B638-03C6-551E-D8414BF31A97}"/>
+                  </a:ext>
+                </a:extLst>
+              </p:cNvPr>
+              <p:cNvPicPr/>
+              <p:nvPr/>
+            </p:nvPicPr>
+            <p:blipFill>
+              <a:blip r:embed="rId11"/>
+              <a:stretch>
+                <a:fillRect/>
+              </a:stretch>
+            </p:blipFill>
+            <p:spPr>
+              <a:xfrm>
+                <a:off x="201146" y="4772678"/>
+                <a:ext cx="4182480" cy="224280"/>
+              </a:xfrm>
+              <a:prstGeom prst="rect">
+                <a:avLst/>
+              </a:prstGeom>
+            </p:spPr>
+          </p:pic>
+        </mc:Fallback>
+      </mc:AlternateContent>
+      <mc:AlternateContent xmlns:mc="http://schemas.openxmlformats.org/markup-compatibility/2006" xmlns:p14="http://schemas.microsoft.com/office/powerpoint/2010/main">
+        <mc:Choice Requires="p14">
+          <p:contentPart p14:bwMode="auto" r:id="rId12">
+            <p14:nvContentPartPr>
+              <p14:cNvPr id="24" name="Ink 23">
+                <a:extLst>
+                  <a:ext uri="{FF2B5EF4-FFF2-40B4-BE49-F238E27FC236}">
+                    <a16:creationId xmlns:a16="http://schemas.microsoft.com/office/drawing/2014/main" id="{ADA1A04A-45C4-0AA9-3BFD-F9C4E9655E86}"/>
+                  </a:ext>
+                </a:extLst>
+              </p14:cNvPr>
+              <p14:cNvContentPartPr/>
+              <p14:nvPr/>
+            </p14:nvContentPartPr>
+            <p14:xfrm>
+              <a:off x="206546" y="5040878"/>
+              <a:ext cx="2826720" cy="514800"/>
+            </p14:xfrm>
+          </p:contentPart>
+        </mc:Choice>
+        <mc:Fallback xmlns="">
+          <p:pic>
+            <p:nvPicPr>
+              <p:cNvPr id="24" name="Ink 23">
+                <a:extLst>
+                  <a:ext uri="{FF2B5EF4-FFF2-40B4-BE49-F238E27FC236}">
+                    <a16:creationId xmlns:a16="http://schemas.microsoft.com/office/drawing/2014/main" id="{ADA1A04A-45C4-0AA9-3BFD-F9C4E9655E86}"/>
+                  </a:ext>
+                </a:extLst>
+              </p:cNvPr>
+              <p:cNvPicPr/>
+              <p:nvPr/>
+            </p:nvPicPr>
+            <p:blipFill>
+              <a:blip r:embed="rId13"/>
+              <a:stretch>
+                <a:fillRect/>
+              </a:stretch>
+            </p:blipFill>
+            <p:spPr>
+              <a:xfrm>
+                <a:off x="188546" y="5023238"/>
+                <a:ext cx="2862360" cy="550440"/>
+              </a:xfrm>
+              <a:prstGeom prst="rect">
+                <a:avLst/>
+              </a:prstGeom>
+            </p:spPr>
+          </p:pic>
+        </mc:Fallback>
+      </mc:AlternateContent>
+      <p:pic>
+        <p:nvPicPr>
+          <p:cNvPr id="26" name="Picture 25">
+            <a:extLst>
+              <a:ext uri="{FF2B5EF4-FFF2-40B4-BE49-F238E27FC236}">
+                <a16:creationId xmlns:a16="http://schemas.microsoft.com/office/drawing/2014/main" id="{BC38EF02-A122-38D0-3D4A-ABD75421CDA5}"/>
+              </a:ext>
+            </a:extLst>
+          </p:cNvPr>
+          <p:cNvPicPr>
+            <a:picLocks noChangeAspect="1"/>
+          </p:cNvPicPr>
+          <p:nvPr/>
+        </p:nvPicPr>
+        <p:blipFill>
+          <a:blip r:embed="rId14"/>
+          <a:stretch>
+            <a:fillRect/>
+          </a:stretch>
+        </p:blipFill>
+        <p:spPr>
+          <a:xfrm>
+            <a:off x="8316416" y="4516548"/>
+            <a:ext cx="3625590" cy="1784306"/>
+          </a:xfrm>
+          <a:prstGeom prst="rect">
+            <a:avLst/>
+          </a:prstGeom>
+        </p:spPr>
+      </p:pic>
     </p:spTree>
     <p:extLst>
       <p:ext uri="{BB962C8B-B14F-4D97-AF65-F5344CB8AC3E}">
@@ -18048,8 +18399,8 @@
             <a:chExt cx="2409840" cy="536040"/>
           </a:xfrm>
         </p:grpSpPr>
-        <mc:AlternateContent xmlns:mc="http://schemas.openxmlformats.org/markup-compatibility/2006">
-          <mc:Choice xmlns:p14="http://schemas.microsoft.com/office/powerpoint/2010/main" Requires="p14">
+        <mc:AlternateContent xmlns:mc="http://schemas.openxmlformats.org/markup-compatibility/2006" xmlns:p14="http://schemas.microsoft.com/office/powerpoint/2010/main">
+          <mc:Choice Requires="p14">
             <p:contentPart p14:bwMode="auto" r:id="rId3">
               <p14:nvContentPartPr>
                 <p14:cNvPr id="7" name="墨迹 6">
@@ -18068,7 +18419,7 @@
               </p14:xfrm>
             </p:contentPart>
           </mc:Choice>
-          <mc:Fallback>
+          <mc:Fallback xmlns="">
             <p:pic>
               <p:nvPicPr>
                 <p:cNvPr id="7" name="墨迹 6">
@@ -18099,8 +18450,8 @@
             </p:pic>
           </mc:Fallback>
         </mc:AlternateContent>
-        <mc:AlternateContent xmlns:mc="http://schemas.openxmlformats.org/markup-compatibility/2006">
-          <mc:Choice xmlns:p14="http://schemas.microsoft.com/office/powerpoint/2010/main" Requires="p14">
+        <mc:AlternateContent xmlns:mc="http://schemas.openxmlformats.org/markup-compatibility/2006" xmlns:p14="http://schemas.microsoft.com/office/powerpoint/2010/main">
+          <mc:Choice Requires="p14">
             <p:contentPart p14:bwMode="auto" r:id="rId5">
               <p14:nvContentPartPr>
                 <p14:cNvPr id="9" name="墨迹 8">
@@ -18119,7 +18470,7 @@
               </p14:xfrm>
             </p:contentPart>
           </mc:Choice>
-          <mc:Fallback>
+          <mc:Fallback xmlns="">
             <p:pic>
               <p:nvPicPr>
                 <p:cNvPr id="9" name="墨迹 8">
@@ -18150,8 +18501,8 @@
             </p:pic>
           </mc:Fallback>
         </mc:AlternateContent>
-        <mc:AlternateContent xmlns:mc="http://schemas.openxmlformats.org/markup-compatibility/2006">
-          <mc:Choice xmlns:p14="http://schemas.microsoft.com/office/powerpoint/2010/main" Requires="p14">
+        <mc:AlternateContent xmlns:mc="http://schemas.openxmlformats.org/markup-compatibility/2006" xmlns:p14="http://schemas.microsoft.com/office/powerpoint/2010/main">
+          <mc:Choice Requires="p14">
             <p:contentPart p14:bwMode="auto" r:id="rId7">
               <p14:nvContentPartPr>
                 <p14:cNvPr id="11" name="墨迹 10">
@@ -18170,7 +18521,7 @@
               </p14:xfrm>
             </p:contentPart>
           </mc:Choice>
-          <mc:Fallback>
+          <mc:Fallback xmlns="">
             <p:pic>
               <p:nvPicPr>
                 <p:cNvPr id="11" name="墨迹 10">
@@ -18201,8 +18552,8 @@
             </p:pic>
           </mc:Fallback>
         </mc:AlternateContent>
-        <mc:AlternateContent xmlns:mc="http://schemas.openxmlformats.org/markup-compatibility/2006">
-          <mc:Choice xmlns:p14="http://schemas.microsoft.com/office/powerpoint/2010/main" Requires="p14">
+        <mc:AlternateContent xmlns:mc="http://schemas.openxmlformats.org/markup-compatibility/2006" xmlns:p14="http://schemas.microsoft.com/office/powerpoint/2010/main">
+          <mc:Choice Requires="p14">
             <p:contentPart p14:bwMode="auto" r:id="rId9">
               <p14:nvContentPartPr>
                 <p14:cNvPr id="13" name="墨迹 12">
@@ -18221,7 +18572,7 @@
               </p14:xfrm>
             </p:contentPart>
           </mc:Choice>
-          <mc:Fallback>
+          <mc:Fallback xmlns="">
             <p:pic>
               <p:nvPicPr>
                 <p:cNvPr id="13" name="墨迹 12">
@@ -18252,8 +18603,8 @@
             </p:pic>
           </mc:Fallback>
         </mc:AlternateContent>
-        <mc:AlternateContent xmlns:mc="http://schemas.openxmlformats.org/markup-compatibility/2006">
-          <mc:Choice xmlns:p14="http://schemas.microsoft.com/office/powerpoint/2010/main" Requires="p14">
+        <mc:AlternateContent xmlns:mc="http://schemas.openxmlformats.org/markup-compatibility/2006" xmlns:p14="http://schemas.microsoft.com/office/powerpoint/2010/main">
+          <mc:Choice Requires="p14">
             <p:contentPart p14:bwMode="auto" r:id="rId11">
               <p14:nvContentPartPr>
                 <p14:cNvPr id="14" name="墨迹 13">
@@ -18272,7 +18623,7 @@
               </p14:xfrm>
             </p:contentPart>
           </mc:Choice>
-          <mc:Fallback>
+          <mc:Fallback xmlns="">
             <p:pic>
               <p:nvPicPr>
                 <p:cNvPr id="14" name="墨迹 13">
@@ -18303,8 +18654,8 @@
             </p:pic>
           </mc:Fallback>
         </mc:AlternateContent>
-        <mc:AlternateContent xmlns:mc="http://schemas.openxmlformats.org/markup-compatibility/2006">
-          <mc:Choice xmlns:p14="http://schemas.microsoft.com/office/powerpoint/2010/main" Requires="p14">
+        <mc:AlternateContent xmlns:mc="http://schemas.openxmlformats.org/markup-compatibility/2006" xmlns:p14="http://schemas.microsoft.com/office/powerpoint/2010/main">
+          <mc:Choice Requires="p14">
             <p:contentPart p14:bwMode="auto" r:id="rId13">
               <p14:nvContentPartPr>
                 <p14:cNvPr id="15" name="墨迹 14">
@@ -18323,7 +18674,7 @@
               </p14:xfrm>
             </p:contentPart>
           </mc:Choice>
-          <mc:Fallback>
+          <mc:Fallback xmlns="">
             <p:pic>
               <p:nvPicPr>
                 <p:cNvPr id="15" name="墨迹 14">
@@ -18354,8 +18705,8 @@
             </p:pic>
           </mc:Fallback>
         </mc:AlternateContent>
-        <mc:AlternateContent xmlns:mc="http://schemas.openxmlformats.org/markup-compatibility/2006">
-          <mc:Choice xmlns:p14="http://schemas.microsoft.com/office/powerpoint/2010/main" Requires="p14">
+        <mc:AlternateContent xmlns:mc="http://schemas.openxmlformats.org/markup-compatibility/2006" xmlns:p14="http://schemas.microsoft.com/office/powerpoint/2010/main">
+          <mc:Choice Requires="p14">
             <p:contentPart p14:bwMode="auto" r:id="rId15">
               <p14:nvContentPartPr>
                 <p14:cNvPr id="16" name="墨迹 15">
@@ -18374,7 +18725,7 @@
               </p14:xfrm>
             </p:contentPart>
           </mc:Choice>
-          <mc:Fallback>
+          <mc:Fallback xmlns="">
             <p:pic>
               <p:nvPicPr>
                 <p:cNvPr id="16" name="墨迹 15">
@@ -23147,8 +23498,8 @@
             <a:chExt cx="957960" cy="2271960"/>
           </a:xfrm>
         </p:grpSpPr>
-        <mc:AlternateContent xmlns:mc="http://schemas.openxmlformats.org/markup-compatibility/2006">
-          <mc:Choice xmlns:p14="http://schemas.microsoft.com/office/powerpoint/2010/main" Requires="p14">
+        <mc:AlternateContent xmlns:mc="http://schemas.openxmlformats.org/markup-compatibility/2006" xmlns:p14="http://schemas.microsoft.com/office/powerpoint/2010/main">
+          <mc:Choice Requires="p14">
             <p:contentPart p14:bwMode="auto" r:id="rId160">
               <p14:nvContentPartPr>
                 <p14:cNvPr id="23" name="墨迹 22">
@@ -23167,7 +23518,7 @@
               </p14:xfrm>
             </p:contentPart>
           </mc:Choice>
-          <mc:Fallback>
+          <mc:Fallback xmlns="">
             <p:pic>
               <p:nvPicPr>
                 <p:cNvPr id="23" name="墨迹 22">
@@ -23198,8 +23549,8 @@
             </p:pic>
           </mc:Fallback>
         </mc:AlternateContent>
-        <mc:AlternateContent xmlns:mc="http://schemas.openxmlformats.org/markup-compatibility/2006">
-          <mc:Choice xmlns:p14="http://schemas.microsoft.com/office/powerpoint/2010/main" Requires="p14">
+        <mc:AlternateContent xmlns:mc="http://schemas.openxmlformats.org/markup-compatibility/2006" xmlns:p14="http://schemas.microsoft.com/office/powerpoint/2010/main">
+          <mc:Choice Requires="p14">
             <p:contentPart p14:bwMode="auto" r:id="rId162">
               <p14:nvContentPartPr>
                 <p14:cNvPr id="69" name="墨迹 68">
@@ -23218,7 +23569,7 @@
               </p14:xfrm>
             </p:contentPart>
           </mc:Choice>
-          <mc:Fallback>
+          <mc:Fallback xmlns="">
             <p:pic>
               <p:nvPicPr>
                 <p:cNvPr id="69" name="墨迹 68">
@@ -23270,8 +23621,8 @@
             <a:chExt cx="2688480" cy="1044000"/>
           </a:xfrm>
         </p:grpSpPr>
-        <mc:AlternateContent xmlns:mc="http://schemas.openxmlformats.org/markup-compatibility/2006">
-          <mc:Choice xmlns:p14="http://schemas.microsoft.com/office/powerpoint/2010/main" Requires="p14">
+        <mc:AlternateContent xmlns:mc="http://schemas.openxmlformats.org/markup-compatibility/2006" xmlns:p14="http://schemas.microsoft.com/office/powerpoint/2010/main">
+          <mc:Choice Requires="p14">
             <p:contentPart p14:bwMode="auto" r:id="rId164">
               <p14:nvContentPartPr>
                 <p14:cNvPr id="97" name="墨迹 96">
@@ -23290,7 +23641,7 @@
               </p14:xfrm>
             </p:contentPart>
           </mc:Choice>
-          <mc:Fallback>
+          <mc:Fallback xmlns="">
             <p:pic>
               <p:nvPicPr>
                 <p:cNvPr id="97" name="墨迹 96">
@@ -23321,8 +23672,8 @@
             </p:pic>
           </mc:Fallback>
         </mc:AlternateContent>
-        <mc:AlternateContent xmlns:mc="http://schemas.openxmlformats.org/markup-compatibility/2006">
-          <mc:Choice xmlns:p14="http://schemas.microsoft.com/office/powerpoint/2010/main" Requires="p14">
+        <mc:AlternateContent xmlns:mc="http://schemas.openxmlformats.org/markup-compatibility/2006" xmlns:p14="http://schemas.microsoft.com/office/powerpoint/2010/main">
+          <mc:Choice Requires="p14">
             <p:contentPart p14:bwMode="auto" r:id="rId166">
               <p14:nvContentPartPr>
                 <p14:cNvPr id="98" name="墨迹 97">
@@ -23341,7 +23692,7 @@
               </p14:xfrm>
             </p:contentPart>
           </mc:Choice>
-          <mc:Fallback>
+          <mc:Fallback xmlns="">
             <p:pic>
               <p:nvPicPr>
                 <p:cNvPr id="98" name="墨迹 97">
@@ -23372,8 +23723,8 @@
             </p:pic>
           </mc:Fallback>
         </mc:AlternateContent>
-        <mc:AlternateContent xmlns:mc="http://schemas.openxmlformats.org/markup-compatibility/2006">
-          <mc:Choice xmlns:p14="http://schemas.microsoft.com/office/powerpoint/2010/main" Requires="p14">
+        <mc:AlternateContent xmlns:mc="http://schemas.openxmlformats.org/markup-compatibility/2006" xmlns:p14="http://schemas.microsoft.com/office/powerpoint/2010/main">
+          <mc:Choice Requires="p14">
             <p:contentPart p14:bwMode="auto" r:id="rId168">
               <p14:nvContentPartPr>
                 <p14:cNvPr id="99" name="墨迹 98">
@@ -23392,7 +23743,7 @@
               </p14:xfrm>
             </p:contentPart>
           </mc:Choice>
-          <mc:Fallback>
+          <mc:Fallback xmlns="">
             <p:pic>
               <p:nvPicPr>
                 <p:cNvPr id="99" name="墨迹 98">
@@ -23423,8 +23774,8 @@
             </p:pic>
           </mc:Fallback>
         </mc:AlternateContent>
-        <mc:AlternateContent xmlns:mc="http://schemas.openxmlformats.org/markup-compatibility/2006">
-          <mc:Choice xmlns:p14="http://schemas.microsoft.com/office/powerpoint/2010/main" Requires="p14">
+        <mc:AlternateContent xmlns:mc="http://schemas.openxmlformats.org/markup-compatibility/2006" xmlns:p14="http://schemas.microsoft.com/office/powerpoint/2010/main">
+          <mc:Choice Requires="p14">
             <p:contentPart p14:bwMode="auto" r:id="rId170">
               <p14:nvContentPartPr>
                 <p14:cNvPr id="100" name="墨迹 99">
@@ -23443,7 +23794,7 @@
               </p14:xfrm>
             </p:contentPart>
           </mc:Choice>
-          <mc:Fallback>
+          <mc:Fallback xmlns="">
             <p:pic>
               <p:nvPicPr>
                 <p:cNvPr id="100" name="墨迹 99">
@@ -23474,8 +23825,8 @@
             </p:pic>
           </mc:Fallback>
         </mc:AlternateContent>
-        <mc:AlternateContent xmlns:mc="http://schemas.openxmlformats.org/markup-compatibility/2006">
-          <mc:Choice xmlns:p14="http://schemas.microsoft.com/office/powerpoint/2010/main" Requires="p14">
+        <mc:AlternateContent xmlns:mc="http://schemas.openxmlformats.org/markup-compatibility/2006" xmlns:p14="http://schemas.microsoft.com/office/powerpoint/2010/main">
+          <mc:Choice Requires="p14">
             <p:contentPart p14:bwMode="auto" r:id="rId172">
               <p14:nvContentPartPr>
                 <p14:cNvPr id="101" name="墨迹 100">
@@ -23494,7 +23845,7 @@
               </p14:xfrm>
             </p:contentPart>
           </mc:Choice>
-          <mc:Fallback>
+          <mc:Fallback xmlns="">
             <p:pic>
               <p:nvPicPr>
                 <p:cNvPr id="101" name="墨迹 100">
@@ -23525,8 +23876,8 @@
             </p:pic>
           </mc:Fallback>
         </mc:AlternateContent>
-        <mc:AlternateContent xmlns:mc="http://schemas.openxmlformats.org/markup-compatibility/2006">
-          <mc:Choice xmlns:p14="http://schemas.microsoft.com/office/powerpoint/2010/main" Requires="p14">
+        <mc:AlternateContent xmlns:mc="http://schemas.openxmlformats.org/markup-compatibility/2006" xmlns:p14="http://schemas.microsoft.com/office/powerpoint/2010/main">
+          <mc:Choice Requires="p14">
             <p:contentPart p14:bwMode="auto" r:id="rId174">
               <p14:nvContentPartPr>
                 <p14:cNvPr id="102" name="墨迹 101">
@@ -23545,7 +23896,7 @@
               </p14:xfrm>
             </p:contentPart>
           </mc:Choice>
-          <mc:Fallback>
+          <mc:Fallback xmlns="">
             <p:pic>
               <p:nvPicPr>
                 <p:cNvPr id="102" name="墨迹 101">
@@ -23576,8 +23927,8 @@
             </p:pic>
           </mc:Fallback>
         </mc:AlternateContent>
-        <mc:AlternateContent xmlns:mc="http://schemas.openxmlformats.org/markup-compatibility/2006">
-          <mc:Choice xmlns:p14="http://schemas.microsoft.com/office/powerpoint/2010/main" Requires="p14">
+        <mc:AlternateContent xmlns:mc="http://schemas.openxmlformats.org/markup-compatibility/2006" xmlns:p14="http://schemas.microsoft.com/office/powerpoint/2010/main">
+          <mc:Choice Requires="p14">
             <p:contentPart p14:bwMode="auto" r:id="rId176">
               <p14:nvContentPartPr>
                 <p14:cNvPr id="103" name="墨迹 102">
@@ -23596,7 +23947,7 @@
               </p14:xfrm>
             </p:contentPart>
           </mc:Choice>
-          <mc:Fallback>
+          <mc:Fallback xmlns="">
             <p:pic>
               <p:nvPicPr>
                 <p:cNvPr id="103" name="墨迹 102">
@@ -23627,8 +23978,8 @@
             </p:pic>
           </mc:Fallback>
         </mc:AlternateContent>
-        <mc:AlternateContent xmlns:mc="http://schemas.openxmlformats.org/markup-compatibility/2006">
-          <mc:Choice xmlns:p14="http://schemas.microsoft.com/office/powerpoint/2010/main" Requires="p14">
+        <mc:AlternateContent xmlns:mc="http://schemas.openxmlformats.org/markup-compatibility/2006" xmlns:p14="http://schemas.microsoft.com/office/powerpoint/2010/main">
+          <mc:Choice Requires="p14">
             <p:contentPart p14:bwMode="auto" r:id="rId178">
               <p14:nvContentPartPr>
                 <p14:cNvPr id="104" name="墨迹 103">
@@ -23647,7 +23998,7 @@
               </p14:xfrm>
             </p:contentPart>
           </mc:Choice>
-          <mc:Fallback>
+          <mc:Fallback xmlns="">
             <p:pic>
               <p:nvPicPr>
                 <p:cNvPr id="104" name="墨迹 103">
@@ -23678,8 +24029,8 @@
             </p:pic>
           </mc:Fallback>
         </mc:AlternateContent>
-        <mc:AlternateContent xmlns:mc="http://schemas.openxmlformats.org/markup-compatibility/2006">
-          <mc:Choice xmlns:p14="http://schemas.microsoft.com/office/powerpoint/2010/main" Requires="p14">
+        <mc:AlternateContent xmlns:mc="http://schemas.openxmlformats.org/markup-compatibility/2006" xmlns:p14="http://schemas.microsoft.com/office/powerpoint/2010/main">
+          <mc:Choice Requires="p14">
             <p:contentPart p14:bwMode="auto" r:id="rId180">
               <p14:nvContentPartPr>
                 <p14:cNvPr id="105" name="墨迹 104">
@@ -23698,7 +24049,7 @@
               </p14:xfrm>
             </p:contentPart>
           </mc:Choice>
-          <mc:Fallback>
+          <mc:Fallback xmlns="">
             <p:pic>
               <p:nvPicPr>
                 <p:cNvPr id="105" name="墨迹 104">
@@ -23729,8 +24080,8 @@
             </p:pic>
           </mc:Fallback>
         </mc:AlternateContent>
-        <mc:AlternateContent xmlns:mc="http://schemas.openxmlformats.org/markup-compatibility/2006">
-          <mc:Choice xmlns:p14="http://schemas.microsoft.com/office/powerpoint/2010/main" Requires="p14">
+        <mc:AlternateContent xmlns:mc="http://schemas.openxmlformats.org/markup-compatibility/2006" xmlns:p14="http://schemas.microsoft.com/office/powerpoint/2010/main">
+          <mc:Choice Requires="p14">
             <p:contentPart p14:bwMode="auto" r:id="rId182">
               <p14:nvContentPartPr>
                 <p14:cNvPr id="106" name="墨迹 105">
@@ -23749,7 +24100,7 @@
               </p14:xfrm>
             </p:contentPart>
           </mc:Choice>
-          <mc:Fallback>
+          <mc:Fallback xmlns="">
             <p:pic>
               <p:nvPicPr>
                 <p:cNvPr id="106" name="墨迹 105">
@@ -23780,8 +24131,8 @@
             </p:pic>
           </mc:Fallback>
         </mc:AlternateContent>
-        <mc:AlternateContent xmlns:mc="http://schemas.openxmlformats.org/markup-compatibility/2006">
-          <mc:Choice xmlns:p14="http://schemas.microsoft.com/office/powerpoint/2010/main" Requires="p14">
+        <mc:AlternateContent xmlns:mc="http://schemas.openxmlformats.org/markup-compatibility/2006" xmlns:p14="http://schemas.microsoft.com/office/powerpoint/2010/main">
+          <mc:Choice Requires="p14">
             <p:contentPart p14:bwMode="auto" r:id="rId184">
               <p14:nvContentPartPr>
                 <p14:cNvPr id="107" name="墨迹 106">
@@ -23800,7 +24151,7 @@
               </p14:xfrm>
             </p:contentPart>
           </mc:Choice>
-          <mc:Fallback>
+          <mc:Fallback xmlns="">
             <p:pic>
               <p:nvPicPr>
                 <p:cNvPr id="107" name="墨迹 106">
@@ -23831,8 +24182,8 @@
             </p:pic>
           </mc:Fallback>
         </mc:AlternateContent>
-        <mc:AlternateContent xmlns:mc="http://schemas.openxmlformats.org/markup-compatibility/2006">
-          <mc:Choice xmlns:p14="http://schemas.microsoft.com/office/powerpoint/2010/main" Requires="p14">
+        <mc:AlternateContent xmlns:mc="http://schemas.openxmlformats.org/markup-compatibility/2006" xmlns:p14="http://schemas.microsoft.com/office/powerpoint/2010/main">
+          <mc:Choice Requires="p14">
             <p:contentPart p14:bwMode="auto" r:id="rId186">
               <p14:nvContentPartPr>
                 <p14:cNvPr id="108" name="墨迹 107">
@@ -23851,7 +24202,7 @@
               </p14:xfrm>
             </p:contentPart>
           </mc:Choice>
-          <mc:Fallback>
+          <mc:Fallback xmlns="">
             <p:pic>
               <p:nvPicPr>
                 <p:cNvPr id="108" name="墨迹 107">
@@ -23882,8 +24233,8 @@
             </p:pic>
           </mc:Fallback>
         </mc:AlternateContent>
-        <mc:AlternateContent xmlns:mc="http://schemas.openxmlformats.org/markup-compatibility/2006">
-          <mc:Choice xmlns:p14="http://schemas.microsoft.com/office/powerpoint/2010/main" Requires="p14">
+        <mc:AlternateContent xmlns:mc="http://schemas.openxmlformats.org/markup-compatibility/2006" xmlns:p14="http://schemas.microsoft.com/office/powerpoint/2010/main">
+          <mc:Choice Requires="p14">
             <p:contentPart p14:bwMode="auto" r:id="rId188">
               <p14:nvContentPartPr>
                 <p14:cNvPr id="109" name="墨迹 108">
@@ -23902,7 +24253,7 @@
               </p14:xfrm>
             </p:contentPart>
           </mc:Choice>
-          <mc:Fallback>
+          <mc:Fallback xmlns="">
             <p:pic>
               <p:nvPicPr>
                 <p:cNvPr id="109" name="墨迹 108">
@@ -23933,8 +24284,8 @@
             </p:pic>
           </mc:Fallback>
         </mc:AlternateContent>
-        <mc:AlternateContent xmlns:mc="http://schemas.openxmlformats.org/markup-compatibility/2006">
-          <mc:Choice xmlns:p14="http://schemas.microsoft.com/office/powerpoint/2010/main" Requires="p14">
+        <mc:AlternateContent xmlns:mc="http://schemas.openxmlformats.org/markup-compatibility/2006" xmlns:p14="http://schemas.microsoft.com/office/powerpoint/2010/main">
+          <mc:Choice Requires="p14">
             <p:contentPart p14:bwMode="auto" r:id="rId190">
               <p14:nvContentPartPr>
                 <p14:cNvPr id="110" name="墨迹 109">
@@ -23953,7 +24304,7 @@
               </p14:xfrm>
             </p:contentPart>
           </mc:Choice>
-          <mc:Fallback>
+          <mc:Fallback xmlns="">
             <p:pic>
               <p:nvPicPr>
                 <p:cNvPr id="110" name="墨迹 109">
@@ -23984,8 +24335,8 @@
             </p:pic>
           </mc:Fallback>
         </mc:AlternateContent>
-        <mc:AlternateContent xmlns:mc="http://schemas.openxmlformats.org/markup-compatibility/2006">
-          <mc:Choice xmlns:p14="http://schemas.microsoft.com/office/powerpoint/2010/main" Requires="p14">
+        <mc:AlternateContent xmlns:mc="http://schemas.openxmlformats.org/markup-compatibility/2006" xmlns:p14="http://schemas.microsoft.com/office/powerpoint/2010/main">
+          <mc:Choice Requires="p14">
             <p:contentPart p14:bwMode="auto" r:id="rId192">
               <p14:nvContentPartPr>
                 <p14:cNvPr id="111" name="墨迹 110">
@@ -24004,7 +24355,7 @@
               </p14:xfrm>
             </p:contentPart>
           </mc:Choice>
-          <mc:Fallback>
+          <mc:Fallback xmlns="">
             <p:pic>
               <p:nvPicPr>
                 <p:cNvPr id="111" name="墨迹 110">
@@ -24035,8 +24386,8 @@
             </p:pic>
           </mc:Fallback>
         </mc:AlternateContent>
-        <mc:AlternateContent xmlns:mc="http://schemas.openxmlformats.org/markup-compatibility/2006">
-          <mc:Choice xmlns:p14="http://schemas.microsoft.com/office/powerpoint/2010/main" Requires="p14">
+        <mc:AlternateContent xmlns:mc="http://schemas.openxmlformats.org/markup-compatibility/2006" xmlns:p14="http://schemas.microsoft.com/office/powerpoint/2010/main">
+          <mc:Choice Requires="p14">
             <p:contentPart p14:bwMode="auto" r:id="rId194">
               <p14:nvContentPartPr>
                 <p14:cNvPr id="112" name="墨迹 111">
@@ -24055,7 +24406,7 @@
               </p14:xfrm>
             </p:contentPart>
           </mc:Choice>
-          <mc:Fallback>
+          <mc:Fallback xmlns="">
             <p:pic>
               <p:nvPicPr>
                 <p:cNvPr id="112" name="墨迹 111">
@@ -24086,8 +24437,8 @@
             </p:pic>
           </mc:Fallback>
         </mc:AlternateContent>
-        <mc:AlternateContent xmlns:mc="http://schemas.openxmlformats.org/markup-compatibility/2006">
-          <mc:Choice xmlns:p14="http://schemas.microsoft.com/office/powerpoint/2010/main" Requires="p14">
+        <mc:AlternateContent xmlns:mc="http://schemas.openxmlformats.org/markup-compatibility/2006" xmlns:p14="http://schemas.microsoft.com/office/powerpoint/2010/main">
+          <mc:Choice Requires="p14">
             <p:contentPart p14:bwMode="auto" r:id="rId196">
               <p14:nvContentPartPr>
                 <p14:cNvPr id="113" name="墨迹 112">
@@ -24106,7 +24457,7 @@
               </p14:xfrm>
             </p:contentPart>
           </mc:Choice>
-          <mc:Fallback>
+          <mc:Fallback xmlns="">
             <p:pic>
               <p:nvPicPr>
                 <p:cNvPr id="113" name="墨迹 112">
@@ -24137,8 +24488,8 @@
             </p:pic>
           </mc:Fallback>
         </mc:AlternateContent>
-        <mc:AlternateContent xmlns:mc="http://schemas.openxmlformats.org/markup-compatibility/2006">
-          <mc:Choice xmlns:p14="http://schemas.microsoft.com/office/powerpoint/2010/main" Requires="p14">
+        <mc:AlternateContent xmlns:mc="http://schemas.openxmlformats.org/markup-compatibility/2006" xmlns:p14="http://schemas.microsoft.com/office/powerpoint/2010/main">
+          <mc:Choice Requires="p14">
             <p:contentPart p14:bwMode="auto" r:id="rId198">
               <p14:nvContentPartPr>
                 <p14:cNvPr id="114" name="墨迹 113">
@@ -24157,7 +24508,7 @@
               </p14:xfrm>
             </p:contentPart>
           </mc:Choice>
-          <mc:Fallback>
+          <mc:Fallback xmlns="">
             <p:pic>
               <p:nvPicPr>
                 <p:cNvPr id="114" name="墨迹 113">
@@ -24188,8 +24539,8 @@
             </p:pic>
           </mc:Fallback>
         </mc:AlternateContent>
-        <mc:AlternateContent xmlns:mc="http://schemas.openxmlformats.org/markup-compatibility/2006">
-          <mc:Choice xmlns:p14="http://schemas.microsoft.com/office/powerpoint/2010/main" Requires="p14">
+        <mc:AlternateContent xmlns:mc="http://schemas.openxmlformats.org/markup-compatibility/2006" xmlns:p14="http://schemas.microsoft.com/office/powerpoint/2010/main">
+          <mc:Choice Requires="p14">
             <p:contentPart p14:bwMode="auto" r:id="rId200">
               <p14:nvContentPartPr>
                 <p14:cNvPr id="115" name="墨迹 114">
@@ -24208,7 +24559,7 @@
               </p14:xfrm>
             </p:contentPart>
           </mc:Choice>
-          <mc:Fallback>
+          <mc:Fallback xmlns="">
             <p:pic>
               <p:nvPicPr>
                 <p:cNvPr id="115" name="墨迹 114">
@@ -24239,8 +24590,8 @@
             </p:pic>
           </mc:Fallback>
         </mc:AlternateContent>
-        <mc:AlternateContent xmlns:mc="http://schemas.openxmlformats.org/markup-compatibility/2006">
-          <mc:Choice xmlns:p14="http://schemas.microsoft.com/office/powerpoint/2010/main" Requires="p14">
+        <mc:AlternateContent xmlns:mc="http://schemas.openxmlformats.org/markup-compatibility/2006" xmlns:p14="http://schemas.microsoft.com/office/powerpoint/2010/main">
+          <mc:Choice Requires="p14">
             <p:contentPart p14:bwMode="auto" r:id="rId202">
               <p14:nvContentPartPr>
                 <p14:cNvPr id="116" name="墨迹 115">
@@ -24259,7 +24610,7 @@
               </p14:xfrm>
             </p:contentPart>
           </mc:Choice>
-          <mc:Fallback>
+          <mc:Fallback xmlns="">
             <p:pic>
               <p:nvPicPr>
                 <p:cNvPr id="116" name="墨迹 115">
@@ -24290,8 +24641,8 @@
             </p:pic>
           </mc:Fallback>
         </mc:AlternateContent>
-        <mc:AlternateContent xmlns:mc="http://schemas.openxmlformats.org/markup-compatibility/2006">
-          <mc:Choice xmlns:p14="http://schemas.microsoft.com/office/powerpoint/2010/main" Requires="p14">
+        <mc:AlternateContent xmlns:mc="http://schemas.openxmlformats.org/markup-compatibility/2006" xmlns:p14="http://schemas.microsoft.com/office/powerpoint/2010/main">
+          <mc:Choice Requires="p14">
             <p:contentPart p14:bwMode="auto" r:id="rId204">
               <p14:nvContentPartPr>
                 <p14:cNvPr id="117" name="墨迹 116">
@@ -24310,7 +24661,7 @@
               </p14:xfrm>
             </p:contentPart>
           </mc:Choice>
-          <mc:Fallback>
+          <mc:Fallback xmlns="">
             <p:pic>
               <p:nvPicPr>
                 <p:cNvPr id="117" name="墨迹 116">
@@ -24341,8 +24692,8 @@
             </p:pic>
           </mc:Fallback>
         </mc:AlternateContent>
-        <mc:AlternateContent xmlns:mc="http://schemas.openxmlformats.org/markup-compatibility/2006">
-          <mc:Choice xmlns:p14="http://schemas.microsoft.com/office/powerpoint/2010/main" Requires="p14">
+        <mc:AlternateContent xmlns:mc="http://schemas.openxmlformats.org/markup-compatibility/2006" xmlns:p14="http://schemas.microsoft.com/office/powerpoint/2010/main">
+          <mc:Choice Requires="p14">
             <p:contentPart p14:bwMode="auto" r:id="rId206">
               <p14:nvContentPartPr>
                 <p14:cNvPr id="118" name="墨迹 117">
@@ -24361,7 +24712,7 @@
               </p14:xfrm>
             </p:contentPart>
           </mc:Choice>
-          <mc:Fallback>
+          <mc:Fallback xmlns="">
             <p:pic>
               <p:nvPicPr>
                 <p:cNvPr id="118" name="墨迹 117">
@@ -24392,8 +24743,8 @@
             </p:pic>
           </mc:Fallback>
         </mc:AlternateContent>
-        <mc:AlternateContent xmlns:mc="http://schemas.openxmlformats.org/markup-compatibility/2006">
-          <mc:Choice xmlns:p14="http://schemas.microsoft.com/office/powerpoint/2010/main" Requires="p14">
+        <mc:AlternateContent xmlns:mc="http://schemas.openxmlformats.org/markup-compatibility/2006" xmlns:p14="http://schemas.microsoft.com/office/powerpoint/2010/main">
+          <mc:Choice Requires="p14">
             <p:contentPart p14:bwMode="auto" r:id="rId208">
               <p14:nvContentPartPr>
                 <p14:cNvPr id="120" name="墨迹 119">
@@ -24412,7 +24763,7 @@
               </p14:xfrm>
             </p:contentPart>
           </mc:Choice>
-          <mc:Fallback>
+          <mc:Fallback xmlns="">
             <p:pic>
               <p:nvPicPr>
                 <p:cNvPr id="120" name="墨迹 119">
@@ -24443,8 +24794,8 @@
             </p:pic>
           </mc:Fallback>
         </mc:AlternateContent>
-        <mc:AlternateContent xmlns:mc="http://schemas.openxmlformats.org/markup-compatibility/2006">
-          <mc:Choice xmlns:p14="http://schemas.microsoft.com/office/powerpoint/2010/main" Requires="p14">
+        <mc:AlternateContent xmlns:mc="http://schemas.openxmlformats.org/markup-compatibility/2006" xmlns:p14="http://schemas.microsoft.com/office/powerpoint/2010/main">
+          <mc:Choice Requires="p14">
             <p:contentPart p14:bwMode="auto" r:id="rId210">
               <p14:nvContentPartPr>
                 <p14:cNvPr id="121" name="墨迹 120">
@@ -24463,7 +24814,7 @@
               </p14:xfrm>
             </p:contentPart>
           </mc:Choice>
-          <mc:Fallback>
+          <mc:Fallback xmlns="">
             <p:pic>
               <p:nvPicPr>
                 <p:cNvPr id="121" name="墨迹 120">
@@ -24494,8 +24845,8 @@
             </p:pic>
           </mc:Fallback>
         </mc:AlternateContent>
-        <mc:AlternateContent xmlns:mc="http://schemas.openxmlformats.org/markup-compatibility/2006">
-          <mc:Choice xmlns:p14="http://schemas.microsoft.com/office/powerpoint/2010/main" Requires="p14">
+        <mc:AlternateContent xmlns:mc="http://schemas.openxmlformats.org/markup-compatibility/2006" xmlns:p14="http://schemas.microsoft.com/office/powerpoint/2010/main">
+          <mc:Choice Requires="p14">
             <p:contentPart p14:bwMode="auto" r:id="rId212">
               <p14:nvContentPartPr>
                 <p14:cNvPr id="122" name="墨迹 121">
@@ -24514,7 +24865,7 @@
               </p14:xfrm>
             </p:contentPart>
           </mc:Choice>
-          <mc:Fallback>
+          <mc:Fallback xmlns="">
             <p:pic>
               <p:nvPicPr>
                 <p:cNvPr id="122" name="墨迹 121">
@@ -24545,8 +24896,8 @@
             </p:pic>
           </mc:Fallback>
         </mc:AlternateContent>
-        <mc:AlternateContent xmlns:mc="http://schemas.openxmlformats.org/markup-compatibility/2006">
-          <mc:Choice xmlns:p14="http://schemas.microsoft.com/office/powerpoint/2010/main" Requires="p14">
+        <mc:AlternateContent xmlns:mc="http://schemas.openxmlformats.org/markup-compatibility/2006" xmlns:p14="http://schemas.microsoft.com/office/powerpoint/2010/main">
+          <mc:Choice Requires="p14">
             <p:contentPart p14:bwMode="auto" r:id="rId214">
               <p14:nvContentPartPr>
                 <p14:cNvPr id="123" name="墨迹 122">
@@ -24565,7 +24916,7 @@
               </p14:xfrm>
             </p:contentPart>
           </mc:Choice>
-          <mc:Fallback>
+          <mc:Fallback xmlns="">
             <p:pic>
               <p:nvPicPr>
                 <p:cNvPr id="123" name="墨迹 122">
@@ -24596,8 +24947,8 @@
             </p:pic>
           </mc:Fallback>
         </mc:AlternateContent>
-        <mc:AlternateContent xmlns:mc="http://schemas.openxmlformats.org/markup-compatibility/2006">
-          <mc:Choice xmlns:p14="http://schemas.microsoft.com/office/powerpoint/2010/main" Requires="p14">
+        <mc:AlternateContent xmlns:mc="http://schemas.openxmlformats.org/markup-compatibility/2006" xmlns:p14="http://schemas.microsoft.com/office/powerpoint/2010/main">
+          <mc:Choice Requires="p14">
             <p:contentPart p14:bwMode="auto" r:id="rId216">
               <p14:nvContentPartPr>
                 <p14:cNvPr id="124" name="墨迹 123">
@@ -24616,7 +24967,7 @@
               </p14:xfrm>
             </p:contentPart>
           </mc:Choice>
-          <mc:Fallback>
+          <mc:Fallback xmlns="">
             <p:pic>
               <p:nvPicPr>
                 <p:cNvPr id="124" name="墨迹 123">
@@ -24647,8 +24998,8 @@
             </p:pic>
           </mc:Fallback>
         </mc:AlternateContent>
-        <mc:AlternateContent xmlns:mc="http://schemas.openxmlformats.org/markup-compatibility/2006">
-          <mc:Choice xmlns:p14="http://schemas.microsoft.com/office/powerpoint/2010/main" Requires="p14">
+        <mc:AlternateContent xmlns:mc="http://schemas.openxmlformats.org/markup-compatibility/2006" xmlns:p14="http://schemas.microsoft.com/office/powerpoint/2010/main">
+          <mc:Choice Requires="p14">
             <p:contentPart p14:bwMode="auto" r:id="rId218">
               <p14:nvContentPartPr>
                 <p14:cNvPr id="125" name="墨迹 124">
@@ -24667,7 +25018,7 @@
               </p14:xfrm>
             </p:contentPart>
           </mc:Choice>
-          <mc:Fallback>
+          <mc:Fallback xmlns="">
             <p:pic>
               <p:nvPicPr>
                 <p:cNvPr id="125" name="墨迹 124">
@@ -24698,8 +25049,8 @@
             </p:pic>
           </mc:Fallback>
         </mc:AlternateContent>
-        <mc:AlternateContent xmlns:mc="http://schemas.openxmlformats.org/markup-compatibility/2006">
-          <mc:Choice xmlns:p14="http://schemas.microsoft.com/office/powerpoint/2010/main" Requires="p14">
+        <mc:AlternateContent xmlns:mc="http://schemas.openxmlformats.org/markup-compatibility/2006" xmlns:p14="http://schemas.microsoft.com/office/powerpoint/2010/main">
+          <mc:Choice Requires="p14">
             <p:contentPart p14:bwMode="auto" r:id="rId220">
               <p14:nvContentPartPr>
                 <p14:cNvPr id="126" name="墨迹 125">
@@ -24718,7 +25069,7 @@
               </p14:xfrm>
             </p:contentPart>
           </mc:Choice>
-          <mc:Fallback>
+          <mc:Fallback xmlns="">
             <p:pic>
               <p:nvPicPr>
                 <p:cNvPr id="126" name="墨迹 125">
@@ -24749,8 +25100,8 @@
             </p:pic>
           </mc:Fallback>
         </mc:AlternateContent>
-        <mc:AlternateContent xmlns:mc="http://schemas.openxmlformats.org/markup-compatibility/2006">
-          <mc:Choice xmlns:p14="http://schemas.microsoft.com/office/powerpoint/2010/main" Requires="p14">
+        <mc:AlternateContent xmlns:mc="http://schemas.openxmlformats.org/markup-compatibility/2006" xmlns:p14="http://schemas.microsoft.com/office/powerpoint/2010/main">
+          <mc:Choice Requires="p14">
             <p:contentPart p14:bwMode="auto" r:id="rId222">
               <p14:nvContentPartPr>
                 <p14:cNvPr id="127" name="墨迹 126">
@@ -24769,7 +25120,7 @@
               </p14:xfrm>
             </p:contentPart>
           </mc:Choice>
-          <mc:Fallback>
+          <mc:Fallback xmlns="">
             <p:pic>
               <p:nvPicPr>
                 <p:cNvPr id="127" name="墨迹 126">
@@ -24800,8 +25151,8 @@
             </p:pic>
           </mc:Fallback>
         </mc:AlternateContent>
-        <mc:AlternateContent xmlns:mc="http://schemas.openxmlformats.org/markup-compatibility/2006">
-          <mc:Choice xmlns:p14="http://schemas.microsoft.com/office/powerpoint/2010/main" Requires="p14">
+        <mc:AlternateContent xmlns:mc="http://schemas.openxmlformats.org/markup-compatibility/2006" xmlns:p14="http://schemas.microsoft.com/office/powerpoint/2010/main">
+          <mc:Choice Requires="p14">
             <p:contentPart p14:bwMode="auto" r:id="rId224">
               <p14:nvContentPartPr>
                 <p14:cNvPr id="128" name="墨迹 127">
@@ -24820,7 +25171,7 @@
               </p14:xfrm>
             </p:contentPart>
           </mc:Choice>
-          <mc:Fallback>
+          <mc:Fallback xmlns="">
             <p:pic>
               <p:nvPicPr>
                 <p:cNvPr id="128" name="墨迹 127">
@@ -24851,8 +25202,8 @@
             </p:pic>
           </mc:Fallback>
         </mc:AlternateContent>
-        <mc:AlternateContent xmlns:mc="http://schemas.openxmlformats.org/markup-compatibility/2006">
-          <mc:Choice xmlns:p14="http://schemas.microsoft.com/office/powerpoint/2010/main" Requires="p14">
+        <mc:AlternateContent xmlns:mc="http://schemas.openxmlformats.org/markup-compatibility/2006" xmlns:p14="http://schemas.microsoft.com/office/powerpoint/2010/main">
+          <mc:Choice Requires="p14">
             <p:contentPart p14:bwMode="auto" r:id="rId226">
               <p14:nvContentPartPr>
                 <p14:cNvPr id="129" name="墨迹 128">
@@ -24871,7 +25222,7 @@
               </p14:xfrm>
             </p:contentPart>
           </mc:Choice>
-          <mc:Fallback>
+          <mc:Fallback xmlns="">
             <p:pic>
               <p:nvPicPr>
                 <p:cNvPr id="129" name="墨迹 128">
@@ -24902,8 +25253,8 @@
             </p:pic>
           </mc:Fallback>
         </mc:AlternateContent>
-        <mc:AlternateContent xmlns:mc="http://schemas.openxmlformats.org/markup-compatibility/2006">
-          <mc:Choice xmlns:p14="http://schemas.microsoft.com/office/powerpoint/2010/main" Requires="p14">
+        <mc:AlternateContent xmlns:mc="http://schemas.openxmlformats.org/markup-compatibility/2006" xmlns:p14="http://schemas.microsoft.com/office/powerpoint/2010/main">
+          <mc:Choice Requires="p14">
             <p:contentPart p14:bwMode="auto" r:id="rId228">
               <p14:nvContentPartPr>
                 <p14:cNvPr id="130" name="墨迹 129">
@@ -24922,7 +25273,7 @@
               </p14:xfrm>
             </p:contentPart>
           </mc:Choice>
-          <mc:Fallback>
+          <mc:Fallback xmlns="">
             <p:pic>
               <p:nvPicPr>
                 <p:cNvPr id="130" name="墨迹 129">
@@ -24953,8 +25304,8 @@
             </p:pic>
           </mc:Fallback>
         </mc:AlternateContent>
-        <mc:AlternateContent xmlns:mc="http://schemas.openxmlformats.org/markup-compatibility/2006">
-          <mc:Choice xmlns:p14="http://schemas.microsoft.com/office/powerpoint/2010/main" Requires="p14">
+        <mc:AlternateContent xmlns:mc="http://schemas.openxmlformats.org/markup-compatibility/2006" xmlns:p14="http://schemas.microsoft.com/office/powerpoint/2010/main">
+          <mc:Choice Requires="p14">
             <p:contentPart p14:bwMode="auto" r:id="rId230">
               <p14:nvContentPartPr>
                 <p14:cNvPr id="132" name="墨迹 131">
@@ -24973,7 +25324,7 @@
               </p14:xfrm>
             </p:contentPart>
           </mc:Choice>
-          <mc:Fallback>
+          <mc:Fallback xmlns="">
             <p:pic>
               <p:nvPicPr>
                 <p:cNvPr id="132" name="墨迹 131">
@@ -25004,8 +25355,8 @@
             </p:pic>
           </mc:Fallback>
         </mc:AlternateContent>
-        <mc:AlternateContent xmlns:mc="http://schemas.openxmlformats.org/markup-compatibility/2006">
-          <mc:Choice xmlns:p14="http://schemas.microsoft.com/office/powerpoint/2010/main" Requires="p14">
+        <mc:AlternateContent xmlns:mc="http://schemas.openxmlformats.org/markup-compatibility/2006" xmlns:p14="http://schemas.microsoft.com/office/powerpoint/2010/main">
+          <mc:Choice Requires="p14">
             <p:contentPart p14:bwMode="auto" r:id="rId232">
               <p14:nvContentPartPr>
                 <p14:cNvPr id="133" name="墨迹 132">
@@ -25024,7 +25375,7 @@
               </p14:xfrm>
             </p:contentPart>
           </mc:Choice>
-          <mc:Fallback>
+          <mc:Fallback xmlns="">
             <p:pic>
               <p:nvPicPr>
                 <p:cNvPr id="133" name="墨迹 132">
@@ -25700,8 +26051,8 @@
             <a:chExt cx="6976080" cy="1654560"/>
           </a:xfrm>
         </p:grpSpPr>
-        <mc:AlternateContent xmlns:mc="http://schemas.openxmlformats.org/markup-compatibility/2006">
-          <mc:Choice xmlns:p14="http://schemas.microsoft.com/office/powerpoint/2010/main" Requires="p14">
+        <mc:AlternateContent xmlns:mc="http://schemas.openxmlformats.org/markup-compatibility/2006" xmlns:p14="http://schemas.microsoft.com/office/powerpoint/2010/main">
+          <mc:Choice Requires="p14">
             <p:contentPart p14:bwMode="auto" r:id="rId5">
               <p14:nvContentPartPr>
                 <p14:cNvPr id="2" name="墨迹 1">
@@ -25720,7 +26071,7 @@
               </p14:xfrm>
             </p:contentPart>
           </mc:Choice>
-          <mc:Fallback>
+          <mc:Fallback xmlns="">
             <p:pic>
               <p:nvPicPr>
                 <p:cNvPr id="2" name="墨迹 1">
@@ -25751,8 +26102,8 @@
             </p:pic>
           </mc:Fallback>
         </mc:AlternateContent>
-        <mc:AlternateContent xmlns:mc="http://schemas.openxmlformats.org/markup-compatibility/2006">
-          <mc:Choice xmlns:p14="http://schemas.microsoft.com/office/powerpoint/2010/main" Requires="p14">
+        <mc:AlternateContent xmlns:mc="http://schemas.openxmlformats.org/markup-compatibility/2006" xmlns:p14="http://schemas.microsoft.com/office/powerpoint/2010/main">
+          <mc:Choice Requires="p14">
             <p:contentPart p14:bwMode="auto" r:id="rId7">
               <p14:nvContentPartPr>
                 <p14:cNvPr id="3" name="墨迹 2">
@@ -25771,7 +26122,7 @@
               </p14:xfrm>
             </p:contentPart>
           </mc:Choice>
-          <mc:Fallback>
+          <mc:Fallback xmlns="">
             <p:pic>
               <p:nvPicPr>
                 <p:cNvPr id="3" name="墨迹 2">
@@ -25802,8 +26153,8 @@
             </p:pic>
           </mc:Fallback>
         </mc:AlternateContent>
-        <mc:AlternateContent xmlns:mc="http://schemas.openxmlformats.org/markup-compatibility/2006">
-          <mc:Choice xmlns:p14="http://schemas.microsoft.com/office/powerpoint/2010/main" Requires="p14">
+        <mc:AlternateContent xmlns:mc="http://schemas.openxmlformats.org/markup-compatibility/2006" xmlns:p14="http://schemas.microsoft.com/office/powerpoint/2010/main">
+          <mc:Choice Requires="p14">
             <p:contentPart p14:bwMode="auto" r:id="rId9">
               <p14:nvContentPartPr>
                 <p14:cNvPr id="7" name="墨迹 6">
@@ -25822,7 +26173,7 @@
               </p14:xfrm>
             </p:contentPart>
           </mc:Choice>
-          <mc:Fallback>
+          <mc:Fallback xmlns="">
             <p:pic>
               <p:nvPicPr>
                 <p:cNvPr id="7" name="墨迹 6">
@@ -26873,6 +27224,57 @@
           </mc:Fallback>
         </mc:AlternateContent>
       </p:grpSp>
+      <mc:AlternateContent xmlns:mc="http://schemas.openxmlformats.org/markup-compatibility/2006" xmlns:p14="http://schemas.microsoft.com/office/powerpoint/2010/main">
+        <mc:Choice Requires="p14">
+          <p:contentPart p14:bwMode="auto" r:id="rId33">
+            <p14:nvContentPartPr>
+              <p14:cNvPr id="16" name="Ink 15">
+                <a:extLst>
+                  <a:ext uri="{FF2B5EF4-FFF2-40B4-BE49-F238E27FC236}">
+                    <a16:creationId xmlns:a16="http://schemas.microsoft.com/office/drawing/2014/main" id="{8CDCDBF6-C383-8343-56CA-29BE7CADE8EF}"/>
+                  </a:ext>
+                </a:extLst>
+              </p14:cNvPr>
+              <p14:cNvContentPartPr/>
+              <p14:nvPr/>
+            </p14:nvContentPartPr>
+            <p14:xfrm>
+              <a:off x="5517266" y="206448"/>
+              <a:ext cx="3652200" cy="2908080"/>
+            </p14:xfrm>
+          </p:contentPart>
+        </mc:Choice>
+        <mc:Fallback xmlns="">
+          <p:pic>
+            <p:nvPicPr>
+              <p:cNvPr id="16" name="Ink 15">
+                <a:extLst>
+                  <a:ext uri="{FF2B5EF4-FFF2-40B4-BE49-F238E27FC236}">
+                    <a16:creationId xmlns:a16="http://schemas.microsoft.com/office/drawing/2014/main" id="{8CDCDBF6-C383-8343-56CA-29BE7CADE8EF}"/>
+                  </a:ext>
+                </a:extLst>
+              </p:cNvPr>
+              <p:cNvPicPr/>
+              <p:nvPr/>
+            </p:nvPicPr>
+            <p:blipFill>
+              <a:blip r:embed="rId34"/>
+              <a:stretch>
+                <a:fillRect/>
+              </a:stretch>
+            </p:blipFill>
+            <p:spPr>
+              <a:xfrm>
+                <a:off x="5499266" y="188448"/>
+                <a:ext cx="3687840" cy="2943720"/>
+              </a:xfrm>
+              <a:prstGeom prst="rect">
+                <a:avLst/>
+              </a:prstGeom>
+            </p:spPr>
+          </p:pic>
+        </mc:Fallback>
+      </mc:AlternateContent>
     </p:spTree>
     <p:extLst>
       <p:ext uri="{BB962C8B-B14F-4D97-AF65-F5344CB8AC3E}">
@@ -28683,6 +29085,108 @@
           </p:pic>
         </mc:Fallback>
       </mc:AlternateContent>
+      <mc:AlternateContent xmlns:mc="http://schemas.openxmlformats.org/markup-compatibility/2006" xmlns:p14="http://schemas.microsoft.com/office/powerpoint/2010/main">
+        <mc:Choice Requires="p14">
+          <p:contentPart p14:bwMode="auto" r:id="rId63">
+            <p14:nvContentPartPr>
+              <p14:cNvPr id="40" name="Ink 39">
+                <a:extLst>
+                  <a:ext uri="{FF2B5EF4-FFF2-40B4-BE49-F238E27FC236}">
+                    <a16:creationId xmlns:a16="http://schemas.microsoft.com/office/drawing/2014/main" id="{644E9515-D88C-FA34-E54C-DD54278ABB0D}"/>
+                  </a:ext>
+                </a:extLst>
+              </p14:cNvPr>
+              <p14:cNvContentPartPr/>
+              <p14:nvPr/>
+            </p14:nvContentPartPr>
+            <p14:xfrm>
+              <a:off x="5943506" y="104799"/>
+              <a:ext cx="1197360" cy="685080"/>
+            </p14:xfrm>
+          </p:contentPart>
+        </mc:Choice>
+        <mc:Fallback xmlns="">
+          <p:pic>
+            <p:nvPicPr>
+              <p:cNvPr id="40" name="Ink 39">
+                <a:extLst>
+                  <a:ext uri="{FF2B5EF4-FFF2-40B4-BE49-F238E27FC236}">
+                    <a16:creationId xmlns:a16="http://schemas.microsoft.com/office/drawing/2014/main" id="{644E9515-D88C-FA34-E54C-DD54278ABB0D}"/>
+                  </a:ext>
+                </a:extLst>
+              </p:cNvPr>
+              <p:cNvPicPr/>
+              <p:nvPr/>
+            </p:nvPicPr>
+            <p:blipFill>
+              <a:blip r:embed="rId64"/>
+              <a:stretch>
+                <a:fillRect/>
+              </a:stretch>
+            </p:blipFill>
+            <p:spPr>
+              <a:xfrm>
+                <a:off x="5925506" y="87159"/>
+                <a:ext cx="1233000" cy="720720"/>
+              </a:xfrm>
+              <a:prstGeom prst="rect">
+                <a:avLst/>
+              </a:prstGeom>
+            </p:spPr>
+          </p:pic>
+        </mc:Fallback>
+      </mc:AlternateContent>
+      <mc:AlternateContent xmlns:mc="http://schemas.openxmlformats.org/markup-compatibility/2006" xmlns:p14="http://schemas.microsoft.com/office/powerpoint/2010/main">
+        <mc:Choice Requires="p14">
+          <p:contentPart p14:bwMode="auto" r:id="rId65">
+            <p14:nvContentPartPr>
+              <p14:cNvPr id="41" name="Ink 40">
+                <a:extLst>
+                  <a:ext uri="{FF2B5EF4-FFF2-40B4-BE49-F238E27FC236}">
+                    <a16:creationId xmlns:a16="http://schemas.microsoft.com/office/drawing/2014/main" id="{7A0BC675-60F8-A1CC-6555-0FD964938614}"/>
+                  </a:ext>
+                </a:extLst>
+              </p14:cNvPr>
+              <p14:cNvContentPartPr/>
+              <p14:nvPr/>
+            </p14:nvContentPartPr>
+            <p14:xfrm>
+              <a:off x="105026" y="-7161"/>
+              <a:ext cx="1396800" cy="521640"/>
+            </p14:xfrm>
+          </p:contentPart>
+        </mc:Choice>
+        <mc:Fallback xmlns="">
+          <p:pic>
+            <p:nvPicPr>
+              <p:cNvPr id="41" name="Ink 40">
+                <a:extLst>
+                  <a:ext uri="{FF2B5EF4-FFF2-40B4-BE49-F238E27FC236}">
+                    <a16:creationId xmlns:a16="http://schemas.microsoft.com/office/drawing/2014/main" id="{7A0BC675-60F8-A1CC-6555-0FD964938614}"/>
+                  </a:ext>
+                </a:extLst>
+              </p:cNvPr>
+              <p:cNvPicPr/>
+              <p:nvPr/>
+            </p:nvPicPr>
+            <p:blipFill>
+              <a:blip r:embed="rId66"/>
+              <a:stretch>
+                <a:fillRect/>
+              </a:stretch>
+            </p:blipFill>
+            <p:spPr>
+              <a:xfrm>
+                <a:off x="87386" y="-25161"/>
+                <a:ext cx="1432440" cy="557280"/>
+              </a:xfrm>
+              <a:prstGeom prst="rect">
+                <a:avLst/>
+              </a:prstGeom>
+            </p:spPr>
+          </p:pic>
+        </mc:Fallback>
+      </mc:AlternateContent>
     </p:spTree>
     <p:extLst>
       <p:ext uri="{BB962C8B-B14F-4D97-AF65-F5344CB8AC3E}">
